--- a/2D_Project/2DGP.pptx
+++ b/2D_Project/2DGP.pptx
@@ -5,15 +5,12 @@
     <p:sldMasterId id="2147483648" r:id="rId1"/>
   </p:sldMasterIdLst>
   <p:notesMasterIdLst>
-    <p:notesMasterId r:id="rId8"/>
+    <p:notesMasterId r:id="rId5"/>
   </p:notesMasterIdLst>
   <p:sldIdLst>
     <p:sldId id="256" r:id="rId2"/>
-    <p:sldId id="268" r:id="rId3"/>
-    <p:sldId id="261" r:id="rId4"/>
-    <p:sldId id="267" r:id="rId5"/>
-    <p:sldId id="269" r:id="rId6"/>
-    <p:sldId id="270" r:id="rId7"/>
+    <p:sldId id="261" r:id="rId3"/>
+    <p:sldId id="270" r:id="rId4"/>
   </p:sldIdLst>
   <p:sldSz cx="9144000" cy="6858000" type="screen4x3"/>
   <p:notesSz cx="6858000" cy="9144000"/>
@@ -114,7 +111,7 @@
   </p:defaultTextStyle>
   <p:extLst>
     <p:ext uri="{EFAFB233-063F-42B5-8137-9DF3F51BA10A}">
-      <p15:sldGuideLst xmlns:p15="http://schemas.microsoft.com/office/powerpoint/2012/main">
+      <p15:sldGuideLst xmlns:p15="http://schemas.microsoft.com/office/powerpoint/2012/main" xmlns="">
         <p15:guide id="1" orient="horz" pos="2160">
           <p15:clr>
             <a:srgbClr val="A4A3A4"/>
@@ -128,7 +125,7 @@
       </p15:sldGuideLst>
     </p:ext>
     <p:ext uri="{2D200454-40CA-4A62-9FC3-DE9A4176ACB9}">
-      <p15:notesGuideLst xmlns:p15="http://schemas.microsoft.com/office/powerpoint/2012/main">
+      <p15:notesGuideLst xmlns:p15="http://schemas.microsoft.com/office/powerpoint/2012/main" xmlns="">
         <p15:guide id="1" orient="horz" pos="2880">
           <p15:clr>
             <a:srgbClr val="A4A3A4"/>
@@ -228,7 +225,7 @@
             <a:fld id="{DB990311-0366-4959-B69A-64B45A1E4092}" type="datetimeFigureOut">
               <a:rPr lang="ko-KR" altLang="en-US" smtClean="0"/>
               <a:pPr/>
-              <a:t>2019-10-29</a:t>
+              <a:t>2019-11-24</a:t>
             </a:fld>
             <a:endParaRPr lang="ko-KR" altLang="en-US"/>
           </a:p>
@@ -397,7 +394,7 @@
     </p:spTree>
     <p:extLst>
       <p:ext uri="{BB962C8B-B14F-4D97-AF65-F5344CB8AC3E}">
-        <p14:creationId xmlns:p14="http://schemas.microsoft.com/office/powerpoint/2010/main" val="1149961979"/>
+        <p14:creationId xmlns:p14="http://schemas.microsoft.com/office/powerpoint/2010/main" xmlns="" val="1149961979"/>
       </p:ext>
     </p:extLst>
   </p:cSld>
@@ -572,151 +569,7 @@
     </p:spTree>
     <p:extLst>
       <p:ext uri="{BB962C8B-B14F-4D97-AF65-F5344CB8AC3E}">
-        <p14:creationId xmlns:p14="http://schemas.microsoft.com/office/powerpoint/2010/main" val="1888460632"/>
-      </p:ext>
-    </p:extLst>
-  </p:cSld>
-  <p:clrMapOvr>
-    <a:masterClrMapping/>
-  </p:clrMapOvr>
-</p:notes>
-</file>
-
-<file path=ppt/notesSlides/notesSlide2.xml><?xml version="1.0" encoding="utf-8"?>
-<p:notes xmlns:a="http://schemas.openxmlformats.org/drawingml/2006/main" xmlns:r="http://schemas.openxmlformats.org/officeDocument/2006/relationships" xmlns:p="http://schemas.openxmlformats.org/presentationml/2006/main">
-  <p:cSld>
-    <p:spTree>
-      <p:nvGrpSpPr>
-        <p:cNvPr id="1" name=""/>
-        <p:cNvGrpSpPr/>
-        <p:nvPr/>
-      </p:nvGrpSpPr>
-      <p:grpSpPr>
-        <a:xfrm>
-          <a:off x="0" y="0"/>
-          <a:ext cx="0" cy="0"/>
-          <a:chOff x="0" y="0"/>
-          <a:chExt cx="0" cy="0"/>
-        </a:xfrm>
-      </p:grpSpPr>
-      <p:sp>
-        <p:nvSpPr>
-          <p:cNvPr id="2" name="슬라이드 이미지 개체 틀 1"/>
-          <p:cNvSpPr>
-            <a:spLocks noGrp="1" noRot="1" noChangeAspect="1"/>
-          </p:cNvSpPr>
-          <p:nvPr>
-            <p:ph type="sldImg"/>
-          </p:nvPr>
-        </p:nvSpPr>
-        <p:spPr/>
-      </p:sp>
-      <p:sp>
-        <p:nvSpPr>
-          <p:cNvPr id="3" name="슬라이드 노트 개체 틀 2"/>
-          <p:cNvSpPr>
-            <a:spLocks noGrp="1"/>
-          </p:cNvSpPr>
-          <p:nvPr>
-            <p:ph type="body" idx="1"/>
-          </p:nvPr>
-        </p:nvSpPr>
-        <p:spPr/>
-        <p:txBody>
-          <a:bodyPr/>
-          <a:lstStyle/>
-          <a:p>
-            <a:endParaRPr lang="ko-KR" altLang="en-US" dirty="0"/>
-          </a:p>
-        </p:txBody>
-      </p:sp>
-      <p:sp>
-        <p:nvSpPr>
-          <p:cNvPr id="4" name="슬라이드 번호 개체 틀 3"/>
-          <p:cNvSpPr>
-            <a:spLocks noGrp="1"/>
-          </p:cNvSpPr>
-          <p:nvPr>
-            <p:ph type="sldNum" sz="quarter" idx="10"/>
-          </p:nvPr>
-        </p:nvSpPr>
-        <p:spPr/>
-        <p:txBody>
-          <a:bodyPr/>
-          <a:lstStyle/>
-          <a:p>
-            <a:pPr marL="0" marR="0" lvl="0" indent="0" algn="r" defTabSz="914400" rtl="0" eaLnBrk="1" fontAlgn="auto" latinLnBrk="1" hangingPunct="1">
-              <a:lnSpc>
-                <a:spcPct val="100000"/>
-              </a:lnSpc>
-              <a:spcBef>
-                <a:spcPts val="0"/>
-              </a:spcBef>
-              <a:spcAft>
-                <a:spcPts val="0"/>
-              </a:spcAft>
-              <a:buClrTx/>
-              <a:buSzTx/>
-              <a:buFontTx/>
-              <a:buNone/>
-              <a:tabLst/>
-              <a:defRPr/>
-            </a:pPr>
-            <a:fld id="{5521E62A-9020-4AF1-B93C-3E57A2DE5754}" type="slidenum">
-              <a:rPr kumimoji="0" lang="ko-KR" altLang="en-US" sz="1200" b="0" i="0" u="none" strike="noStrike" kern="1200" cap="none" spc="0" normalizeH="0" baseline="0" noProof="0" smtClean="0">
-                <a:ln>
-                  <a:noFill/>
-                </a:ln>
-                <a:solidFill>
-                  <a:prstClr val="black"/>
-                </a:solidFill>
-                <a:effectLst/>
-                <a:uLnTx/>
-                <a:uFillTx/>
-                <a:latin typeface="맑은 고딕"/>
-                <a:ea typeface="맑은 고딕" panose="020B0503020000020004" pitchFamily="50" charset="-127"/>
-                <a:cs typeface="+mn-cs"/>
-              </a:rPr>
-              <a:pPr marL="0" marR="0" lvl="0" indent="0" algn="r" defTabSz="914400" rtl="0" eaLnBrk="1" fontAlgn="auto" latinLnBrk="1" hangingPunct="1">
-                <a:lnSpc>
-                  <a:spcPct val="100000"/>
-                </a:lnSpc>
-                <a:spcBef>
-                  <a:spcPts val="0"/>
-                </a:spcBef>
-                <a:spcAft>
-                  <a:spcPts val="0"/>
-                </a:spcAft>
-                <a:buClrTx/>
-                <a:buSzTx/>
-                <a:buFontTx/>
-                <a:buNone/>
-                <a:tabLst/>
-                <a:defRPr/>
-              </a:pPr>
-              <a:t>2</a:t>
-            </a:fld>
-            <a:endParaRPr kumimoji="0" lang="ko-KR" altLang="en-US" sz="1200" b="0" i="0" u="none" strike="noStrike" kern="1200" cap="none" spc="0" normalizeH="0" baseline="0" noProof="0">
-              <a:ln>
-                <a:noFill/>
-              </a:ln>
-              <a:solidFill>
-                <a:prstClr val="black"/>
-              </a:solidFill>
-              <a:effectLst/>
-              <a:uLnTx/>
-              <a:uFillTx/>
-              <a:latin typeface="맑은 고딕"/>
-              <a:ea typeface="맑은 고딕" panose="020B0503020000020004" pitchFamily="50" charset="-127"/>
-              <a:cs typeface="+mn-cs"/>
-            </a:endParaRPr>
-          </a:p>
-        </p:txBody>
-      </p:sp>
-    </p:spTree>
-    <p:extLst>
-      <p:ext uri="{BB962C8B-B14F-4D97-AF65-F5344CB8AC3E}">
-        <p14:creationId xmlns:p14="http://schemas.microsoft.com/office/powerpoint/2010/main" val="48160313"/>
+        <p14:creationId xmlns:p14="http://schemas.microsoft.com/office/powerpoint/2010/main" xmlns="" val="1888460632"/>
       </p:ext>
     </p:extLst>
   </p:cSld>
@@ -1136,7 +989,7 @@
     </p:spTree>
     <p:extLst>
       <p:ext uri="{BB962C8B-B14F-4D97-AF65-F5344CB8AC3E}">
-        <p14:creationId xmlns:p14="http://schemas.microsoft.com/office/powerpoint/2010/main" val="3739269738"/>
+        <p14:creationId xmlns:p14="http://schemas.microsoft.com/office/powerpoint/2010/main" xmlns="" val="3739269738"/>
       </p:ext>
     </p:extLst>
   </p:cSld>
@@ -1339,7 +1192,7 @@
             <a:fld id="{C7C45033-E309-4E9B-9A2E-8F7F06767637}" type="datetimeFigureOut">
               <a:rPr lang="ko-KR" altLang="en-US" smtClean="0"/>
               <a:pPr/>
-              <a:t>2019-10-29</a:t>
+              <a:t>2019-11-24</a:t>
             </a:fld>
             <a:endParaRPr lang="ko-KR" altLang="en-US"/>
           </a:p>
@@ -1391,7 +1244,7 @@
     </p:spTree>
     <p:extLst>
       <p:ext uri="{BB962C8B-B14F-4D97-AF65-F5344CB8AC3E}">
-        <p14:creationId xmlns:p14="http://schemas.microsoft.com/office/powerpoint/2010/main" val="2508975960"/>
+        <p14:creationId xmlns:p14="http://schemas.microsoft.com/office/powerpoint/2010/main" xmlns="" val="2508975960"/>
       </p:ext>
     </p:extLst>
   </p:cSld>
@@ -1511,7 +1364,7 @@
             <a:fld id="{C7C45033-E309-4E9B-9A2E-8F7F06767637}" type="datetimeFigureOut">
               <a:rPr lang="ko-KR" altLang="en-US" smtClean="0"/>
               <a:pPr/>
-              <a:t>2019-10-29</a:t>
+              <a:t>2019-11-24</a:t>
             </a:fld>
             <a:endParaRPr lang="ko-KR" altLang="en-US"/>
           </a:p>
@@ -1563,7 +1416,7 @@
     </p:spTree>
     <p:extLst>
       <p:ext uri="{BB962C8B-B14F-4D97-AF65-F5344CB8AC3E}">
-        <p14:creationId xmlns:p14="http://schemas.microsoft.com/office/powerpoint/2010/main" val="180138971"/>
+        <p14:creationId xmlns:p14="http://schemas.microsoft.com/office/powerpoint/2010/main" xmlns="" val="180138971"/>
       </p:ext>
     </p:extLst>
   </p:cSld>
@@ -1693,7 +1546,7 @@
             <a:fld id="{C7C45033-E309-4E9B-9A2E-8F7F06767637}" type="datetimeFigureOut">
               <a:rPr lang="ko-KR" altLang="en-US" smtClean="0"/>
               <a:pPr/>
-              <a:t>2019-10-29</a:t>
+              <a:t>2019-11-24</a:t>
             </a:fld>
             <a:endParaRPr lang="ko-KR" altLang="en-US"/>
           </a:p>
@@ -1745,7 +1598,7 @@
     </p:spTree>
     <p:extLst>
       <p:ext uri="{BB962C8B-B14F-4D97-AF65-F5344CB8AC3E}">
-        <p14:creationId xmlns:p14="http://schemas.microsoft.com/office/powerpoint/2010/main" val="579797800"/>
+        <p14:creationId xmlns:p14="http://schemas.microsoft.com/office/powerpoint/2010/main" xmlns="" val="579797800"/>
       </p:ext>
     </p:extLst>
   </p:cSld>
@@ -2060,7 +1913,7 @@
     </p:spTree>
     <p:extLst>
       <p:ext uri="{BB962C8B-B14F-4D97-AF65-F5344CB8AC3E}">
-        <p14:creationId xmlns:p14="http://schemas.microsoft.com/office/powerpoint/2010/main" val="4029504540"/>
+        <p14:creationId xmlns:p14="http://schemas.microsoft.com/office/powerpoint/2010/main" xmlns="" val="4029504540"/>
       </p:ext>
     </p:extLst>
   </p:cSld>
@@ -2232,7 +2085,7 @@
     </p:spTree>
     <p:extLst>
       <p:ext uri="{BB962C8B-B14F-4D97-AF65-F5344CB8AC3E}">
-        <p14:creationId xmlns:p14="http://schemas.microsoft.com/office/powerpoint/2010/main" val="3344481365"/>
+        <p14:creationId xmlns:p14="http://schemas.microsoft.com/office/powerpoint/2010/main" xmlns="" val="3344481365"/>
       </p:ext>
     </p:extLst>
   </p:cSld>
@@ -2428,7 +2281,7 @@
             <a:fld id="{C7C45033-E309-4E9B-9A2E-8F7F06767637}" type="datetimeFigureOut">
               <a:rPr lang="ko-KR" altLang="en-US" smtClean="0"/>
               <a:pPr/>
-              <a:t>2019-10-29</a:t>
+              <a:t>2019-11-24</a:t>
             </a:fld>
             <a:endParaRPr lang="ko-KR" altLang="en-US"/>
           </a:p>
@@ -2480,7 +2333,7 @@
     </p:spTree>
     <p:extLst>
       <p:ext uri="{BB962C8B-B14F-4D97-AF65-F5344CB8AC3E}">
-        <p14:creationId xmlns:p14="http://schemas.microsoft.com/office/powerpoint/2010/main" val="3794615240"/>
+        <p14:creationId xmlns:p14="http://schemas.microsoft.com/office/powerpoint/2010/main" xmlns="" val="3794615240"/>
       </p:ext>
     </p:extLst>
   </p:cSld>
@@ -2718,7 +2571,7 @@
             <a:fld id="{C7C45033-E309-4E9B-9A2E-8F7F06767637}" type="datetimeFigureOut">
               <a:rPr lang="ko-KR" altLang="en-US" smtClean="0"/>
               <a:pPr/>
-              <a:t>2019-10-29</a:t>
+              <a:t>2019-11-24</a:t>
             </a:fld>
             <a:endParaRPr lang="ko-KR" altLang="en-US"/>
           </a:p>
@@ -2770,7 +2623,7 @@
     </p:spTree>
     <p:extLst>
       <p:ext uri="{BB962C8B-B14F-4D97-AF65-F5344CB8AC3E}">
-        <p14:creationId xmlns:p14="http://schemas.microsoft.com/office/powerpoint/2010/main" val="3240104288"/>
+        <p14:creationId xmlns:p14="http://schemas.microsoft.com/office/powerpoint/2010/main" xmlns="" val="3240104288"/>
       </p:ext>
     </p:extLst>
   </p:cSld>
@@ -3142,7 +2995,7 @@
             <a:fld id="{C7C45033-E309-4E9B-9A2E-8F7F06767637}" type="datetimeFigureOut">
               <a:rPr lang="ko-KR" altLang="en-US" smtClean="0"/>
               <a:pPr/>
-              <a:t>2019-10-29</a:t>
+              <a:t>2019-11-24</a:t>
             </a:fld>
             <a:endParaRPr lang="ko-KR" altLang="en-US"/>
           </a:p>
@@ -3194,7 +3047,7 @@
     </p:spTree>
     <p:extLst>
       <p:ext uri="{BB962C8B-B14F-4D97-AF65-F5344CB8AC3E}">
-        <p14:creationId xmlns:p14="http://schemas.microsoft.com/office/powerpoint/2010/main" val="41317640"/>
+        <p14:creationId xmlns:p14="http://schemas.microsoft.com/office/powerpoint/2010/main" xmlns="" val="41317640"/>
       </p:ext>
     </p:extLst>
   </p:cSld>
@@ -3262,7 +3115,7 @@
             <a:fld id="{C7C45033-E309-4E9B-9A2E-8F7F06767637}" type="datetimeFigureOut">
               <a:rPr lang="ko-KR" altLang="en-US" smtClean="0"/>
               <a:pPr/>
-              <a:t>2019-10-29</a:t>
+              <a:t>2019-11-24</a:t>
             </a:fld>
             <a:endParaRPr lang="ko-KR" altLang="en-US"/>
           </a:p>
@@ -3314,7 +3167,7 @@
     </p:spTree>
     <p:extLst>
       <p:ext uri="{BB962C8B-B14F-4D97-AF65-F5344CB8AC3E}">
-        <p14:creationId xmlns:p14="http://schemas.microsoft.com/office/powerpoint/2010/main" val="2886333309"/>
+        <p14:creationId xmlns:p14="http://schemas.microsoft.com/office/powerpoint/2010/main" xmlns="" val="2886333309"/>
       </p:ext>
     </p:extLst>
   </p:cSld>
@@ -3486,7 +3339,7 @@
     </p:spTree>
     <p:extLst>
       <p:ext uri="{BB962C8B-B14F-4D97-AF65-F5344CB8AC3E}">
-        <p14:creationId xmlns:p14="http://schemas.microsoft.com/office/powerpoint/2010/main" val="4163568101"/>
+        <p14:creationId xmlns:p14="http://schemas.microsoft.com/office/powerpoint/2010/main" xmlns="" val="4163568101"/>
       </p:ext>
     </p:extLst>
   </p:cSld>
@@ -3713,7 +3566,7 @@
             <a:fld id="{C7C45033-E309-4E9B-9A2E-8F7F06767637}" type="datetimeFigureOut">
               <a:rPr lang="ko-KR" altLang="en-US" smtClean="0"/>
               <a:pPr/>
-              <a:t>2019-10-29</a:t>
+              <a:t>2019-11-24</a:t>
             </a:fld>
             <a:endParaRPr lang="ko-KR" altLang="en-US"/>
           </a:p>
@@ -3765,7 +3618,7 @@
     </p:spTree>
     <p:extLst>
       <p:ext uri="{BB962C8B-B14F-4D97-AF65-F5344CB8AC3E}">
-        <p14:creationId xmlns:p14="http://schemas.microsoft.com/office/powerpoint/2010/main" val="232214951"/>
+        <p14:creationId xmlns:p14="http://schemas.microsoft.com/office/powerpoint/2010/main" xmlns="" val="232214951"/>
       </p:ext>
     </p:extLst>
   </p:cSld>
@@ -3933,7 +3786,7 @@
             <a:fld id="{C7C45033-E309-4E9B-9A2E-8F7F06767637}" type="datetimeFigureOut">
               <a:rPr lang="ko-KR" altLang="en-US" smtClean="0"/>
               <a:pPr/>
-              <a:t>2019-10-29</a:t>
+              <a:t>2019-11-24</a:t>
             </a:fld>
             <a:endParaRPr lang="ko-KR" altLang="en-US"/>
           </a:p>
@@ -4021,7 +3874,7 @@
     </p:spTree>
     <p:extLst>
       <p:ext uri="{BB962C8B-B14F-4D97-AF65-F5344CB8AC3E}">
-        <p14:creationId xmlns:p14="http://schemas.microsoft.com/office/powerpoint/2010/main" val="3436501188"/>
+        <p14:creationId xmlns:p14="http://schemas.microsoft.com/office/powerpoint/2010/main" xmlns="" val="3436501188"/>
       </p:ext>
     </p:extLst>
   </p:cSld>
@@ -4447,32 +4300,6 @@
       </p:sp>
       <p:pic>
         <p:nvPicPr>
-          <p:cNvPr id="1028" name="Picture 4" descr="D:\puyo-christmas-png-puyo-puyo-20th-anniversary-pu-bd14e947a7c36226.png"/>
-          <p:cNvPicPr>
-            <a:picLocks noChangeAspect="1" noChangeArrowheads="1"/>
-          </p:cNvPicPr>
-          <p:nvPr/>
-        </p:nvPicPr>
-        <p:blipFill>
-          <a:blip r:embed="rId5"/>
-          <a:srcRect/>
-          <a:stretch>
-            <a:fillRect/>
-          </a:stretch>
-        </p:blipFill>
-        <p:spPr bwMode="auto">
-          <a:xfrm rot="786150">
-            <a:off x="6613253" y="2165406"/>
-            <a:ext cx="1885469" cy="3729458"/>
-          </a:xfrm>
-          <a:prstGeom prst="rect">
-            <a:avLst/>
-          </a:prstGeom>
-          <a:noFill/>
-        </p:spPr>
-      </p:pic>
-      <p:pic>
-        <p:nvPicPr>
           <p:cNvPr id="1029" name="Picture 5" descr="D:\ps4-png-puyo-puyo-tetris-clipart-802519564aa59092.png"/>
           <p:cNvPicPr>
             <a:picLocks noChangeAspect="1" noChangeArrowheads="1"/>
@@ -4480,7 +4307,7 @@
           <p:nvPr/>
         </p:nvPicPr>
         <p:blipFill>
-          <a:blip r:embed="rId6" cstate="print"/>
+          <a:blip r:embed="rId5" cstate="print"/>
           <a:srcRect/>
           <a:stretch>
             <a:fillRect/>
@@ -4500,7 +4327,7 @@
     </p:spTree>
     <p:extLst>
       <p:ext uri="{BB962C8B-B14F-4D97-AF65-F5344CB8AC3E}">
-        <p14:creationId xmlns:p14="http://schemas.microsoft.com/office/powerpoint/2010/main" val="2373068841"/>
+        <p14:creationId xmlns:p14="http://schemas.microsoft.com/office/powerpoint/2010/main" xmlns="" val="2373068841"/>
       </p:ext>
     </p:extLst>
   </p:cSld>
@@ -4536,14 +4363,14 @@
       </p:grpSpPr>
       <p:sp>
         <p:nvSpPr>
-          <p:cNvPr id="4" name="TextBox 3"/>
+          <p:cNvPr id="2" name="TextBox 1"/>
           <p:cNvSpPr txBox="1"/>
           <p:nvPr/>
         </p:nvSpPr>
         <p:spPr>
           <a:xfrm>
-            <a:off x="1298773" y="573120"/>
-            <a:ext cx="1854995" cy="646331"/>
+            <a:off x="1285852" y="571480"/>
+            <a:ext cx="7497565" cy="584775"/>
           </a:xfrm>
           <a:prstGeom prst="rect">
             <a:avLst/>
@@ -4556,565 +4383,6 @@
           </a:bodyPr>
           <a:lstStyle/>
           <a:p>
-            <a:pPr marL="0" marR="0" lvl="0" indent="0" algn="l" defTabSz="914400" rtl="0" eaLnBrk="1" fontAlgn="auto" latinLnBrk="1" hangingPunct="1">
-              <a:lnSpc>
-                <a:spcPct val="100000"/>
-              </a:lnSpc>
-              <a:spcBef>
-                <a:spcPts val="0"/>
-              </a:spcBef>
-              <a:spcAft>
-                <a:spcPts val="0"/>
-              </a:spcAft>
-              <a:buClrTx/>
-              <a:buSzTx/>
-              <a:buFontTx/>
-              <a:buNone/>
-              <a:tabLst/>
-              <a:defRPr/>
-            </a:pPr>
-            <a:r>
-              <a:rPr kumimoji="0" lang="en-US" altLang="ko-KR" sz="3600" b="1" i="0" u="none" strike="noStrike" kern="1200" cap="none" spc="-150" normalizeH="0" baseline="0" noProof="0" dirty="0" smtClean="0">
-                <a:ln>
-                  <a:noFill/>
-                </a:ln>
-                <a:solidFill>
-                  <a:prstClr val="black">
-                    <a:lumMod val="75000"/>
-                    <a:lumOff val="25000"/>
-                  </a:prstClr>
-                </a:solidFill>
-                <a:effectLst/>
-                <a:uLnTx/>
-                <a:uFillTx/>
-                <a:latin typeface="나눔스퀘어OTF ExtraBold" pitchFamily="34" charset="-127"/>
-                <a:ea typeface="나눔스퀘어OTF ExtraBold" pitchFamily="34" charset="-127"/>
-                <a:cs typeface="+mn-cs"/>
-              </a:rPr>
-              <a:t>Concept</a:t>
-            </a:r>
-            <a:endParaRPr kumimoji="0" lang="ko-KR" altLang="en-US" sz="3600" b="1" i="0" u="none" strike="noStrike" kern="1200" cap="none" spc="-150" normalizeH="0" baseline="0" noProof="0" dirty="0">
-              <a:ln>
-                <a:noFill/>
-              </a:ln>
-              <a:solidFill>
-                <a:prstClr val="black">
-                  <a:lumMod val="75000"/>
-                  <a:lumOff val="25000"/>
-                </a:prstClr>
-              </a:solidFill>
-              <a:effectLst/>
-              <a:uLnTx/>
-              <a:uFillTx/>
-              <a:latin typeface="나눔스퀘어OTF ExtraBold" pitchFamily="34" charset="-127"/>
-              <a:ea typeface="나눔스퀘어OTF ExtraBold" pitchFamily="34" charset="-127"/>
-              <a:cs typeface="+mn-cs"/>
-            </a:endParaRPr>
-          </a:p>
-        </p:txBody>
-      </p:sp>
-      <p:grpSp>
-        <p:nvGrpSpPr>
-          <p:cNvPr id="14" name="그룹 13"/>
-          <p:cNvGrpSpPr/>
-          <p:nvPr/>
-        </p:nvGrpSpPr>
-        <p:grpSpPr>
-          <a:xfrm>
-            <a:off x="971601" y="4926599"/>
-            <a:ext cx="6768752" cy="400879"/>
-            <a:chOff x="971601" y="1628800"/>
-            <a:chExt cx="6768752" cy="400879"/>
-          </a:xfrm>
-        </p:grpSpPr>
-        <p:sp>
-          <p:nvSpPr>
-            <p:cNvPr id="5" name="타원 4"/>
-            <p:cNvSpPr/>
-            <p:nvPr/>
-          </p:nvSpPr>
-          <p:spPr>
-            <a:xfrm>
-              <a:off x="1030327" y="1700808"/>
-              <a:ext cx="288032" cy="288032"/>
-            </a:xfrm>
-            <a:prstGeom prst="ellipse">
-              <a:avLst/>
-            </a:prstGeom>
-            <a:solidFill>
-              <a:srgbClr val="C4D4E2"/>
-            </a:solidFill>
-            <a:ln>
-              <a:noFill/>
-            </a:ln>
-          </p:spPr>
-          <p:style>
-            <a:lnRef idx="2">
-              <a:schemeClr val="accent1">
-                <a:shade val="50000"/>
-              </a:schemeClr>
-            </a:lnRef>
-            <a:fillRef idx="1">
-              <a:schemeClr val="accent1"/>
-            </a:fillRef>
-            <a:effectRef idx="0">
-              <a:schemeClr val="accent1"/>
-            </a:effectRef>
-            <a:fontRef idx="minor">
-              <a:schemeClr val="lt1"/>
-            </a:fontRef>
-          </p:style>
-          <p:txBody>
-            <a:bodyPr rtlCol="0" anchor="ctr"/>
-            <a:lstStyle/>
-            <a:p>
-              <a:pPr marL="0" marR="0" lvl="0" indent="0" algn="ctr" defTabSz="914400" rtl="0" eaLnBrk="1" fontAlgn="auto" latinLnBrk="1" hangingPunct="1">
-                <a:lnSpc>
-                  <a:spcPct val="100000"/>
-                </a:lnSpc>
-                <a:spcBef>
-                  <a:spcPts val="0"/>
-                </a:spcBef>
-                <a:spcAft>
-                  <a:spcPts val="0"/>
-                </a:spcAft>
-                <a:buClrTx/>
-                <a:buSzTx/>
-                <a:buFontTx/>
-                <a:buNone/>
-                <a:tabLst/>
-                <a:defRPr/>
-              </a:pPr>
-              <a:endParaRPr kumimoji="0" lang="ko-KR" altLang="en-US" sz="1400" b="0" i="0" u="none" strike="noStrike" kern="1200" cap="none" spc="0" normalizeH="0" baseline="0" noProof="0" dirty="0">
-                <a:ln>
-                  <a:noFill/>
-                </a:ln>
-                <a:solidFill>
-                  <a:prstClr val="black">
-                    <a:lumMod val="75000"/>
-                    <a:lumOff val="25000"/>
-                  </a:prstClr>
-                </a:solidFill>
-                <a:effectLst/>
-                <a:uLnTx/>
-                <a:uFillTx/>
-                <a:latin typeface="나눔스퀘어 ExtraBold" pitchFamily="50" charset="-127"/>
-                <a:ea typeface="나눔스퀘어 ExtraBold" pitchFamily="50" charset="-127"/>
-                <a:cs typeface="+mn-cs"/>
-              </a:endParaRPr>
-            </a:p>
-          </p:txBody>
-        </p:sp>
-        <p:sp>
-          <p:nvSpPr>
-            <p:cNvPr id="6" name="TextBox 5"/>
-            <p:cNvSpPr txBox="1"/>
-            <p:nvPr/>
-          </p:nvSpPr>
-          <p:spPr>
-            <a:xfrm>
-              <a:off x="971601" y="1628800"/>
-              <a:ext cx="6768752" cy="400879"/>
-            </a:xfrm>
-            <a:prstGeom prst="rect">
-              <a:avLst/>
-            </a:prstGeom>
-            <a:noFill/>
-          </p:spPr>
-          <p:txBody>
-            <a:bodyPr wrap="square" rtlCol="0">
-              <a:spAutoFit/>
-            </a:bodyPr>
-            <a:lstStyle/>
-            <a:p>
-              <a:pPr marL="0" marR="0" lvl="0" indent="360363" algn="l" defTabSz="914400" rtl="0" eaLnBrk="1" fontAlgn="auto" latinLnBrk="1" hangingPunct="1">
-                <a:lnSpc>
-                  <a:spcPts val="2800"/>
-                </a:lnSpc>
-                <a:spcBef>
-                  <a:spcPts val="0"/>
-                </a:spcBef>
-                <a:spcAft>
-                  <a:spcPts val="0"/>
-                </a:spcAft>
-                <a:buClrTx/>
-                <a:buSzTx/>
-                <a:buFontTx/>
-                <a:buNone/>
-                <a:tabLst/>
-                <a:defRPr/>
-              </a:pPr>
-              <a:r>
-                <a:rPr kumimoji="0" lang="ko-KR" altLang="en-US" sz="1800" b="0" i="0" u="none" strike="noStrike" kern="1200" cap="none" spc="0" normalizeH="0" baseline="0" noProof="0" dirty="0" smtClean="0">
-                  <a:ln>
-                    <a:noFill/>
-                  </a:ln>
-                  <a:solidFill>
-                    <a:prstClr val="black">
-                      <a:lumMod val="75000"/>
-                      <a:lumOff val="25000"/>
-                    </a:prstClr>
-                  </a:solidFill>
-                  <a:effectLst/>
-                  <a:uLnTx/>
-                  <a:uFillTx/>
-                  <a:latin typeface="나눔스퀘어OTF Bold" pitchFamily="34" charset="-127"/>
-                  <a:ea typeface="나눔스퀘어OTF Bold" pitchFamily="34" charset="-127"/>
-                  <a:cs typeface="+mn-cs"/>
-                </a:rPr>
-                <a:t>자신의 블록을 파괴하여 상대방을 방해</a:t>
-              </a:r>
-              <a:r>
-                <a:rPr kumimoji="0" lang="en-US" altLang="ko-KR" sz="1800" b="0" i="0" u="none" strike="noStrike" kern="1200" cap="none" spc="0" normalizeH="0" baseline="0" noProof="0" dirty="0" smtClean="0">
-                  <a:ln>
-                    <a:noFill/>
-                  </a:ln>
-                  <a:solidFill>
-                    <a:prstClr val="black">
-                      <a:lumMod val="75000"/>
-                      <a:lumOff val="25000"/>
-                    </a:prstClr>
-                  </a:solidFill>
-                  <a:effectLst/>
-                  <a:uLnTx/>
-                  <a:uFillTx/>
-                  <a:latin typeface="나눔스퀘어OTF Bold" pitchFamily="34" charset="-127"/>
-                  <a:ea typeface="나눔스퀘어OTF Bold" pitchFamily="34" charset="-127"/>
-                  <a:cs typeface="+mn-cs"/>
-                </a:rPr>
-                <a:t>!</a:t>
-              </a:r>
-            </a:p>
-          </p:txBody>
-        </p:sp>
-      </p:grpSp>
-      <p:grpSp>
-        <p:nvGrpSpPr>
-          <p:cNvPr id="17" name="그룹 16"/>
-          <p:cNvGrpSpPr/>
-          <p:nvPr/>
-        </p:nvGrpSpPr>
-        <p:grpSpPr>
-          <a:xfrm>
-            <a:off x="971601" y="5385639"/>
-            <a:ext cx="6768752" cy="400879"/>
-            <a:chOff x="971601" y="3732833"/>
-            <a:chExt cx="6768752" cy="400879"/>
-          </a:xfrm>
-        </p:grpSpPr>
-        <p:sp>
-          <p:nvSpPr>
-            <p:cNvPr id="12" name="타원 11"/>
-            <p:cNvSpPr/>
-            <p:nvPr/>
-          </p:nvSpPr>
-          <p:spPr>
-            <a:xfrm>
-              <a:off x="1030327" y="3804841"/>
-              <a:ext cx="288032" cy="288032"/>
-            </a:xfrm>
-            <a:prstGeom prst="ellipse">
-              <a:avLst/>
-            </a:prstGeom>
-            <a:solidFill>
-              <a:srgbClr val="C4D4E2"/>
-            </a:solidFill>
-            <a:ln>
-              <a:noFill/>
-            </a:ln>
-          </p:spPr>
-          <p:style>
-            <a:lnRef idx="2">
-              <a:schemeClr val="accent1">
-                <a:shade val="50000"/>
-              </a:schemeClr>
-            </a:lnRef>
-            <a:fillRef idx="1">
-              <a:schemeClr val="accent1"/>
-            </a:fillRef>
-            <a:effectRef idx="0">
-              <a:schemeClr val="accent1"/>
-            </a:effectRef>
-            <a:fontRef idx="minor">
-              <a:schemeClr val="lt1"/>
-            </a:fontRef>
-          </p:style>
-          <p:txBody>
-            <a:bodyPr rtlCol="0" anchor="ctr"/>
-            <a:lstStyle/>
-            <a:p>
-              <a:pPr marL="0" marR="0" lvl="0" indent="0" algn="ctr" defTabSz="914400" rtl="0" eaLnBrk="1" fontAlgn="auto" latinLnBrk="1" hangingPunct="1">
-                <a:lnSpc>
-                  <a:spcPct val="100000"/>
-                </a:lnSpc>
-                <a:spcBef>
-                  <a:spcPts val="0"/>
-                </a:spcBef>
-                <a:spcAft>
-                  <a:spcPts val="0"/>
-                </a:spcAft>
-                <a:buClrTx/>
-                <a:buSzTx/>
-                <a:buFontTx/>
-                <a:buNone/>
-                <a:tabLst/>
-                <a:defRPr/>
-              </a:pPr>
-              <a:endParaRPr kumimoji="0" lang="ko-KR" altLang="en-US" sz="1400" b="0" i="0" u="none" strike="noStrike" kern="1200" cap="none" spc="0" normalizeH="0" baseline="0" noProof="0" dirty="0">
-                <a:ln>
-                  <a:noFill/>
-                </a:ln>
-                <a:solidFill>
-                  <a:prstClr val="black">
-                    <a:lumMod val="75000"/>
-                    <a:lumOff val="25000"/>
-                  </a:prstClr>
-                </a:solidFill>
-                <a:effectLst/>
-                <a:uLnTx/>
-                <a:uFillTx/>
-                <a:latin typeface="나눔스퀘어 ExtraBold" pitchFamily="50" charset="-127"/>
-                <a:ea typeface="나눔스퀘어 ExtraBold" pitchFamily="50" charset="-127"/>
-                <a:cs typeface="+mn-cs"/>
-              </a:endParaRPr>
-            </a:p>
-          </p:txBody>
-        </p:sp>
-        <p:sp>
-          <p:nvSpPr>
-            <p:cNvPr id="13" name="TextBox 12"/>
-            <p:cNvSpPr txBox="1"/>
-            <p:nvPr/>
-          </p:nvSpPr>
-          <p:spPr>
-            <a:xfrm>
-              <a:off x="971601" y="3732833"/>
-              <a:ext cx="6768752" cy="400879"/>
-            </a:xfrm>
-            <a:prstGeom prst="rect">
-              <a:avLst/>
-            </a:prstGeom>
-            <a:noFill/>
-          </p:spPr>
-          <p:txBody>
-            <a:bodyPr wrap="square" rtlCol="0">
-              <a:spAutoFit/>
-            </a:bodyPr>
-            <a:lstStyle/>
-            <a:p>
-              <a:pPr marL="0" marR="0" lvl="0" indent="360363" algn="l" defTabSz="914400" rtl="0" eaLnBrk="1" fontAlgn="auto" latinLnBrk="1" hangingPunct="1">
-                <a:lnSpc>
-                  <a:spcPts val="2800"/>
-                </a:lnSpc>
-                <a:spcBef>
-                  <a:spcPts val="0"/>
-                </a:spcBef>
-                <a:spcAft>
-                  <a:spcPts val="0"/>
-                </a:spcAft>
-                <a:buClrTx/>
-                <a:buSzTx/>
-                <a:buFontTx/>
-                <a:buNone/>
-                <a:tabLst/>
-                <a:defRPr/>
-              </a:pPr>
-              <a:r>
-                <a:rPr kumimoji="0" lang="ko-KR" altLang="en-US" sz="1800" b="0" i="0" u="none" strike="noStrike" kern="1200" cap="none" spc="0" normalizeH="0" baseline="0" noProof="0" dirty="0" smtClean="0">
-                  <a:ln>
-                    <a:noFill/>
-                  </a:ln>
-                  <a:solidFill>
-                    <a:prstClr val="black">
-                      <a:lumMod val="75000"/>
-                      <a:lumOff val="25000"/>
-                    </a:prstClr>
-                  </a:solidFill>
-                  <a:effectLst/>
-                  <a:uLnTx/>
-                  <a:uFillTx/>
-                  <a:latin typeface="나눔스퀘어OTF Bold" pitchFamily="34" charset="-127"/>
-                  <a:ea typeface="나눔스퀘어OTF Bold" pitchFamily="34" charset="-127"/>
-                  <a:cs typeface="+mn-cs"/>
-                </a:rPr>
-                <a:t>상대가 블록을 더 이상 놓을 수 없게 만들면 승리</a:t>
-              </a:r>
-              <a:endParaRPr kumimoji="0" lang="ko-KR" altLang="en-US" sz="1800" b="0" i="0" u="none" strike="noStrike" kern="1200" cap="none" spc="0" normalizeH="0" baseline="0" noProof="0" dirty="0">
-                <a:ln>
-                  <a:noFill/>
-                </a:ln>
-                <a:solidFill>
-                  <a:prstClr val="black">
-                    <a:lumMod val="75000"/>
-                    <a:lumOff val="25000"/>
-                  </a:prstClr>
-                </a:solidFill>
-                <a:effectLst/>
-                <a:uLnTx/>
-                <a:uFillTx/>
-                <a:latin typeface="나눔스퀘어OTF Bold" pitchFamily="34" charset="-127"/>
-                <a:ea typeface="나눔스퀘어OTF Bold" pitchFamily="34" charset="-127"/>
-                <a:cs typeface="+mn-cs"/>
-              </a:endParaRPr>
-            </a:p>
-          </p:txBody>
-        </p:sp>
-      </p:grpSp>
-      <p:pic>
-        <p:nvPicPr>
-          <p:cNvPr id="2" name="그림 1"/>
-          <p:cNvPicPr>
-            <a:picLocks noChangeAspect="1"/>
-          </p:cNvPicPr>
-          <p:nvPr/>
-        </p:nvPicPr>
-        <p:blipFill>
-          <a:blip r:embed="rId3" cstate="print">
-            <a:extLst>
-              <a:ext uri="{28A0092B-C50C-407E-A947-70E740481C1C}">
-                <a14:useLocalDpi xmlns:a14="http://schemas.microsoft.com/office/drawing/2010/main" val="0"/>
-              </a:ext>
-            </a:extLst>
-          </a:blip>
-          <a:stretch>
-            <a:fillRect/>
-          </a:stretch>
-        </p:blipFill>
-        <p:spPr>
-          <a:xfrm>
-            <a:off x="6861893" y="206682"/>
-            <a:ext cx="1756919" cy="1849388"/>
-          </a:xfrm>
-          <a:prstGeom prst="rect">
-            <a:avLst/>
-          </a:prstGeom>
-        </p:spPr>
-      </p:pic>
-      <p:pic>
-        <p:nvPicPr>
-          <p:cNvPr id="11" name="Picture 2"/>
-          <p:cNvPicPr>
-            <a:picLocks noChangeAspect="1" noChangeArrowheads="1"/>
-          </p:cNvPicPr>
-          <p:nvPr/>
-        </p:nvPicPr>
-        <p:blipFill>
-          <a:blip r:embed="rId4" cstate="print"/>
-          <a:srcRect/>
-          <a:stretch>
-            <a:fillRect/>
-          </a:stretch>
-        </p:blipFill>
-        <p:spPr bwMode="auto">
-          <a:xfrm>
-            <a:off x="857224" y="1500174"/>
-            <a:ext cx="3210720" cy="1806030"/>
-          </a:xfrm>
-          <a:prstGeom prst="rect">
-            <a:avLst/>
-          </a:prstGeom>
-          <a:noFill/>
-          <a:ln w="9525">
-            <a:noFill/>
-            <a:miter lim="800000"/>
-            <a:headEnd/>
-            <a:tailEnd/>
-          </a:ln>
-          <a:effectLst/>
-        </p:spPr>
-      </p:pic>
-      <p:pic>
-        <p:nvPicPr>
-          <p:cNvPr id="15" name="Picture 3"/>
-          <p:cNvPicPr>
-            <a:picLocks noChangeAspect="1" noChangeArrowheads="1"/>
-          </p:cNvPicPr>
-          <p:nvPr/>
-        </p:nvPicPr>
-        <p:blipFill>
-          <a:blip r:embed="rId5" cstate="print"/>
-          <a:srcRect/>
-          <a:stretch>
-            <a:fillRect/>
-          </a:stretch>
-        </p:blipFill>
-        <p:spPr bwMode="auto">
-          <a:xfrm>
-            <a:off x="4499992" y="2684510"/>
-            <a:ext cx="3526948" cy="1983909"/>
-          </a:xfrm>
-          <a:prstGeom prst="rect">
-            <a:avLst/>
-          </a:prstGeom>
-          <a:noFill/>
-          <a:ln w="9525">
-            <a:noFill/>
-            <a:miter lim="800000"/>
-            <a:headEnd/>
-            <a:tailEnd/>
-          </a:ln>
-          <a:effectLst/>
-        </p:spPr>
-      </p:pic>
-    </p:spTree>
-    <p:extLst>
-      <p:ext uri="{BB962C8B-B14F-4D97-AF65-F5344CB8AC3E}">
-        <p14:creationId xmlns:p14="http://schemas.microsoft.com/office/powerpoint/2010/main" val="468399388"/>
-      </p:ext>
-    </p:extLst>
-  </p:cSld>
-  <p:clrMapOvr>
-    <a:masterClrMapping/>
-  </p:clrMapOvr>
-  <p:timing>
-    <p:tnLst>
-      <p:par>
-        <p:cTn id="1" dur="indefinite" restart="never" nodeType="tmRoot"/>
-      </p:par>
-    </p:tnLst>
-  </p:timing>
-</p:sld>
-</file>
-
-<file path=ppt/slides/slide3.xml><?xml version="1.0" encoding="utf-8"?>
-<p:sld xmlns:a="http://schemas.openxmlformats.org/drawingml/2006/main" xmlns:r="http://schemas.openxmlformats.org/officeDocument/2006/relationships" xmlns:p="http://schemas.openxmlformats.org/presentationml/2006/main">
-  <p:cSld>
-    <p:spTree>
-      <p:nvGrpSpPr>
-        <p:cNvPr id="1" name=""/>
-        <p:cNvGrpSpPr/>
-        <p:nvPr/>
-      </p:nvGrpSpPr>
-      <p:grpSpPr>
-        <a:xfrm>
-          <a:off x="0" y="0"/>
-          <a:ext cx="0" cy="0"/>
-          <a:chOff x="0" y="0"/>
-          <a:chExt cx="0" cy="0"/>
-        </a:xfrm>
-      </p:grpSpPr>
-      <p:sp>
-        <p:nvSpPr>
-          <p:cNvPr id="2" name="TextBox 1"/>
-          <p:cNvSpPr txBox="1"/>
-          <p:nvPr/>
-        </p:nvSpPr>
-        <p:spPr>
-          <a:xfrm>
-            <a:off x="1298773" y="573120"/>
-            <a:ext cx="1874231" cy="584775"/>
-          </a:xfrm>
-          <a:prstGeom prst="rect">
-            <a:avLst/>
-          </a:prstGeom>
-          <a:noFill/>
-        </p:spPr>
-        <p:txBody>
-          <a:bodyPr wrap="none" rtlCol="0">
-            <a:spAutoFit/>
-          </a:bodyPr>
-          <a:lstStyle/>
-          <a:p>
             <a:r>
               <a:rPr lang="ko-KR" altLang="en-US" sz="3200" b="1" spc="-150" dirty="0" smtClean="0">
                 <a:solidFill>
@@ -5126,9 +4394,100 @@
                 <a:latin typeface="나눔스퀘어OTF ExtraBold" pitchFamily="34" charset="-127"/>
                 <a:ea typeface="나눔스퀘어OTF ExtraBold" pitchFamily="34" charset="-127"/>
               </a:rPr>
-              <a:t>개발 범위</a:t>
+              <a:t>개발 </a:t>
             </a:r>
-            <a:endParaRPr lang="ko-KR" altLang="en-US" sz="3200" b="1" spc="-150" dirty="0">
+            <a:r>
+              <a:rPr lang="ko-KR" altLang="en-US" sz="3200" b="1" spc="-150" dirty="0" smtClean="0">
+                <a:solidFill>
+                  <a:schemeClr val="tx1">
+                    <a:lumMod val="75000"/>
+                    <a:lumOff val="25000"/>
+                  </a:schemeClr>
+                </a:solidFill>
+                <a:latin typeface="나눔스퀘어OTF ExtraBold" pitchFamily="34" charset="-127"/>
+                <a:ea typeface="나눔스퀘어OTF ExtraBold" pitchFamily="34" charset="-127"/>
+              </a:rPr>
+              <a:t>진척도</a:t>
+            </a:r>
+            <a:r>
+              <a:rPr lang="en-US" altLang="ko-KR" sz="3200" b="1" spc="-150" dirty="0" smtClean="0">
+                <a:solidFill>
+                  <a:schemeClr val="tx1">
+                    <a:lumMod val="75000"/>
+                    <a:lumOff val="25000"/>
+                  </a:schemeClr>
+                </a:solidFill>
+                <a:latin typeface="나눔스퀘어OTF ExtraBold" pitchFamily="34" charset="-127"/>
+                <a:ea typeface="나눔스퀘어OTF ExtraBold" pitchFamily="34" charset="-127"/>
+              </a:rPr>
+              <a:t>					</a:t>
+            </a:r>
+            <a:r>
+              <a:rPr lang="en-US" altLang="ko-KR" sz="1400" b="1" spc="-150" dirty="0" smtClean="0">
+                <a:solidFill>
+                  <a:schemeClr val="tx1">
+                    <a:lumMod val="75000"/>
+                    <a:lumOff val="25000"/>
+                  </a:schemeClr>
+                </a:solidFill>
+                <a:latin typeface="나눔스퀘어OTF ExtraBold" pitchFamily="34" charset="-127"/>
+                <a:ea typeface="나눔스퀘어OTF ExtraBold" pitchFamily="34" charset="-127"/>
+              </a:rPr>
+              <a:t>(</a:t>
+            </a:r>
+            <a:r>
+              <a:rPr lang="ko-KR" altLang="en-US" sz="1400" b="1" spc="-150" dirty="0" smtClean="0">
+                <a:solidFill>
+                  <a:schemeClr val="tx1">
+                    <a:lumMod val="75000"/>
+                    <a:lumOff val="25000"/>
+                  </a:schemeClr>
+                </a:solidFill>
+                <a:latin typeface="나눔스퀘어OTF ExtraBold" pitchFamily="34" charset="-127"/>
+                <a:ea typeface="나눔스퀘어OTF ExtraBold" pitchFamily="34" charset="-127"/>
+              </a:rPr>
+              <a:t>앗</a:t>
+            </a:r>
+            <a:r>
+              <a:rPr lang="en-US" altLang="ko-KR" sz="1400" b="1" spc="-150" dirty="0" smtClean="0">
+                <a:solidFill>
+                  <a:schemeClr val="tx1">
+                    <a:lumMod val="75000"/>
+                    <a:lumOff val="25000"/>
+                  </a:schemeClr>
+                </a:solidFill>
+                <a:latin typeface="나눔스퀘어OTF ExtraBold" pitchFamily="34" charset="-127"/>
+                <a:ea typeface="나눔스퀘어OTF ExtraBold" pitchFamily="34" charset="-127"/>
+              </a:rPr>
+              <a:t>…</a:t>
+            </a:r>
+            <a:r>
+              <a:rPr lang="ko-KR" altLang="en-US" sz="1400" b="1" spc="-150" dirty="0" err="1" smtClean="0">
+                <a:solidFill>
+                  <a:schemeClr val="tx1">
+                    <a:lumMod val="75000"/>
+                    <a:lumOff val="25000"/>
+                  </a:schemeClr>
+                </a:solidFill>
+                <a:latin typeface="나눔스퀘어OTF ExtraBold" pitchFamily="34" charset="-127"/>
+                <a:ea typeface="나눔스퀘어OTF ExtraBold" pitchFamily="34" charset="-127"/>
+              </a:rPr>
+              <a:t>아앗</a:t>
+            </a:r>
+            <a:r>
+              <a:rPr lang="en-US" altLang="ko-KR" sz="1400" b="1" spc="-150" dirty="0" smtClean="0">
+                <a:solidFill>
+                  <a:schemeClr val="tx1">
+                    <a:lumMod val="75000"/>
+                    <a:lumOff val="25000"/>
+                  </a:schemeClr>
+                </a:solidFill>
+                <a:latin typeface="나눔스퀘어OTF ExtraBold" pitchFamily="34" charset="-127"/>
+                <a:ea typeface="나눔스퀘어OTF ExtraBold" pitchFamily="34" charset="-127"/>
+              </a:rPr>
+              <a:t>…)</a:t>
+            </a:r>
+            <a:endParaRPr lang="ko-KR" altLang="en-US" sz="1400" b="1" spc="-150" dirty="0">
               <a:solidFill>
                 <a:schemeClr val="tx1">
                   <a:lumMod val="75000"/>
@@ -5146,7 +4505,7 @@
           <p:cNvPr id="10" name="표 9">
             <a:extLst>
               <a:ext uri="{FF2B5EF4-FFF2-40B4-BE49-F238E27FC236}">
-                <a16:creationId xmlns:a16="http://schemas.microsoft.com/office/drawing/2014/main" id="{43CFE782-C4F6-4AE1-AC24-DEDCD8E2F167}"/>
+                <a16:creationId xmlns:a16="http://schemas.microsoft.com/office/drawing/2014/main" xmlns="" id="{43CFE782-C4F6-4AE1-AC24-DEDCD8E2F167}"/>
               </a:ext>
             </a:extLst>
           </p:cNvPr>
@@ -5156,14 +4515,14 @@
           <p:nvPr>
             <p:extLst>
               <p:ext uri="{D42A27DB-BD31-4B8C-83A1-F6EECF244321}">
-                <p14:modId xmlns:p14="http://schemas.microsoft.com/office/powerpoint/2010/main" val="1337936775"/>
+                <p14:modId xmlns:p14="http://schemas.microsoft.com/office/powerpoint/2010/main" xmlns="" val="1337936775"/>
               </p:ext>
             </p:extLst>
           </p:nvPr>
         </p:nvGraphicFramePr>
         <p:xfrm>
-          <a:off x="596250" y="1428741"/>
-          <a:ext cx="7951500" cy="4958974"/>
+          <a:off x="642910" y="1428736"/>
+          <a:ext cx="7951501" cy="4622529"/>
         </p:xfrm>
         <a:graphic>
           <a:graphicData uri="http://schemas.openxmlformats.org/drawingml/2006/table">
@@ -5172,22 +4531,24 @@
                 <a:tableStyleId>{2D5ABB26-0587-4C30-8999-92F81FD0307C}</a:tableStyleId>
               </a:tblPr>
               <a:tblGrid>
-                <a:gridCol w="1110740">
+                <a:gridCol w="1643074">
                   <a:extLst>
                     <a:ext uri="{9D8B030D-6E8A-4147-A177-3AD203B41FA5}">
-                      <a16:colId xmlns:a16="http://schemas.microsoft.com/office/drawing/2014/main" val="4100364823"/>
+                      <a16:colId xmlns:a16="http://schemas.microsoft.com/office/drawing/2014/main" xmlns="" val="4100364823"/>
                     </a:ext>
                   </a:extLst>
                 </a:gridCol>
-                <a:gridCol w="6840760">
+                <a:gridCol w="2500330">
                   <a:extLst>
                     <a:ext uri="{9D8B030D-6E8A-4147-A177-3AD203B41FA5}">
-                      <a16:colId xmlns:a16="http://schemas.microsoft.com/office/drawing/2014/main" val="239225333"/>
+                      <a16:colId xmlns:a16="http://schemas.microsoft.com/office/drawing/2014/main" xmlns="" val="239225333"/>
                     </a:ext>
                   </a:extLst>
                 </a:gridCol>
+                <a:gridCol w="2428892"/>
+                <a:gridCol w="1379205"/>
               </a:tblGrid>
-              <a:tr h="298601">
+              <a:tr h="284620">
                 <a:tc>
                   <a:txBody>
                     <a:bodyPr/>
@@ -5260,7 +4621,7 @@
                           <a:latin typeface="나눔스퀘어OTF Bold" pitchFamily="34" charset="-127"/>
                           <a:ea typeface="나눔스퀘어OTF Bold" pitchFamily="34" charset="-127"/>
                         </a:rPr>
-                        <a:t>개발 범위</a:t>
+                        <a:t>제안했던 개발범위</a:t>
                       </a:r>
                       <a:endParaRPr lang="ko-KR" altLang="en-US" sz="1400" b="1" dirty="0">
                         <a:solidFill>
@@ -5298,13 +4659,92 @@
                     </a:solidFill>
                   </a:tcPr>
                 </a:tc>
+                <a:tc>
+                  <a:txBody>
+                    <a:bodyPr/>
+                    <a:lstStyle/>
+                    <a:p>
+                      <a:pPr algn="ctr" latinLnBrk="1"/>
+                      <a:r>
+                        <a:rPr lang="ko-KR" altLang="en-US" sz="1400" b="1" dirty="0" smtClean="0">
+                          <a:solidFill>
+                            <a:schemeClr val="tx1">
+                              <a:lumMod val="75000"/>
+                              <a:lumOff val="25000"/>
+                            </a:schemeClr>
+                          </a:solidFill>
+                          <a:latin typeface="나눔스퀘어OTF Bold" pitchFamily="34" charset="-127"/>
+                          <a:ea typeface="나눔스퀘어OTF Bold" pitchFamily="34" charset="-127"/>
+                        </a:rPr>
+                        <a:t>현재 상황</a:t>
+                      </a:r>
+                      <a:endParaRPr lang="ko-KR" altLang="en-US" sz="1400" b="1" dirty="0">
+                        <a:solidFill>
+                          <a:schemeClr val="tx1">
+                            <a:lumMod val="75000"/>
+                            <a:lumOff val="25000"/>
+                          </a:schemeClr>
+                        </a:solidFill>
+                        <a:latin typeface="나눔스퀘어OTF Bold" pitchFamily="34" charset="-127"/>
+                        <a:ea typeface="나눔스퀘어OTF Bold" pitchFamily="34" charset="-127"/>
+                      </a:endParaRPr>
+                    </a:p>
+                  </a:txBody>
+                  <a:tcPr anchor="ctr">
+                    <a:lnB w="12700" cap="flat" cmpd="sng" algn="ctr">
+                      <a:solidFill>
+                        <a:srgbClr val="C4D4E2"/>
+                      </a:solidFill>
+                      <a:prstDash val="solid"/>
+                      <a:round/>
+                      <a:headEnd type="none" w="med" len="med"/>
+                      <a:tailEnd type="none" w="med" len="med"/>
+                    </a:lnB>
+                    <a:solidFill>
+                      <a:srgbClr val="E0E8F0"/>
+                    </a:solidFill>
+                  </a:tcPr>
+                </a:tc>
+                <a:tc>
+                  <a:txBody>
+                    <a:bodyPr/>
+                    <a:lstStyle/>
+                    <a:p>
+                      <a:pPr algn="ctr" latinLnBrk="1"/>
+                      <a:endParaRPr lang="ko-KR" altLang="en-US" sz="1400" b="1" dirty="0">
+                        <a:solidFill>
+                          <a:schemeClr val="tx1">
+                            <a:lumMod val="75000"/>
+                            <a:lumOff val="25000"/>
+                          </a:schemeClr>
+                        </a:solidFill>
+                        <a:latin typeface="나눔스퀘어OTF Bold" pitchFamily="34" charset="-127"/>
+                        <a:ea typeface="나눔스퀘어OTF Bold" pitchFamily="34" charset="-127"/>
+                      </a:endParaRPr>
+                    </a:p>
+                  </a:txBody>
+                  <a:tcPr anchor="ctr">
+                    <a:lnB w="12700" cap="flat" cmpd="sng" algn="ctr">
+                      <a:solidFill>
+                        <a:srgbClr val="C4D4E2"/>
+                      </a:solidFill>
+                      <a:prstDash val="solid"/>
+                      <a:round/>
+                      <a:headEnd type="none" w="med" len="med"/>
+                      <a:tailEnd type="none" w="med" len="med"/>
+                    </a:lnB>
+                    <a:solidFill>
+                      <a:srgbClr val="E0E8F0"/>
+                    </a:solidFill>
+                  </a:tcPr>
+                </a:tc>
                 <a:extLst>
                   <a:ext uri="{0D108BD9-81ED-4DB2-BD59-A6C34878D82A}">
-                    <a16:rowId xmlns:a16="http://schemas.microsoft.com/office/drawing/2014/main" val="3511550245"/>
+                    <a16:rowId xmlns:a16="http://schemas.microsoft.com/office/drawing/2014/main" xmlns="" val="3511550245"/>
                   </a:ext>
                 </a:extLst>
               </a:tr>
-              <a:tr h="627061">
+              <a:tr h="1622333">
                 <a:tc>
                   <a:txBody>
                     <a:bodyPr/>
@@ -5322,33 +4762,7 @@
                           <a:latin typeface="나눔스퀘어OTF ExtraBold" pitchFamily="34" charset="-127"/>
                           <a:ea typeface="나눔스퀘어OTF ExtraBold" pitchFamily="34" charset="-127"/>
                         </a:rPr>
-                        <a:t>캐릭터</a:t>
-                      </a:r>
-                      <a:endParaRPr lang="en-US" altLang="ko-KR" b="1" dirty="0" smtClean="0">
-                        <a:solidFill>
-                          <a:schemeClr val="tx1">
-                            <a:lumMod val="75000"/>
-                            <a:lumOff val="25000"/>
-                          </a:schemeClr>
-                        </a:solidFill>
-                        <a:latin typeface="나눔스퀘어OTF ExtraBold" pitchFamily="34" charset="-127"/>
-                        <a:ea typeface="나눔스퀘어OTF ExtraBold" pitchFamily="34" charset="-127"/>
-                      </a:endParaRPr>
-                    </a:p>
-                    <a:p>
-                      <a:pPr algn="ctr" latinLnBrk="1"/>
-                      <a:r>
-                        <a:rPr lang="ko-KR" altLang="en-US" b="1" dirty="0" smtClean="0">
-                          <a:solidFill>
-                            <a:schemeClr val="tx1">
-                              <a:lumMod val="75000"/>
-                              <a:lumOff val="25000"/>
-                            </a:schemeClr>
-                          </a:solidFill>
-                          <a:latin typeface="나눔스퀘어OTF ExtraBold" pitchFamily="34" charset="-127"/>
-                          <a:ea typeface="나눔스퀘어OTF ExtraBold" pitchFamily="34" charset="-127"/>
-                        </a:rPr>
-                        <a:t>컨트롤</a:t>
+                        <a:t>조작</a:t>
                       </a:r>
                       <a:endParaRPr lang="en-US" altLang="ko-KR" b="1" dirty="0">
                         <a:solidFill>
@@ -5511,6 +4925,235 @@
                       <a:headEnd type="none" w="med" len="med"/>
                       <a:tailEnd type="none" w="med" len="med"/>
                     </a:lnL>
+                    <a:lnR w="12700" cap="flat" cmpd="sng" algn="ctr">
+                      <a:solidFill>
+                        <a:srgbClr val="C4D4E2"/>
+                      </a:solidFill>
+                      <a:prstDash val="solid"/>
+                      <a:round/>
+                      <a:headEnd type="none" w="med" len="med"/>
+                      <a:tailEnd type="none" w="med" len="med"/>
+                    </a:lnR>
+                    <a:lnT w="12700" cap="flat" cmpd="sng" algn="ctr">
+                      <a:solidFill>
+                        <a:srgbClr val="C4D4E2"/>
+                      </a:solidFill>
+                      <a:prstDash val="solid"/>
+                      <a:round/>
+                      <a:headEnd type="none" w="med" len="med"/>
+                      <a:tailEnd type="none" w="med" len="med"/>
+                    </a:lnT>
+                    <a:lnB w="12700" cap="flat" cmpd="sng" algn="ctr">
+                      <a:solidFill>
+                        <a:srgbClr val="C4D4E2"/>
+                      </a:solidFill>
+                      <a:prstDash val="solid"/>
+                      <a:round/>
+                      <a:headEnd type="none" w="med" len="med"/>
+                      <a:tailEnd type="none" w="med" len="med"/>
+                    </a:lnB>
+                  </a:tcPr>
+                </a:tc>
+                <a:tc>
+                  <a:txBody>
+                    <a:bodyPr/>
+                    <a:lstStyle/>
+                    <a:p>
+                      <a:pPr algn="ctr" latinLnBrk="1"/>
+                      <a:r>
+                        <a:rPr lang="ko-KR" altLang="en-US" sz="1400" dirty="0" smtClean="0">
+                          <a:solidFill>
+                            <a:schemeClr val="tx1">
+                              <a:lumMod val="75000"/>
+                              <a:lumOff val="25000"/>
+                            </a:schemeClr>
+                          </a:solidFill>
+                          <a:latin typeface="나눔스퀘어OTF Bold" pitchFamily="34" charset="-127"/>
+                          <a:ea typeface="나눔스퀘어OTF Bold" pitchFamily="34" charset="-127"/>
+                        </a:rPr>
+                        <a:t>키보드를 통한 이동과</a:t>
+                      </a:r>
+                      <a:endParaRPr lang="en-US" altLang="ko-KR" sz="1400" dirty="0" smtClean="0">
+                        <a:solidFill>
+                          <a:schemeClr val="tx1">
+                            <a:lumMod val="75000"/>
+                            <a:lumOff val="25000"/>
+                          </a:schemeClr>
+                        </a:solidFill>
+                        <a:latin typeface="나눔스퀘어OTF Bold" pitchFamily="34" charset="-127"/>
+                        <a:ea typeface="나눔스퀘어OTF Bold" pitchFamily="34" charset="-127"/>
+                      </a:endParaRPr>
+                    </a:p>
+                    <a:p>
+                      <a:pPr algn="ctr" latinLnBrk="1"/>
+                      <a:r>
+                        <a:rPr lang="ko-KR" altLang="en-US" sz="1400" dirty="0" smtClean="0">
+                          <a:solidFill>
+                            <a:schemeClr val="tx1">
+                              <a:lumMod val="75000"/>
+                              <a:lumOff val="25000"/>
+                            </a:schemeClr>
+                          </a:solidFill>
+                          <a:latin typeface="나눔스퀘어OTF Bold" pitchFamily="34" charset="-127"/>
+                          <a:ea typeface="나눔스퀘어OTF Bold" pitchFamily="34" charset="-127"/>
+                        </a:rPr>
+                        <a:t>회전을 구현</a:t>
+                      </a:r>
+                      <a:endParaRPr lang="en-US" altLang="ko-KR" sz="1400" dirty="0" smtClean="0">
+                        <a:solidFill>
+                          <a:schemeClr val="tx1">
+                            <a:lumMod val="75000"/>
+                            <a:lumOff val="25000"/>
+                          </a:schemeClr>
+                        </a:solidFill>
+                        <a:latin typeface="나눔스퀘어OTF Bold" pitchFamily="34" charset="-127"/>
+                        <a:ea typeface="나눔스퀘어OTF Bold" pitchFamily="34" charset="-127"/>
+                      </a:endParaRPr>
+                    </a:p>
+                    <a:p>
+                      <a:pPr algn="ctr" latinLnBrk="1"/>
+                      <a:endParaRPr lang="en-US" altLang="ko-KR" sz="1400" dirty="0" smtClean="0">
+                        <a:solidFill>
+                          <a:schemeClr val="tx1">
+                            <a:lumMod val="75000"/>
+                            <a:lumOff val="25000"/>
+                          </a:schemeClr>
+                        </a:solidFill>
+                        <a:latin typeface="나눔스퀘어OTF Bold" pitchFamily="34" charset="-127"/>
+                        <a:ea typeface="나눔스퀘어OTF Bold" pitchFamily="34" charset="-127"/>
+                      </a:endParaRPr>
+                    </a:p>
+                    <a:p>
+                      <a:pPr algn="ctr" latinLnBrk="1"/>
+                      <a:r>
+                        <a:rPr lang="ko-KR" altLang="en-US" sz="1400" b="1" dirty="0" smtClean="0">
+                          <a:solidFill>
+                            <a:srgbClr val="FF0000"/>
+                          </a:solidFill>
+                          <a:latin typeface="나눔스퀘어OTF Bold" pitchFamily="34" charset="-127"/>
+                          <a:ea typeface="나눔스퀘어OTF Bold" pitchFamily="34" charset="-127"/>
+                        </a:rPr>
+                        <a:t>충돌 체크 오류를 고친 후</a:t>
+                      </a:r>
+                      <a:endParaRPr lang="en-US" altLang="ko-KR" sz="1400" b="1" dirty="0" smtClean="0">
+                        <a:solidFill>
+                          <a:srgbClr val="FF0000"/>
+                        </a:solidFill>
+                        <a:latin typeface="나눔스퀘어OTF Bold" pitchFamily="34" charset="-127"/>
+                        <a:ea typeface="나눔스퀘어OTF Bold" pitchFamily="34" charset="-127"/>
+                      </a:endParaRPr>
+                    </a:p>
+                    <a:p>
+                      <a:pPr algn="ctr" latinLnBrk="1"/>
+                      <a:r>
+                        <a:rPr lang="en-US" altLang="ko-KR" sz="1400" b="1" dirty="0" smtClean="0">
+                          <a:solidFill>
+                            <a:srgbClr val="FF0000"/>
+                          </a:solidFill>
+                          <a:latin typeface="나눔스퀘어OTF Bold" pitchFamily="34" charset="-127"/>
+                          <a:ea typeface="나눔스퀘어OTF Bold" pitchFamily="34" charset="-127"/>
+                        </a:rPr>
+                        <a:t>2p </a:t>
+                      </a:r>
+                      <a:r>
+                        <a:rPr lang="ko-KR" altLang="en-US" sz="1400" b="1" dirty="0" smtClean="0">
+                          <a:solidFill>
+                            <a:srgbClr val="FF0000"/>
+                          </a:solidFill>
+                          <a:latin typeface="나눔스퀘어OTF Bold" pitchFamily="34" charset="-127"/>
+                          <a:ea typeface="나눔스퀘어OTF Bold" pitchFamily="34" charset="-127"/>
+                        </a:rPr>
+                        <a:t>구현 예정</a:t>
+                      </a:r>
+                      <a:endParaRPr lang="ko-KR" altLang="en-US" sz="1400" b="1" dirty="0">
+                        <a:solidFill>
+                          <a:srgbClr val="FF0000"/>
+                        </a:solidFill>
+                        <a:latin typeface="나눔스퀘어OTF Bold" pitchFamily="34" charset="-127"/>
+                        <a:ea typeface="나눔스퀘어OTF Bold" pitchFamily="34" charset="-127"/>
+                      </a:endParaRPr>
+                    </a:p>
+                  </a:txBody>
+                  <a:tcPr anchor="ctr">
+                    <a:lnL w="12700" cap="flat" cmpd="sng" algn="ctr">
+                      <a:solidFill>
+                        <a:srgbClr val="C4D4E2"/>
+                      </a:solidFill>
+                      <a:prstDash val="solid"/>
+                      <a:round/>
+                      <a:headEnd type="none" w="med" len="med"/>
+                      <a:tailEnd type="none" w="med" len="med"/>
+                    </a:lnL>
+                    <a:lnR w="12700" cap="flat" cmpd="sng" algn="ctr">
+                      <a:solidFill>
+                        <a:srgbClr val="C4D4E2"/>
+                      </a:solidFill>
+                      <a:prstDash val="solid"/>
+                      <a:round/>
+                      <a:headEnd type="none" w="med" len="med"/>
+                      <a:tailEnd type="none" w="med" len="med"/>
+                    </a:lnR>
+                    <a:lnT w="12700" cap="flat" cmpd="sng" algn="ctr">
+                      <a:solidFill>
+                        <a:srgbClr val="C4D4E2"/>
+                      </a:solidFill>
+                      <a:prstDash val="solid"/>
+                      <a:round/>
+                      <a:headEnd type="none" w="med" len="med"/>
+                      <a:tailEnd type="none" w="med" len="med"/>
+                    </a:lnT>
+                    <a:lnB w="12700" cap="flat" cmpd="sng" algn="ctr">
+                      <a:solidFill>
+                        <a:srgbClr val="C4D4E2"/>
+                      </a:solidFill>
+                      <a:prstDash val="solid"/>
+                      <a:round/>
+                      <a:headEnd type="none" w="med" len="med"/>
+                      <a:tailEnd type="none" w="med" len="med"/>
+                    </a:lnB>
+                  </a:tcPr>
+                </a:tc>
+                <a:tc>
+                  <a:txBody>
+                    <a:bodyPr/>
+                    <a:lstStyle/>
+                    <a:p>
+                      <a:pPr algn="ctr" latinLnBrk="1"/>
+                      <a:r>
+                        <a:rPr lang="en-US" altLang="ko-KR" sz="1400" dirty="0" smtClean="0">
+                          <a:solidFill>
+                            <a:schemeClr val="tx1">
+                              <a:lumMod val="75000"/>
+                              <a:lumOff val="25000"/>
+                            </a:schemeClr>
+                          </a:solidFill>
+                          <a:latin typeface="나눔스퀘어OTF Bold" pitchFamily="34" charset="-127"/>
+                          <a:ea typeface="나눔스퀘어OTF Bold" pitchFamily="34" charset="-127"/>
+                        </a:rPr>
+                        <a:t>50%</a:t>
+                      </a:r>
+                      <a:endParaRPr lang="ko-KR" altLang="en-US" sz="1400" dirty="0">
+                        <a:solidFill>
+                          <a:schemeClr val="tx1">
+                            <a:lumMod val="75000"/>
+                            <a:lumOff val="25000"/>
+                          </a:schemeClr>
+                        </a:solidFill>
+                        <a:latin typeface="나눔스퀘어OTF Bold" pitchFamily="34" charset="-127"/>
+                        <a:ea typeface="나눔스퀘어OTF Bold" pitchFamily="34" charset="-127"/>
+                      </a:endParaRPr>
+                    </a:p>
+                  </a:txBody>
+                  <a:tcPr anchor="ctr">
+                    <a:lnL w="12700" cap="flat" cmpd="sng" algn="ctr">
+                      <a:solidFill>
+                        <a:srgbClr val="C4D4E2"/>
+                      </a:solidFill>
+                      <a:prstDash val="solid"/>
+                      <a:round/>
+                      <a:headEnd type="none" w="med" len="med"/>
+                      <a:tailEnd type="none" w="med" len="med"/>
+                    </a:lnL>
                     <a:lnT w="12700" cap="flat" cmpd="sng" algn="ctr">
                       <a:solidFill>
                         <a:srgbClr val="C4D4E2"/>
@@ -5533,11 +5176,11 @@
                 </a:tc>
                 <a:extLst>
                   <a:ext uri="{0D108BD9-81ED-4DB2-BD59-A6C34878D82A}">
-                    <a16:rowId xmlns:a16="http://schemas.microsoft.com/office/drawing/2014/main" val="1205824453"/>
+                    <a16:rowId xmlns:a16="http://schemas.microsoft.com/office/drawing/2014/main" xmlns="" val="1205824453"/>
                   </a:ext>
                 </a:extLst>
               </a:tr>
-              <a:tr h="507621">
+              <a:tr h="483854">
                 <a:tc>
                   <a:txBody>
                     <a:bodyPr/>
@@ -5629,7 +5272,20 @@
                           <a:latin typeface="나눔스퀘어OTF Bold" pitchFamily="34" charset="-127"/>
                           <a:ea typeface="나눔스퀘어OTF Bold" pitchFamily="34" charset="-127"/>
                         </a:rPr>
-                        <a:t>개의 스테이지</a:t>
+                        <a:t>개의 </a:t>
+                      </a:r>
+                      <a:r>
+                        <a:rPr lang="ko-KR" altLang="en-US" sz="1400" dirty="0" smtClean="0">
+                          <a:solidFill>
+                            <a:schemeClr val="tx1">
+                              <a:lumMod val="75000"/>
+                              <a:lumOff val="25000"/>
+                            </a:schemeClr>
+                          </a:solidFill>
+                          <a:latin typeface="나눔스퀘어OTF Bold" pitchFamily="34" charset="-127"/>
+                          <a:ea typeface="나눔스퀘어OTF Bold" pitchFamily="34" charset="-127"/>
+                        </a:rPr>
+                        <a:t>배경</a:t>
                       </a:r>
                       <a:endParaRPr lang="en-US" altLang="ko-KR" sz="1400" baseline="0" dirty="0" smtClean="0">
                         <a:solidFill>
@@ -5655,7 +5311,214 @@
                           <a:latin typeface="나눔스퀘어OTF Bold" pitchFamily="34" charset="-127"/>
                           <a:ea typeface="나눔스퀘어OTF Bold" pitchFamily="34" charset="-127"/>
                         </a:rPr>
-                        <a:t>스테이지는 랜덤</a:t>
+                        <a:t>배경은 </a:t>
+                      </a:r>
+                      <a:r>
+                        <a:rPr lang="ko-KR" altLang="en-US" sz="1400" baseline="0" dirty="0" smtClean="0">
+                          <a:solidFill>
+                            <a:schemeClr val="tx1">
+                              <a:lumMod val="75000"/>
+                              <a:lumOff val="25000"/>
+                            </a:schemeClr>
+                          </a:solidFill>
+                          <a:latin typeface="나눔스퀘어OTF Bold" pitchFamily="34" charset="-127"/>
+                          <a:ea typeface="나눔스퀘어OTF Bold" pitchFamily="34" charset="-127"/>
+                        </a:rPr>
+                        <a:t>랜덤</a:t>
+                      </a:r>
+                      <a:endParaRPr lang="ko-KR" altLang="en-US" sz="1400" dirty="0">
+                        <a:solidFill>
+                          <a:schemeClr val="tx1">
+                            <a:lumMod val="75000"/>
+                            <a:lumOff val="25000"/>
+                          </a:schemeClr>
+                        </a:solidFill>
+                        <a:latin typeface="나눔스퀘어OTF Bold" pitchFamily="34" charset="-127"/>
+                        <a:ea typeface="나눔스퀘어OTF Bold" pitchFamily="34" charset="-127"/>
+                      </a:endParaRPr>
+                    </a:p>
+                  </a:txBody>
+                  <a:tcPr anchor="ctr">
+                    <a:lnL w="12700" cap="flat" cmpd="sng" algn="ctr">
+                      <a:solidFill>
+                        <a:srgbClr val="C4D4E2"/>
+                      </a:solidFill>
+                      <a:prstDash val="solid"/>
+                      <a:round/>
+                      <a:headEnd type="none" w="med" len="med"/>
+                      <a:tailEnd type="none" w="med" len="med"/>
+                    </a:lnL>
+                    <a:lnR w="12700" cap="flat" cmpd="sng" algn="ctr">
+                      <a:solidFill>
+                        <a:srgbClr val="C4D4E2"/>
+                      </a:solidFill>
+                      <a:prstDash val="solid"/>
+                      <a:round/>
+                      <a:headEnd type="none" w="med" len="med"/>
+                      <a:tailEnd type="none" w="med" len="med"/>
+                    </a:lnR>
+                    <a:lnT w="12700" cap="flat" cmpd="sng" algn="ctr">
+                      <a:solidFill>
+                        <a:srgbClr val="C4D4E2"/>
+                      </a:solidFill>
+                      <a:prstDash val="solid"/>
+                      <a:round/>
+                      <a:headEnd type="none" w="med" len="med"/>
+                      <a:tailEnd type="none" w="med" len="med"/>
+                    </a:lnT>
+                    <a:lnB w="12700" cap="flat" cmpd="sng" algn="ctr">
+                      <a:solidFill>
+                        <a:srgbClr val="C4D4E2"/>
+                      </a:solidFill>
+                      <a:prstDash val="solid"/>
+                      <a:round/>
+                      <a:headEnd type="none" w="med" len="med"/>
+                      <a:tailEnd type="none" w="med" len="med"/>
+                    </a:lnB>
+                  </a:tcPr>
+                </a:tc>
+                <a:tc>
+                  <a:txBody>
+                    <a:bodyPr/>
+                    <a:lstStyle/>
+                    <a:p>
+                      <a:pPr algn="ctr" latinLnBrk="1"/>
+                      <a:r>
+                        <a:rPr lang="ko-KR" altLang="en-US" sz="1400" b="0" dirty="0" smtClean="0">
+                          <a:solidFill>
+                            <a:schemeClr val="tx1"/>
+                          </a:solidFill>
+                          <a:latin typeface="나눔스퀘어OTF Bold" pitchFamily="34" charset="-127"/>
+                          <a:ea typeface="나눔스퀘어OTF Bold" pitchFamily="34" charset="-127"/>
+                        </a:rPr>
+                        <a:t>현재 </a:t>
+                      </a:r>
+                      <a:r>
+                        <a:rPr lang="en-US" altLang="ko-KR" sz="1400" b="0" dirty="0" smtClean="0">
+                          <a:solidFill>
+                            <a:schemeClr val="tx1"/>
+                          </a:solidFill>
+                          <a:latin typeface="나눔스퀘어OTF Bold" pitchFamily="34" charset="-127"/>
+                          <a:ea typeface="나눔스퀘어OTF Bold" pitchFamily="34" charset="-127"/>
+                        </a:rPr>
+                        <a:t>2</a:t>
+                      </a:r>
+                      <a:r>
+                        <a:rPr lang="ko-KR" altLang="en-US" sz="1400" b="0" dirty="0" smtClean="0">
+                          <a:solidFill>
+                            <a:schemeClr val="tx1"/>
+                          </a:solidFill>
+                          <a:latin typeface="나눔스퀘어OTF Bold" pitchFamily="34" charset="-127"/>
+                          <a:ea typeface="나눔스퀘어OTF Bold" pitchFamily="34" charset="-127"/>
+                        </a:rPr>
+                        <a:t>개의 배경 구현</a:t>
+                      </a:r>
+                      <a:endParaRPr lang="en-US" altLang="ko-KR" sz="1400" b="0" dirty="0" smtClean="0">
+                        <a:solidFill>
+                          <a:schemeClr val="tx1"/>
+                        </a:solidFill>
+                        <a:latin typeface="나눔스퀘어OTF Bold" pitchFamily="34" charset="-127"/>
+                        <a:ea typeface="나눔스퀘어OTF Bold" pitchFamily="34" charset="-127"/>
+                      </a:endParaRPr>
+                    </a:p>
+                    <a:p>
+                      <a:pPr algn="ctr" latinLnBrk="1"/>
+                      <a:r>
+                        <a:rPr lang="ko-KR" altLang="en-US" sz="1400" b="1" dirty="0" smtClean="0">
+                          <a:solidFill>
+                            <a:srgbClr val="FF0000"/>
+                          </a:solidFill>
+                          <a:latin typeface="나눔스퀘어OTF Bold" pitchFamily="34" charset="-127"/>
+                          <a:ea typeface="나눔스퀘어OTF Bold" pitchFamily="34" charset="-127"/>
+                        </a:rPr>
+                        <a:t>충돌 체크 오류를 고친 후</a:t>
+                      </a:r>
+                      <a:endParaRPr lang="en-US" altLang="ko-KR" sz="1400" b="1" dirty="0" smtClean="0">
+                        <a:solidFill>
+                          <a:srgbClr val="FF0000"/>
+                        </a:solidFill>
+                        <a:latin typeface="나눔스퀘어OTF Bold" pitchFamily="34" charset="-127"/>
+                        <a:ea typeface="나눔스퀘어OTF Bold" pitchFamily="34" charset="-127"/>
+                      </a:endParaRPr>
+                    </a:p>
+                    <a:p>
+                      <a:pPr algn="ctr" latinLnBrk="1"/>
+                      <a:r>
+                        <a:rPr lang="ko-KR" altLang="en-US" sz="1400" b="1" dirty="0" smtClean="0">
+                          <a:solidFill>
+                            <a:srgbClr val="FF0000"/>
+                          </a:solidFill>
+                          <a:latin typeface="나눔스퀘어OTF Bold" pitchFamily="34" charset="-127"/>
+                          <a:ea typeface="나눔스퀘어OTF Bold" pitchFamily="34" charset="-127"/>
+                        </a:rPr>
+                        <a:t>구현 예정</a:t>
+                      </a:r>
+                      <a:endParaRPr lang="en-US" altLang="ko-KR" sz="1400" b="1" dirty="0" smtClean="0">
+                        <a:solidFill>
+                          <a:srgbClr val="FF0000"/>
+                        </a:solidFill>
+                        <a:latin typeface="나눔스퀘어OTF Bold" pitchFamily="34" charset="-127"/>
+                        <a:ea typeface="나눔스퀘어OTF Bold" pitchFamily="34" charset="-127"/>
+                      </a:endParaRPr>
+                    </a:p>
+                  </a:txBody>
+                  <a:tcPr anchor="ctr">
+                    <a:lnL w="12700" cap="flat" cmpd="sng" algn="ctr">
+                      <a:solidFill>
+                        <a:srgbClr val="C4D4E2"/>
+                      </a:solidFill>
+                      <a:prstDash val="solid"/>
+                      <a:round/>
+                      <a:headEnd type="none" w="med" len="med"/>
+                      <a:tailEnd type="none" w="med" len="med"/>
+                    </a:lnL>
+                    <a:lnR w="12700" cap="flat" cmpd="sng" algn="ctr">
+                      <a:solidFill>
+                        <a:srgbClr val="C4D4E2"/>
+                      </a:solidFill>
+                      <a:prstDash val="solid"/>
+                      <a:round/>
+                      <a:headEnd type="none" w="med" len="med"/>
+                      <a:tailEnd type="none" w="med" len="med"/>
+                    </a:lnR>
+                    <a:lnT w="12700" cap="flat" cmpd="sng" algn="ctr">
+                      <a:solidFill>
+                        <a:srgbClr val="C4D4E2"/>
+                      </a:solidFill>
+                      <a:prstDash val="solid"/>
+                      <a:round/>
+                      <a:headEnd type="none" w="med" len="med"/>
+                      <a:tailEnd type="none" w="med" len="med"/>
+                    </a:lnT>
+                    <a:lnB w="12700" cap="flat" cmpd="sng" algn="ctr">
+                      <a:solidFill>
+                        <a:srgbClr val="C4D4E2"/>
+                      </a:solidFill>
+                      <a:prstDash val="solid"/>
+                      <a:round/>
+                      <a:headEnd type="none" w="med" len="med"/>
+                      <a:tailEnd type="none" w="med" len="med"/>
+                    </a:lnB>
+                  </a:tcPr>
+                </a:tc>
+                <a:tc>
+                  <a:txBody>
+                    <a:bodyPr/>
+                    <a:lstStyle/>
+                    <a:p>
+                      <a:pPr algn="ctr" latinLnBrk="1"/>
+                      <a:r>
+                        <a:rPr lang="en-US" altLang="ko-KR" sz="1400" dirty="0" smtClean="0">
+                          <a:solidFill>
+                            <a:schemeClr val="tx1">
+                              <a:lumMod val="75000"/>
+                              <a:lumOff val="25000"/>
+                            </a:schemeClr>
+                          </a:solidFill>
+                          <a:latin typeface="나눔스퀘어OTF Bold" pitchFamily="34" charset="-127"/>
+                          <a:ea typeface="나눔스퀘어OTF Bold" pitchFamily="34" charset="-127"/>
+                        </a:rPr>
+                        <a:t>50%</a:t>
                       </a:r>
                       <a:endParaRPr lang="ko-KR" altLang="en-US" sz="1400" dirty="0">
                         <a:solidFill>
@@ -5701,11 +5564,11 @@
                 </a:tc>
                 <a:extLst>
                   <a:ext uri="{0D108BD9-81ED-4DB2-BD59-A6C34878D82A}">
-                    <a16:rowId xmlns:a16="http://schemas.microsoft.com/office/drawing/2014/main" val="10002"/>
+                    <a16:rowId xmlns:a16="http://schemas.microsoft.com/office/drawing/2014/main" xmlns="" val="10002"/>
                   </a:ext>
                 </a:extLst>
               </a:tr>
-              <a:tr h="1247814">
+              <a:tr h="1110017">
                 <a:tc>
                   <a:txBody>
                     <a:bodyPr/>
@@ -5784,33 +5647,7 @@
                           <a:latin typeface="나눔스퀘어OTF Bold" pitchFamily="34" charset="-127"/>
                           <a:ea typeface="나눔스퀘어OTF Bold" pitchFamily="34" charset="-127"/>
                         </a:rPr>
-                        <a:t>색이 같은 블록이 </a:t>
-                      </a:r>
-                      <a:r>
-                        <a:rPr lang="en-US" altLang="ko-KR" sz="1100" dirty="0" smtClean="0">
-                          <a:solidFill>
-                            <a:schemeClr val="tx1">
-                              <a:lumMod val="75000"/>
-                              <a:lumOff val="25000"/>
-                            </a:schemeClr>
-                          </a:solidFill>
-                          <a:latin typeface="나눔스퀘어OTF Bold" pitchFamily="34" charset="-127"/>
-                          <a:ea typeface="나눔스퀘어OTF Bold" pitchFamily="34" charset="-127"/>
-                        </a:rPr>
-                        <a:t>4</a:t>
-                      </a:r>
-                      <a:r>
-                        <a:rPr lang="ko-KR" altLang="en-US" sz="1100" dirty="0" smtClean="0">
-                          <a:solidFill>
-                            <a:schemeClr val="tx1">
-                              <a:lumMod val="75000"/>
-                              <a:lumOff val="25000"/>
-                            </a:schemeClr>
-                          </a:solidFill>
-                          <a:latin typeface="나눔스퀘어OTF Bold" pitchFamily="34" charset="-127"/>
-                          <a:ea typeface="나눔스퀘어OTF Bold" pitchFamily="34" charset="-127"/>
-                        </a:rPr>
-                        <a:t>개 이상 연속될 경우 제거</a:t>
+                        <a:t>블록의 영역 제한</a:t>
                       </a:r>
                       <a:endParaRPr lang="en-US" altLang="ko-KR" sz="1100" dirty="0" smtClean="0">
                         <a:solidFill>
@@ -5836,10 +5673,10 @@
                           <a:latin typeface="나눔스퀘어OTF Bold" pitchFamily="34" charset="-127"/>
                           <a:ea typeface="나눔스퀘어OTF Bold" pitchFamily="34" charset="-127"/>
                         </a:rPr>
-                        <a:t>제거된 블록의 </a:t>
-                      </a:r>
-                      <a:r>
-                        <a:rPr lang="ko-KR" altLang="en-US" sz="1100" dirty="0" err="1" smtClean="0">
+                        <a:t>블록 제거</a:t>
+                      </a:r>
+                      <a:r>
+                        <a:rPr lang="ko-KR" altLang="en-US" sz="1100" baseline="0" dirty="0" smtClean="0">
                           <a:solidFill>
                             <a:schemeClr val="tx1">
                               <a:lumMod val="75000"/>
@@ -5849,22 +5686,9 @@
                           <a:latin typeface="나눔스퀘어OTF Bold" pitchFamily="34" charset="-127"/>
                           <a:ea typeface="나눔스퀘어OTF Bold" pitchFamily="34" charset="-127"/>
                         </a:rPr>
-                        <a:t>윗</a:t>
-                      </a:r>
-                      <a:r>
-                        <a:rPr lang="ko-KR" altLang="en-US" sz="1100" dirty="0" smtClean="0">
-                          <a:solidFill>
-                            <a:schemeClr val="tx1">
-                              <a:lumMod val="75000"/>
-                              <a:lumOff val="25000"/>
-                            </a:schemeClr>
-                          </a:solidFill>
-                          <a:latin typeface="나눔스퀘어OTF Bold" pitchFamily="34" charset="-127"/>
-                          <a:ea typeface="나눔스퀘어OTF Bold" pitchFamily="34" charset="-127"/>
-                        </a:rPr>
-                        <a:t> 블록은 자동으로 아래로 떨어짐</a:t>
-                      </a:r>
-                      <a:endParaRPr lang="en-US" altLang="ko-KR" sz="1100" dirty="0" smtClean="0">
+                        <a:t> 및 방해블록 생성</a:t>
+                      </a:r>
+                      <a:endParaRPr lang="en-US" altLang="ko-KR" sz="1100" baseline="0" dirty="0" smtClean="0">
                         <a:solidFill>
                           <a:schemeClr val="tx1">
                             <a:lumMod val="75000"/>
@@ -5878,7 +5702,7 @@
                     <a:p>
                       <a:pPr algn="ctr" latinLnBrk="1"/>
                       <a:r>
-                        <a:rPr lang="ko-KR" altLang="en-US" sz="1100" smtClean="0">
+                        <a:rPr lang="ko-KR" altLang="en-US" sz="1100" dirty="0" err="1" smtClean="0">
                           <a:solidFill>
                             <a:schemeClr val="tx1">
                               <a:lumMod val="75000"/>
@@ -5888,7 +5712,7 @@
                           <a:latin typeface="나눔스퀘어OTF Bold" pitchFamily="34" charset="-127"/>
                           <a:ea typeface="나눔스퀘어OTF Bold" pitchFamily="34" charset="-127"/>
                         </a:rPr>
-                        <a:t>연소으로 </a:t>
+                        <a:t>콤보</a:t>
                       </a:r>
                       <a:r>
                         <a:rPr lang="ko-KR" altLang="en-US" sz="1100" dirty="0" smtClean="0">
@@ -5901,10 +5725,110 @@
                           <a:latin typeface="나눔스퀘어OTF Bold" pitchFamily="34" charset="-127"/>
                           <a:ea typeface="나눔스퀘어OTF Bold" pitchFamily="34" charset="-127"/>
                         </a:rPr>
-                        <a:t>제거되면 </a:t>
-                      </a:r>
-                      <a:r>
-                        <a:rPr lang="ko-KR" altLang="en-US" sz="1100" dirty="0" err="1" smtClean="0">
+                        <a:t> 시스템 구현</a:t>
+                      </a:r>
+                    </a:p>
+                  </a:txBody>
+                  <a:tcPr anchor="ctr">
+                    <a:lnL w="12700" cap="flat" cmpd="sng" algn="ctr">
+                      <a:solidFill>
+                        <a:srgbClr val="C4D4E2"/>
+                      </a:solidFill>
+                      <a:prstDash val="solid"/>
+                      <a:round/>
+                      <a:headEnd type="none" w="med" len="med"/>
+                      <a:tailEnd type="none" w="med" len="med"/>
+                    </a:lnL>
+                    <a:lnR w="12700" cap="flat" cmpd="sng" algn="ctr">
+                      <a:solidFill>
+                        <a:srgbClr val="C4D4E2"/>
+                      </a:solidFill>
+                      <a:prstDash val="solid"/>
+                      <a:round/>
+                      <a:headEnd type="none" w="med" len="med"/>
+                      <a:tailEnd type="none" w="med" len="med"/>
+                    </a:lnR>
+                    <a:lnT w="12700" cap="flat" cmpd="sng" algn="ctr">
+                      <a:solidFill>
+                        <a:srgbClr val="C4D4E2"/>
+                      </a:solidFill>
+                      <a:prstDash val="solid"/>
+                      <a:round/>
+                      <a:headEnd type="none" w="med" len="med"/>
+                      <a:tailEnd type="none" w="med" len="med"/>
+                    </a:lnT>
+                    <a:lnB w="12700" cap="flat" cmpd="sng" algn="ctr">
+                      <a:solidFill>
+                        <a:srgbClr val="C4D4E2"/>
+                      </a:solidFill>
+                      <a:prstDash val="solid"/>
+                      <a:round/>
+                      <a:headEnd type="none" w="med" len="med"/>
+                      <a:tailEnd type="none" w="med" len="med"/>
+                    </a:lnB>
+                  </a:tcPr>
+                </a:tc>
+                <a:tc>
+                  <a:txBody>
+                    <a:bodyPr/>
+                    <a:lstStyle/>
+                    <a:p>
+                      <a:pPr algn="ctr" latinLnBrk="1"/>
+                      <a:r>
+                        <a:rPr lang="ko-KR" altLang="en-US" sz="1100" b="0" baseline="0" dirty="0" smtClean="0">
+                          <a:solidFill>
+                            <a:schemeClr val="tx1"/>
+                          </a:solidFill>
+                          <a:latin typeface="나눔스퀘어OTF Bold" pitchFamily="34" charset="-127"/>
+                          <a:ea typeface="나눔스퀘어OTF Bold" pitchFamily="34" charset="-127"/>
+                        </a:rPr>
+                        <a:t>블록의 영역 설정은 성공했으나</a:t>
+                      </a:r>
+                      <a:r>
+                        <a:rPr lang="en-US" altLang="ko-KR" sz="1100" b="0" baseline="0" dirty="0" smtClean="0">
+                          <a:solidFill>
+                            <a:schemeClr val="tx1"/>
+                          </a:solidFill>
+                          <a:latin typeface="나눔스퀘어OTF Bold" pitchFamily="34" charset="-127"/>
+                          <a:ea typeface="나눔스퀘어OTF Bold" pitchFamily="34" charset="-127"/>
+                        </a:rPr>
+                        <a:t>,</a:t>
+                      </a:r>
+                    </a:p>
+                    <a:p>
+                      <a:pPr algn="ctr" latinLnBrk="1"/>
+                      <a:r>
+                        <a:rPr lang="ko-KR" altLang="en-US" sz="1100" b="1" baseline="0" dirty="0" smtClean="0">
+                          <a:solidFill>
+                            <a:srgbClr val="C00000"/>
+                          </a:solidFill>
+                          <a:latin typeface="나눔스퀘어OTF Bold" pitchFamily="34" charset="-127"/>
+                          <a:ea typeface="나눔스퀘어OTF Bold" pitchFamily="34" charset="-127"/>
+                        </a:rPr>
+                        <a:t>현재 블록끼리의 충돌체크에</a:t>
+                      </a:r>
+                      <a:endParaRPr lang="en-US" altLang="ko-KR" sz="1100" b="1" baseline="0" dirty="0" smtClean="0">
+                        <a:solidFill>
+                          <a:srgbClr val="C00000"/>
+                        </a:solidFill>
+                        <a:latin typeface="나눔스퀘어OTF Bold" pitchFamily="34" charset="-127"/>
+                        <a:ea typeface="나눔스퀘어OTF Bold" pitchFamily="34" charset="-127"/>
+                      </a:endParaRPr>
+                    </a:p>
+                    <a:p>
+                      <a:pPr algn="ctr" latinLnBrk="1"/>
+                      <a:r>
+                        <a:rPr lang="ko-KR" altLang="en-US" sz="1100" b="1" baseline="0" dirty="0" smtClean="0">
+                          <a:solidFill>
+                            <a:srgbClr val="C00000"/>
+                          </a:solidFill>
+                          <a:latin typeface="나눔스퀘어OTF Bold" pitchFamily="34" charset="-127"/>
+                          <a:ea typeface="나눔스퀘어OTF Bold" pitchFamily="34" charset="-127"/>
+                        </a:rPr>
+                        <a:t>오류 발생</a:t>
+                      </a:r>
+                      <a:r>
+                        <a:rPr lang="ko-KR" altLang="en-US" sz="1100" baseline="0" dirty="0" smtClean="0">
                           <a:solidFill>
                             <a:schemeClr val="tx1">
                               <a:lumMod val="75000"/>
@@ -5914,22 +5838,9 @@
                           <a:latin typeface="나눔스퀘어OTF Bold" pitchFamily="34" charset="-127"/>
                           <a:ea typeface="나눔스퀘어OTF Bold" pitchFamily="34" charset="-127"/>
                         </a:rPr>
-                        <a:t>콤보가</a:t>
-                      </a:r>
-                      <a:r>
-                        <a:rPr lang="ko-KR" altLang="en-US" sz="1100" dirty="0" smtClean="0">
-                          <a:solidFill>
-                            <a:schemeClr val="tx1">
-                              <a:lumMod val="75000"/>
-                              <a:lumOff val="25000"/>
-                            </a:schemeClr>
-                          </a:solidFill>
-                          <a:latin typeface="나눔스퀘어OTF Bold" pitchFamily="34" charset="-127"/>
-                          <a:ea typeface="나눔스퀘어OTF Bold" pitchFamily="34" charset="-127"/>
-                        </a:rPr>
-                        <a:t> 쌓여 상대방의 맨 윗부분에 방해블록 생성</a:t>
-                      </a:r>
-                      <a:endParaRPr lang="en-US" altLang="ko-KR" sz="1100" dirty="0" smtClean="0">
+                        <a:t>으로 인해 블록제거 및</a:t>
+                      </a:r>
+                      <a:endParaRPr lang="en-US" altLang="ko-KR" sz="1100" baseline="0" dirty="0" smtClean="0">
                         <a:solidFill>
                           <a:schemeClr val="tx1">
                             <a:lumMod val="75000"/>
@@ -5943,7 +5854,7 @@
                     <a:p>
                       <a:pPr algn="ctr" latinLnBrk="1"/>
                       <a:r>
-                        <a:rPr lang="ko-KR" altLang="en-US" sz="1100" dirty="0" err="1" smtClean="0">
+                        <a:rPr lang="ko-KR" altLang="en-US" sz="1100" baseline="0" dirty="0" smtClean="0">
                           <a:solidFill>
                             <a:schemeClr val="tx1">
                               <a:lumMod val="75000"/>
@@ -5953,22 +5864,9 @@
                           <a:latin typeface="나눔스퀘어OTF Bold" pitchFamily="34" charset="-127"/>
                           <a:ea typeface="나눔스퀘어OTF Bold" pitchFamily="34" charset="-127"/>
                         </a:rPr>
-                        <a:t>콤보와</a:t>
-                      </a:r>
-                      <a:r>
-                        <a:rPr lang="ko-KR" altLang="en-US" sz="1100" dirty="0" smtClean="0">
-                          <a:solidFill>
-                            <a:schemeClr val="tx1">
-                              <a:lumMod val="75000"/>
-                              <a:lumOff val="25000"/>
-                            </a:schemeClr>
-                          </a:solidFill>
-                          <a:latin typeface="나눔스퀘어OTF Bold" pitchFamily="34" charset="-127"/>
-                          <a:ea typeface="나눔스퀘어OTF Bold" pitchFamily="34" charset="-127"/>
-                        </a:rPr>
-                        <a:t> 다음에 생성될 블록 표시</a:t>
-                      </a:r>
-                      <a:endParaRPr lang="en-US" altLang="ko-KR" sz="1100" dirty="0" smtClean="0">
+                        <a:t>방해블록 생성기능을 테스트 할 수</a:t>
+                      </a:r>
+                      <a:endParaRPr lang="en-US" altLang="ko-KR" sz="1100" baseline="0" dirty="0" smtClean="0">
                         <a:solidFill>
                           <a:schemeClr val="tx1">
                             <a:lumMod val="75000"/>
@@ -5982,19 +5880,6 @@
                     <a:p>
                       <a:pPr algn="ctr" latinLnBrk="1"/>
                       <a:r>
-                        <a:rPr lang="ko-KR" altLang="en-US" sz="1100" dirty="0" smtClean="0">
-                          <a:solidFill>
-                            <a:schemeClr val="tx1">
-                              <a:lumMod val="75000"/>
-                              <a:lumOff val="25000"/>
-                            </a:schemeClr>
-                          </a:solidFill>
-                          <a:latin typeface="나눔스퀘어OTF Bold" pitchFamily="34" charset="-127"/>
-                          <a:ea typeface="나눔스퀘어OTF Bold" pitchFamily="34" charset="-127"/>
-                        </a:rPr>
-                        <a:t>가장 윗부분</a:t>
-                      </a:r>
-                      <a:r>
                         <a:rPr lang="ko-KR" altLang="en-US" sz="1100" baseline="0" dirty="0" smtClean="0">
                           <a:solidFill>
                             <a:schemeClr val="tx1">
@@ -6005,46 +5890,7 @@
                           <a:latin typeface="나눔스퀘어OTF Bold" pitchFamily="34" charset="-127"/>
                           <a:ea typeface="나눔스퀘어OTF Bold" pitchFamily="34" charset="-127"/>
                         </a:rPr>
-                        <a:t>의 가운데 </a:t>
-                      </a:r>
-                      <a:r>
-                        <a:rPr lang="en-US" altLang="ko-KR" sz="1100" baseline="0" dirty="0" smtClean="0">
-                          <a:solidFill>
-                            <a:schemeClr val="tx1">
-                              <a:lumMod val="75000"/>
-                              <a:lumOff val="25000"/>
-                            </a:schemeClr>
-                          </a:solidFill>
-                          <a:latin typeface="나눔스퀘어OTF Bold" pitchFamily="34" charset="-127"/>
-                          <a:ea typeface="나눔스퀘어OTF Bold" pitchFamily="34" charset="-127"/>
-                        </a:rPr>
-                        <a:t>2</a:t>
-                      </a:r>
-                      <a:r>
-                        <a:rPr lang="ko-KR" altLang="en-US" sz="1100" baseline="0" dirty="0" smtClean="0">
-                          <a:solidFill>
-                            <a:schemeClr val="tx1">
-                              <a:lumMod val="75000"/>
-                              <a:lumOff val="25000"/>
-                            </a:schemeClr>
-                          </a:solidFill>
-                          <a:latin typeface="나눔스퀘어OTF Bold" pitchFamily="34" charset="-127"/>
-                          <a:ea typeface="나눔스퀘어OTF Bold" pitchFamily="34" charset="-127"/>
-                        </a:rPr>
-                        <a:t>부분이 막히면 </a:t>
-                      </a:r>
-                      <a:r>
-                        <a:rPr lang="ko-KR" altLang="en-US" sz="1100" baseline="0" dirty="0" err="1" smtClean="0">
-                          <a:solidFill>
-                            <a:schemeClr val="tx1">
-                              <a:lumMod val="75000"/>
-                              <a:lumOff val="25000"/>
-                            </a:schemeClr>
-                          </a:solidFill>
-                          <a:latin typeface="나눔스퀘어OTF Bold" pitchFamily="34" charset="-127"/>
-                          <a:ea typeface="나눔스퀘어OTF Bold" pitchFamily="34" charset="-127"/>
-                        </a:rPr>
-                        <a:t>패배처리</a:t>
+                        <a:t>없는 상태</a:t>
                       </a:r>
                       <a:r>
                         <a:rPr lang="en-US" altLang="ko-KR" sz="1100" baseline="0" dirty="0" smtClean="0">
@@ -6059,6 +5905,76 @@
                         </a:rPr>
                         <a:t>.</a:t>
                       </a:r>
+                    </a:p>
+                  </a:txBody>
+                  <a:tcPr anchor="ctr">
+                    <a:lnL w="12700" cap="flat" cmpd="sng" algn="ctr">
+                      <a:solidFill>
+                        <a:srgbClr val="C4D4E2"/>
+                      </a:solidFill>
+                      <a:prstDash val="solid"/>
+                      <a:round/>
+                      <a:headEnd type="none" w="med" len="med"/>
+                      <a:tailEnd type="none" w="med" len="med"/>
+                    </a:lnL>
+                    <a:lnR w="12700" cap="flat" cmpd="sng" algn="ctr">
+                      <a:solidFill>
+                        <a:srgbClr val="C4D4E2"/>
+                      </a:solidFill>
+                      <a:prstDash val="solid"/>
+                      <a:round/>
+                      <a:headEnd type="none" w="med" len="med"/>
+                      <a:tailEnd type="none" w="med" len="med"/>
+                    </a:lnR>
+                    <a:lnT w="12700" cap="flat" cmpd="sng" algn="ctr">
+                      <a:solidFill>
+                        <a:srgbClr val="C4D4E2"/>
+                      </a:solidFill>
+                      <a:prstDash val="solid"/>
+                      <a:round/>
+                      <a:headEnd type="none" w="med" len="med"/>
+                      <a:tailEnd type="none" w="med" len="med"/>
+                    </a:lnT>
+                    <a:lnB w="12700" cap="flat" cmpd="sng" algn="ctr">
+                      <a:solidFill>
+                        <a:srgbClr val="C4D4E2"/>
+                      </a:solidFill>
+                      <a:prstDash val="solid"/>
+                      <a:round/>
+                      <a:headEnd type="none" w="med" len="med"/>
+                      <a:tailEnd type="none" w="med" len="med"/>
+                    </a:lnB>
+                  </a:tcPr>
+                </a:tc>
+                <a:tc>
+                  <a:txBody>
+                    <a:bodyPr/>
+                    <a:lstStyle/>
+                    <a:p>
+                      <a:pPr algn="ctr" latinLnBrk="1"/>
+                      <a:r>
+                        <a:rPr lang="en-US" altLang="ko-KR" sz="1100" baseline="0" dirty="0" smtClean="0">
+                          <a:solidFill>
+                            <a:schemeClr val="tx1">
+                              <a:lumMod val="75000"/>
+                              <a:lumOff val="25000"/>
+                            </a:schemeClr>
+                          </a:solidFill>
+                          <a:latin typeface="나눔스퀘어OTF Bold" pitchFamily="34" charset="-127"/>
+                          <a:ea typeface="나눔스퀘어OTF Bold" pitchFamily="34" charset="-127"/>
+                        </a:rPr>
+                        <a:t>range(40%,80%)</a:t>
+                      </a:r>
+                      <a:endParaRPr lang="en-US" altLang="ko-KR" sz="1100" baseline="0" dirty="0" smtClean="0">
+                        <a:solidFill>
+                          <a:schemeClr val="tx1">
+                            <a:lumMod val="75000"/>
+                            <a:lumOff val="25000"/>
+                          </a:schemeClr>
+                        </a:solidFill>
+                        <a:latin typeface="나눔스퀘어OTF Bold" pitchFamily="34" charset="-127"/>
+                        <a:ea typeface="나눔스퀘어OTF Bold" pitchFamily="34" charset="-127"/>
+                      </a:endParaRPr>
                     </a:p>
                   </a:txBody>
                   <a:tcPr anchor="ctr">
@@ -6093,11 +6009,11 @@
                 </a:tc>
                 <a:extLst>
                   <a:ext uri="{0D108BD9-81ED-4DB2-BD59-A6C34878D82A}">
-                    <a16:rowId xmlns:a16="http://schemas.microsoft.com/office/drawing/2014/main" val="3287406068"/>
+                    <a16:rowId xmlns:a16="http://schemas.microsoft.com/office/drawing/2014/main" xmlns="" val="3287406068"/>
                   </a:ext>
                 </a:extLst>
               </a:tr>
-              <a:tr h="1124060">
+              <a:tr h="853859">
                 <a:tc>
                   <a:txBody>
                     <a:bodyPr/>
@@ -6296,20 +6212,7 @@
                           <a:latin typeface="나눔스퀘어OTF Bold" pitchFamily="34" charset="-127"/>
                           <a:ea typeface="나눔스퀘어OTF Bold" pitchFamily="34" charset="-127"/>
                         </a:rPr>
-                        <a:t>승리 사운드 등 약 </a:t>
-                      </a:r>
-                      <a:r>
-                        <a:rPr lang="en-US" altLang="ko-KR" sz="1400" baseline="0" dirty="0" smtClean="0">
-                          <a:solidFill>
-                            <a:schemeClr val="tx1">
-                              <a:lumMod val="75000"/>
-                              <a:lumOff val="25000"/>
-                            </a:schemeClr>
-                          </a:solidFill>
-                          <a:latin typeface="나눔스퀘어OTF Bold" pitchFamily="34" charset="-127"/>
-                          <a:ea typeface="나눔스퀘어OTF Bold" pitchFamily="34" charset="-127"/>
-                        </a:rPr>
-                        <a:t>4</a:t>
+                        <a:t>승리 </a:t>
                       </a:r>
                       <a:r>
                         <a:rPr lang="ko-KR" altLang="en-US" sz="1400" baseline="0" dirty="0" smtClean="0">
@@ -6322,7 +6225,7 @@
                           <a:latin typeface="나눔스퀘어OTF Bold" pitchFamily="34" charset="-127"/>
                           <a:ea typeface="나눔스퀘어OTF Bold" pitchFamily="34" charset="-127"/>
                         </a:rPr>
-                        <a:t>종 이상</a:t>
+                        <a:t>사운드 등</a:t>
                       </a:r>
                       <a:endParaRPr lang="ko-KR" altLang="en-US" sz="1400" dirty="0" smtClean="0">
                         <a:solidFill>
@@ -6330,2619 +6233,6 @@
                             <a:lumMod val="75000"/>
                             <a:lumOff val="25000"/>
                           </a:schemeClr>
-                        </a:solidFill>
-                        <a:latin typeface="나눔스퀘어OTF Bold" pitchFamily="34" charset="-127"/>
-                        <a:ea typeface="나눔스퀘어OTF Bold" pitchFamily="34" charset="-127"/>
-                      </a:endParaRPr>
-                    </a:p>
-                  </a:txBody>
-                  <a:tcPr anchor="ctr">
-                    <a:lnL w="12700" cap="flat" cmpd="sng" algn="ctr">
-                      <a:solidFill>
-                        <a:srgbClr val="C4D4E2"/>
-                      </a:solidFill>
-                      <a:prstDash val="solid"/>
-                      <a:round/>
-                      <a:headEnd type="none" w="med" len="med"/>
-                      <a:tailEnd type="none" w="med" len="med"/>
-                    </a:lnL>
-                    <a:lnT w="12700" cap="flat" cmpd="sng" algn="ctr">
-                      <a:solidFill>
-                        <a:srgbClr val="C4D4E2"/>
-                      </a:solidFill>
-                      <a:prstDash val="solid"/>
-                      <a:round/>
-                      <a:headEnd type="none" w="med" len="med"/>
-                      <a:tailEnd type="none" w="med" len="med"/>
-                    </a:lnT>
-                    <a:lnB w="12700" cap="flat" cmpd="sng" algn="ctr">
-                      <a:solidFill>
-                        <a:srgbClr val="C4D4E2"/>
-                      </a:solidFill>
-                      <a:prstDash val="solid"/>
-                      <a:round/>
-                      <a:headEnd type="none" w="med" len="med"/>
-                      <a:tailEnd type="none" w="med" len="med"/>
-                    </a:lnB>
-                  </a:tcPr>
-                </a:tc>
-                <a:extLst>
-                  <a:ext uri="{0D108BD9-81ED-4DB2-BD59-A6C34878D82A}">
-                    <a16:rowId xmlns:a16="http://schemas.microsoft.com/office/drawing/2014/main" val="678621988"/>
-                  </a:ext>
-                </a:extLst>
-              </a:tr>
-              <a:tr h="1124060">
-                <a:tc>
-                  <a:txBody>
-                    <a:bodyPr/>
-                    <a:lstStyle/>
-                    <a:p>
-                      <a:pPr algn="ctr" latinLnBrk="1"/>
-                      <a:r>
-                        <a:rPr lang="ko-KR" altLang="en-US" sz="1400" b="1" dirty="0" smtClean="0">
-                          <a:solidFill>
-                            <a:schemeClr val="tx1">
-                              <a:lumMod val="75000"/>
-                              <a:lumOff val="25000"/>
-                            </a:schemeClr>
-                          </a:solidFill>
-                          <a:latin typeface="나눔스퀘어OTF ExtraBold" pitchFamily="34" charset="-127"/>
-                          <a:ea typeface="나눔스퀘어OTF ExtraBold" pitchFamily="34" charset="-127"/>
-                        </a:rPr>
-                        <a:t>애니메이션</a:t>
-                      </a:r>
-                      <a:endParaRPr lang="ko-KR" altLang="en-US" sz="1400" b="1" dirty="0">
-                        <a:solidFill>
-                          <a:schemeClr val="tx1">
-                            <a:lumMod val="75000"/>
-                            <a:lumOff val="25000"/>
-                          </a:schemeClr>
-                        </a:solidFill>
-                        <a:latin typeface="나눔스퀘어OTF ExtraBold" pitchFamily="34" charset="-127"/>
-                        <a:ea typeface="나눔스퀘어OTF ExtraBold" pitchFamily="34" charset="-127"/>
-                      </a:endParaRPr>
-                    </a:p>
-                  </a:txBody>
-                  <a:tcPr anchor="ctr">
-                    <a:lnR w="12700" cap="flat" cmpd="sng" algn="ctr">
-                      <a:solidFill>
-                        <a:srgbClr val="C4D4E2"/>
-                      </a:solidFill>
-                      <a:prstDash val="solid"/>
-                      <a:round/>
-                      <a:headEnd type="none" w="med" len="med"/>
-                      <a:tailEnd type="none" w="med" len="med"/>
-                    </a:lnR>
-                    <a:lnT w="12700" cap="flat" cmpd="sng" algn="ctr">
-                      <a:solidFill>
-                        <a:srgbClr val="C4D4E2"/>
-                      </a:solidFill>
-                      <a:prstDash val="solid"/>
-                      <a:round/>
-                      <a:headEnd type="none" w="med" len="med"/>
-                      <a:tailEnd type="none" w="med" len="med"/>
-                    </a:lnT>
-                  </a:tcPr>
-                </a:tc>
-                <a:tc>
-                  <a:txBody>
-                    <a:bodyPr/>
-                    <a:lstStyle/>
-                    <a:p>
-                      <a:pPr marL="0" marR="0" indent="0" algn="ctr" defTabSz="914400" rtl="0" eaLnBrk="1" fontAlgn="auto" latinLnBrk="1" hangingPunct="1">
-                        <a:lnSpc>
-                          <a:spcPct val="100000"/>
-                        </a:lnSpc>
-                        <a:spcBef>
-                          <a:spcPts val="0"/>
-                        </a:spcBef>
-                        <a:spcAft>
-                          <a:spcPts val="0"/>
-                        </a:spcAft>
-                        <a:buClrTx/>
-                        <a:buSzTx/>
-                        <a:buFontTx/>
-                        <a:buNone/>
-                        <a:tabLst/>
-                        <a:defRPr/>
-                      </a:pPr>
-                      <a:r>
-                        <a:rPr lang="ko-KR" altLang="en-US" sz="1400" dirty="0" smtClean="0">
-                          <a:solidFill>
-                            <a:schemeClr val="tx1">
-                              <a:lumMod val="75000"/>
-                              <a:lumOff val="25000"/>
-                            </a:schemeClr>
-                          </a:solidFill>
-                          <a:latin typeface="나눔스퀘어OTF Bold" pitchFamily="34" charset="-127"/>
-                          <a:ea typeface="나눔스퀘어OTF Bold" pitchFamily="34" charset="-127"/>
-                        </a:rPr>
-                        <a:t>블록 착지</a:t>
-                      </a:r>
-                      <a:r>
-                        <a:rPr lang="en-US" altLang="ko-KR" sz="1400" dirty="0" smtClean="0">
-                          <a:solidFill>
-                            <a:schemeClr val="tx1">
-                              <a:lumMod val="75000"/>
-                              <a:lumOff val="25000"/>
-                            </a:schemeClr>
-                          </a:solidFill>
-                          <a:latin typeface="나눔스퀘어OTF Bold" pitchFamily="34" charset="-127"/>
-                          <a:ea typeface="나눔스퀘어OTF Bold" pitchFamily="34" charset="-127"/>
-                        </a:rPr>
-                        <a:t>,</a:t>
-                      </a:r>
-                      <a:r>
-                        <a:rPr lang="en-US" altLang="ko-KR" sz="1400" baseline="0" dirty="0" smtClean="0">
-                          <a:solidFill>
-                            <a:schemeClr val="tx1">
-                              <a:lumMod val="75000"/>
-                              <a:lumOff val="25000"/>
-                            </a:schemeClr>
-                          </a:solidFill>
-                          <a:latin typeface="나눔스퀘어OTF Bold" pitchFamily="34" charset="-127"/>
-                          <a:ea typeface="나눔스퀘어OTF Bold" pitchFamily="34" charset="-127"/>
-                        </a:rPr>
-                        <a:t> </a:t>
-                      </a:r>
-                      <a:r>
-                        <a:rPr lang="ko-KR" altLang="en-US" sz="1400" baseline="0" dirty="0" smtClean="0">
-                          <a:solidFill>
-                            <a:schemeClr val="tx1">
-                              <a:lumMod val="75000"/>
-                              <a:lumOff val="25000"/>
-                            </a:schemeClr>
-                          </a:solidFill>
-                          <a:latin typeface="나눔스퀘어OTF Bold" pitchFamily="34" charset="-127"/>
-                          <a:ea typeface="나눔스퀘어OTF Bold" pitchFamily="34" charset="-127"/>
-                        </a:rPr>
-                        <a:t>블록 회전</a:t>
-                      </a:r>
-                      <a:r>
-                        <a:rPr lang="en-US" altLang="ko-KR" sz="1400" baseline="0" dirty="0" smtClean="0">
-                          <a:solidFill>
-                            <a:schemeClr val="tx1">
-                              <a:lumMod val="75000"/>
-                              <a:lumOff val="25000"/>
-                            </a:schemeClr>
-                          </a:solidFill>
-                          <a:latin typeface="나눔스퀘어OTF Bold" pitchFamily="34" charset="-127"/>
-                          <a:ea typeface="나눔스퀘어OTF Bold" pitchFamily="34" charset="-127"/>
-                        </a:rPr>
-                        <a:t>, </a:t>
-                      </a:r>
-                      <a:r>
-                        <a:rPr lang="ko-KR" altLang="en-US" sz="1400" baseline="0" dirty="0" smtClean="0">
-                          <a:solidFill>
-                            <a:schemeClr val="tx1">
-                              <a:lumMod val="75000"/>
-                              <a:lumOff val="25000"/>
-                            </a:schemeClr>
-                          </a:solidFill>
-                          <a:latin typeface="나눔스퀘어OTF Bold" pitchFamily="34" charset="-127"/>
-                          <a:ea typeface="나눔스퀘어OTF Bold" pitchFamily="34" charset="-127"/>
-                        </a:rPr>
-                        <a:t>블록 파괴</a:t>
-                      </a:r>
-                      <a:r>
-                        <a:rPr lang="en-US" altLang="ko-KR" sz="1400" baseline="0" dirty="0" smtClean="0">
-                          <a:solidFill>
-                            <a:schemeClr val="tx1">
-                              <a:lumMod val="75000"/>
-                              <a:lumOff val="25000"/>
-                            </a:schemeClr>
-                          </a:solidFill>
-                          <a:latin typeface="나눔스퀘어OTF Bold" pitchFamily="34" charset="-127"/>
-                          <a:ea typeface="나눔스퀘어OTF Bold" pitchFamily="34" charset="-127"/>
-                        </a:rPr>
-                        <a:t>,</a:t>
-                      </a:r>
-                      <a:r>
-                        <a:rPr lang="ko-KR" altLang="en-US" sz="1400" baseline="0" dirty="0" smtClean="0">
-                          <a:solidFill>
-                            <a:schemeClr val="tx1">
-                              <a:lumMod val="75000"/>
-                              <a:lumOff val="25000"/>
-                            </a:schemeClr>
-                          </a:solidFill>
-                          <a:latin typeface="나눔스퀘어OTF Bold" pitchFamily="34" charset="-127"/>
-                          <a:ea typeface="나눔스퀘어OTF Bold" pitchFamily="34" charset="-127"/>
-                        </a:rPr>
-                        <a:t>등 약 </a:t>
-                      </a:r>
-                      <a:r>
-                        <a:rPr lang="en-US" altLang="ko-KR" sz="1400" baseline="0" dirty="0" smtClean="0">
-                          <a:solidFill>
-                            <a:schemeClr val="tx1">
-                              <a:lumMod val="75000"/>
-                              <a:lumOff val="25000"/>
-                            </a:schemeClr>
-                          </a:solidFill>
-                          <a:latin typeface="나눔스퀘어OTF Bold" pitchFamily="34" charset="-127"/>
-                          <a:ea typeface="나눔스퀘어OTF Bold" pitchFamily="34" charset="-127"/>
-                        </a:rPr>
-                        <a:t>3</a:t>
-                      </a:r>
-                      <a:r>
-                        <a:rPr lang="ko-KR" altLang="en-US" sz="1400" baseline="0" dirty="0" smtClean="0">
-                          <a:solidFill>
-                            <a:schemeClr val="tx1">
-                              <a:lumMod val="75000"/>
-                              <a:lumOff val="25000"/>
-                            </a:schemeClr>
-                          </a:solidFill>
-                          <a:latin typeface="나눔스퀘어OTF Bold" pitchFamily="34" charset="-127"/>
-                          <a:ea typeface="나눔스퀘어OTF Bold" pitchFamily="34" charset="-127"/>
-                        </a:rPr>
-                        <a:t>종이상</a:t>
-                      </a:r>
-                      <a:endParaRPr lang="ko-KR" altLang="en-US" sz="1400" dirty="0" smtClean="0">
-                        <a:solidFill>
-                          <a:schemeClr val="tx1">
-                            <a:lumMod val="75000"/>
-                            <a:lumOff val="25000"/>
-                          </a:schemeClr>
-                        </a:solidFill>
-                        <a:latin typeface="나눔스퀘어OTF Bold" pitchFamily="34" charset="-127"/>
-                        <a:ea typeface="나눔스퀘어OTF Bold" pitchFamily="34" charset="-127"/>
-                      </a:endParaRPr>
-                    </a:p>
-                  </a:txBody>
-                  <a:tcPr anchor="ctr">
-                    <a:lnL w="12700" cap="flat" cmpd="sng" algn="ctr">
-                      <a:solidFill>
-                        <a:srgbClr val="C4D4E2"/>
-                      </a:solidFill>
-                      <a:prstDash val="solid"/>
-                      <a:round/>
-                      <a:headEnd type="none" w="med" len="med"/>
-                      <a:tailEnd type="none" w="med" len="med"/>
-                    </a:lnL>
-                    <a:lnT w="12700" cap="flat" cmpd="sng" algn="ctr">
-                      <a:solidFill>
-                        <a:srgbClr val="C4D4E2"/>
-                      </a:solidFill>
-                      <a:prstDash val="solid"/>
-                      <a:round/>
-                      <a:headEnd type="none" w="med" len="med"/>
-                      <a:tailEnd type="none" w="med" len="med"/>
-                    </a:lnT>
-                  </a:tcPr>
-                </a:tc>
-                <a:extLst>
-                  <a:ext uri="{0D108BD9-81ED-4DB2-BD59-A6C34878D82A}">
-                    <a16:rowId xmlns:a16="http://schemas.microsoft.com/office/drawing/2014/main" val="10005"/>
-                  </a:ext>
-                </a:extLst>
-              </a:tr>
-            </a:tbl>
-          </a:graphicData>
-        </a:graphic>
-      </p:graphicFrame>
-    </p:spTree>
-    <p:extLst>
-      <p:ext uri="{BB962C8B-B14F-4D97-AF65-F5344CB8AC3E}">
-        <p14:creationId xmlns:p14="http://schemas.microsoft.com/office/powerpoint/2010/main" val="2872412707"/>
-      </p:ext>
-    </p:extLst>
-  </p:cSld>
-  <p:clrMapOvr>
-    <a:masterClrMapping/>
-  </p:clrMapOvr>
-  <p:timing>
-    <p:tnLst>
-      <p:par>
-        <p:cTn id="1" dur="indefinite" restart="never" nodeType="tmRoot"/>
-      </p:par>
-    </p:tnLst>
-  </p:timing>
-</p:sld>
-</file>
-
-<file path=ppt/slides/slide4.xml><?xml version="1.0" encoding="utf-8"?>
-<p:sld xmlns:a="http://schemas.openxmlformats.org/drawingml/2006/main" xmlns:r="http://schemas.openxmlformats.org/officeDocument/2006/relationships" xmlns:p="http://schemas.openxmlformats.org/presentationml/2006/main">
-  <p:cSld>
-    <p:spTree>
-      <p:nvGrpSpPr>
-        <p:cNvPr id="1" name=""/>
-        <p:cNvGrpSpPr/>
-        <p:nvPr/>
-      </p:nvGrpSpPr>
-      <p:grpSpPr>
-        <a:xfrm>
-          <a:off x="0" y="0"/>
-          <a:ext cx="0" cy="0"/>
-          <a:chOff x="0" y="0"/>
-          <a:chExt cx="0" cy="0"/>
-        </a:xfrm>
-      </p:grpSpPr>
-      <p:sp>
-        <p:nvSpPr>
-          <p:cNvPr id="2" name="TextBox 1"/>
-          <p:cNvSpPr txBox="1"/>
-          <p:nvPr/>
-        </p:nvSpPr>
-        <p:spPr>
-          <a:xfrm>
-            <a:off x="1214414" y="692696"/>
-            <a:ext cx="1394934" cy="461665"/>
-          </a:xfrm>
-          <a:prstGeom prst="rect">
-            <a:avLst/>
-          </a:prstGeom>
-          <a:noFill/>
-        </p:spPr>
-        <p:txBody>
-          <a:bodyPr wrap="none" rtlCol="0">
-            <a:spAutoFit/>
-          </a:bodyPr>
-          <a:lstStyle/>
-          <a:p>
-            <a:r>
-              <a:rPr lang="ko-KR" altLang="en-US" sz="2400" b="1" spc="-150" dirty="0" smtClean="0">
-                <a:solidFill>
-                  <a:schemeClr val="tx1">
-                    <a:lumMod val="75000"/>
-                    <a:lumOff val="25000"/>
-                  </a:schemeClr>
-                </a:solidFill>
-                <a:latin typeface="나눔스퀘어OTF ExtraBold" pitchFamily="34" charset="-127"/>
-                <a:ea typeface="나눔스퀘어OTF ExtraBold" pitchFamily="34" charset="-127"/>
-              </a:rPr>
-              <a:t>개발 현황</a:t>
-            </a:r>
-            <a:endParaRPr lang="ko-KR" altLang="en-US" sz="2400" b="1" spc="-150" dirty="0">
-              <a:solidFill>
-                <a:schemeClr val="tx1">
-                  <a:lumMod val="75000"/>
-                  <a:lumOff val="25000"/>
-                </a:schemeClr>
-              </a:solidFill>
-              <a:latin typeface="나눔스퀘어OTF ExtraBold" pitchFamily="34" charset="-127"/>
-              <a:ea typeface="나눔스퀘어OTF ExtraBold" pitchFamily="34" charset="-127"/>
-            </a:endParaRPr>
-          </a:p>
-        </p:txBody>
-      </p:sp>
-      <p:graphicFrame>
-        <p:nvGraphicFramePr>
-          <p:cNvPr id="10" name="표 9">
-            <a:extLst>
-              <a:ext uri="{FF2B5EF4-FFF2-40B4-BE49-F238E27FC236}">
-                <a16:creationId xmlns:a16="http://schemas.microsoft.com/office/drawing/2014/main" id="{43CFE782-C4F6-4AE1-AC24-DEDCD8E2F167}"/>
-              </a:ext>
-            </a:extLst>
-          </p:cNvPr>
-          <p:cNvGraphicFramePr>
-            <a:graphicFrameLocks noGrp="1"/>
-          </p:cNvGraphicFramePr>
-          <p:nvPr>
-            <p:extLst>
-              <p:ext uri="{D42A27DB-BD31-4B8C-83A1-F6EECF244321}">
-                <p14:modId xmlns:p14="http://schemas.microsoft.com/office/powerpoint/2010/main" val="1159840985"/>
-              </p:ext>
-            </p:extLst>
-          </p:nvPr>
-        </p:nvGraphicFramePr>
-        <p:xfrm>
-          <a:off x="596250" y="1484785"/>
-          <a:ext cx="7951500" cy="4947920"/>
-        </p:xfrm>
-        <a:graphic>
-          <a:graphicData uri="http://schemas.openxmlformats.org/drawingml/2006/table">
-            <a:tbl>
-              <a:tblPr firstRow="1" bandRow="1">
-                <a:tableStyleId>{2D5ABB26-0587-4C30-8999-92F81FD0307C}</a:tableStyleId>
-              </a:tblPr>
-              <a:tblGrid>
-                <a:gridCol w="1110740">
-                  <a:extLst>
-                    <a:ext uri="{9D8B030D-6E8A-4147-A177-3AD203B41FA5}">
-                      <a16:colId xmlns:a16="http://schemas.microsoft.com/office/drawing/2014/main" val="4100364823"/>
-                    </a:ext>
-                  </a:extLst>
-                </a:gridCol>
-                <a:gridCol w="6840760">
-                  <a:extLst>
-                    <a:ext uri="{9D8B030D-6E8A-4147-A177-3AD203B41FA5}">
-                      <a16:colId xmlns:a16="http://schemas.microsoft.com/office/drawing/2014/main" val="239225333"/>
-                    </a:ext>
-                  </a:extLst>
-                </a:gridCol>
-              </a:tblGrid>
-              <a:tr h="659104">
-                <a:tc>
-                  <a:txBody>
-                    <a:bodyPr/>
-                    <a:lstStyle/>
-                    <a:p>
-                      <a:pPr algn="ctr" latinLnBrk="1"/>
-                      <a:r>
-                        <a:rPr lang="en-US" altLang="ko-KR" sz="1600" b="1" dirty="0" smtClean="0">
-                          <a:solidFill>
-                            <a:schemeClr val="tx1">
-                              <a:lumMod val="75000"/>
-                              <a:lumOff val="25000"/>
-                            </a:schemeClr>
-                          </a:solidFill>
-                          <a:latin typeface="나눔스퀘어OTF Bold" pitchFamily="34" charset="-127"/>
-                          <a:ea typeface="나눔스퀘어OTF Bold" pitchFamily="34" charset="-127"/>
-                        </a:rPr>
-                        <a:t>1</a:t>
-                      </a:r>
-                      <a:r>
-                        <a:rPr lang="ko-KR" altLang="en-US" sz="1600" b="1" dirty="0" smtClean="0">
-                          <a:solidFill>
-                            <a:schemeClr val="tx1">
-                              <a:lumMod val="75000"/>
-                              <a:lumOff val="25000"/>
-                            </a:schemeClr>
-                          </a:solidFill>
-                          <a:latin typeface="나눔스퀘어OTF Bold" pitchFamily="34" charset="-127"/>
-                          <a:ea typeface="나눔스퀘어OTF Bold" pitchFamily="34" charset="-127"/>
-                        </a:rPr>
-                        <a:t>주차</a:t>
-                      </a:r>
-                      <a:endParaRPr lang="ko-KR" altLang="en-US" sz="1600" b="1" dirty="0">
-                        <a:solidFill>
-                          <a:schemeClr val="tx1">
-                            <a:lumMod val="75000"/>
-                            <a:lumOff val="25000"/>
-                          </a:schemeClr>
-                        </a:solidFill>
-                        <a:latin typeface="나눔스퀘어OTF Bold" pitchFamily="34" charset="-127"/>
-                        <a:ea typeface="나눔스퀘어OTF Bold" pitchFamily="34" charset="-127"/>
-                      </a:endParaRPr>
-                    </a:p>
-                  </a:txBody>
-                  <a:tcPr anchor="ctr">
-                    <a:lnR w="12700" cap="flat" cmpd="sng" algn="ctr">
-                      <a:solidFill>
-                        <a:srgbClr val="C4D4E2"/>
-                      </a:solidFill>
-                      <a:prstDash val="solid"/>
-                      <a:round/>
-                      <a:headEnd type="none" w="med" len="med"/>
-                      <a:tailEnd type="none" w="med" len="med"/>
-                    </a:lnR>
-                    <a:lnB w="12700" cap="flat" cmpd="sng" algn="ctr">
-                      <a:solidFill>
-                        <a:srgbClr val="C4D4E2"/>
-                      </a:solidFill>
-                      <a:prstDash val="solid"/>
-                      <a:round/>
-                      <a:headEnd type="none" w="med" len="med"/>
-                      <a:tailEnd type="none" w="med" len="med"/>
-                    </a:lnB>
-                    <a:solidFill>
-                      <a:schemeClr val="bg1">
-                        <a:lumMod val="85000"/>
-                      </a:schemeClr>
-                    </a:solidFill>
-                  </a:tcPr>
-                </a:tc>
-                <a:tc>
-                  <a:txBody>
-                    <a:bodyPr/>
-                    <a:lstStyle/>
-                    <a:p>
-                      <a:pPr marL="0" indent="0" algn="l" latinLnBrk="1">
-                        <a:buNone/>
-                      </a:pPr>
-                      <a:r>
-                        <a:rPr lang="en-US" altLang="ko-KR" sz="1400" b="0" dirty="0" smtClean="0">
-                          <a:solidFill>
-                            <a:schemeClr val="tx1">
-                              <a:lumMod val="75000"/>
-                              <a:lumOff val="25000"/>
-                            </a:schemeClr>
-                          </a:solidFill>
-                          <a:latin typeface="나눔스퀘어OTF Bold" pitchFamily="34" charset="-127"/>
-                          <a:ea typeface="나눔스퀘어OTF Bold" pitchFamily="34" charset="-127"/>
-                        </a:rPr>
-                        <a:t>1. </a:t>
-                      </a:r>
-                      <a:r>
-                        <a:rPr lang="ko-KR" altLang="en-US" sz="1400" b="0" dirty="0" smtClean="0">
-                          <a:solidFill>
-                            <a:schemeClr val="tx1">
-                              <a:lumMod val="75000"/>
-                              <a:lumOff val="25000"/>
-                            </a:schemeClr>
-                          </a:solidFill>
-                          <a:latin typeface="나눔스퀘어OTF Bold" pitchFamily="34" charset="-127"/>
-                          <a:ea typeface="나눔스퀘어OTF Bold" pitchFamily="34" charset="-127"/>
-                        </a:rPr>
-                        <a:t>이미지와 사운드와 같은 리소스 수집 </a:t>
-                      </a:r>
-                      <a:r>
-                        <a:rPr lang="en-US" altLang="ko-KR" sz="1400" b="0" dirty="0" smtClean="0">
-                          <a:solidFill>
-                            <a:schemeClr val="tx1">
-                              <a:lumMod val="75000"/>
-                              <a:lumOff val="25000"/>
-                            </a:schemeClr>
-                          </a:solidFill>
-                          <a:latin typeface="나눔스퀘어OTF Bold" pitchFamily="34" charset="-127"/>
-                          <a:ea typeface="나눔스퀘어OTF Bold" pitchFamily="34" charset="-127"/>
-                        </a:rPr>
-                        <a:t>: </a:t>
-                      </a:r>
-                      <a:r>
-                        <a:rPr lang="en-US" altLang="ko-KR" sz="1400" b="1" dirty="0" smtClean="0">
-                          <a:solidFill>
-                            <a:schemeClr val="tx1">
-                              <a:lumMod val="75000"/>
-                              <a:lumOff val="25000"/>
-                            </a:schemeClr>
-                          </a:solidFill>
-                          <a:latin typeface="나눔스퀘어OTF Bold" pitchFamily="34" charset="-127"/>
-                          <a:ea typeface="나눔스퀘어OTF Bold" pitchFamily="34" charset="-127"/>
-                        </a:rPr>
-                        <a:t>(100%)</a:t>
-                      </a:r>
-                    </a:p>
-                    <a:p>
-                      <a:pPr marL="342900" indent="-342900" algn="l" latinLnBrk="1">
-                        <a:buAutoNum type="arabicPeriod"/>
-                      </a:pPr>
-                      <a:endParaRPr lang="en-US" altLang="ko-KR" sz="1400" b="0" dirty="0" smtClean="0">
-                        <a:solidFill>
-                          <a:schemeClr val="tx1">
-                            <a:lumMod val="75000"/>
-                            <a:lumOff val="25000"/>
-                          </a:schemeClr>
-                        </a:solidFill>
-                        <a:latin typeface="나눔스퀘어OTF Bold" pitchFamily="34" charset="-127"/>
-                        <a:ea typeface="나눔스퀘어OTF Bold" pitchFamily="34" charset="-127"/>
-                      </a:endParaRPr>
-                    </a:p>
-                    <a:p>
-                      <a:pPr algn="l" latinLnBrk="1"/>
-                      <a:r>
-                        <a:rPr lang="en-US" altLang="ko-KR" sz="1400" b="0" dirty="0" smtClean="0">
-                          <a:solidFill>
-                            <a:schemeClr val="tx1">
-                              <a:lumMod val="75000"/>
-                              <a:lumOff val="25000"/>
-                            </a:schemeClr>
-                          </a:solidFill>
-                          <a:latin typeface="나눔스퀘어OTF Bold" pitchFamily="34" charset="-127"/>
-                          <a:ea typeface="나눔스퀘어OTF Bold" pitchFamily="34" charset="-127"/>
-                        </a:rPr>
-                        <a:t>2. </a:t>
-                      </a:r>
-                      <a:r>
-                        <a:rPr lang="ko-KR" altLang="en-US" sz="1400" b="0" dirty="0" smtClean="0">
-                          <a:solidFill>
-                            <a:schemeClr val="tx1">
-                              <a:lumMod val="75000"/>
-                              <a:lumOff val="25000"/>
-                            </a:schemeClr>
-                          </a:solidFill>
-                          <a:latin typeface="나눔스퀘어OTF Bold" pitchFamily="34" charset="-127"/>
-                          <a:ea typeface="나눔스퀘어OTF Bold" pitchFamily="34" charset="-127"/>
-                        </a:rPr>
-                        <a:t>기본 인터페이스 구성</a:t>
-                      </a:r>
-                      <a:r>
-                        <a:rPr lang="en-US" altLang="ko-KR" sz="1400" b="0" dirty="0" smtClean="0">
-                          <a:solidFill>
-                            <a:schemeClr val="tx1">
-                              <a:lumMod val="75000"/>
-                              <a:lumOff val="25000"/>
-                            </a:schemeClr>
-                          </a:solidFill>
-                          <a:latin typeface="나눔스퀘어OTF Bold" pitchFamily="34" charset="-127"/>
-                          <a:ea typeface="나눔스퀘어OTF Bold" pitchFamily="34" charset="-127"/>
-                        </a:rPr>
-                        <a:t>: </a:t>
-                      </a:r>
-                      <a:r>
-                        <a:rPr lang="en-US" altLang="ko-KR" sz="1400" b="1" dirty="0" smtClean="0">
-                          <a:solidFill>
-                            <a:schemeClr val="tx1">
-                              <a:lumMod val="75000"/>
-                              <a:lumOff val="25000"/>
-                            </a:schemeClr>
-                          </a:solidFill>
-                          <a:latin typeface="나눔스퀘어OTF Bold" pitchFamily="34" charset="-127"/>
-                          <a:ea typeface="나눔스퀘어OTF Bold" pitchFamily="34" charset="-127"/>
-                        </a:rPr>
-                        <a:t>(50%) </a:t>
-                      </a:r>
-                      <a:r>
-                        <a:rPr lang="en-US" altLang="ko-KR" sz="1400" b="0" dirty="0" smtClean="0">
-                          <a:solidFill>
-                            <a:schemeClr val="tx1">
-                              <a:lumMod val="75000"/>
-                              <a:lumOff val="25000"/>
-                            </a:schemeClr>
-                          </a:solidFill>
-                          <a:latin typeface="나눔스퀘어OTF Bold" pitchFamily="34" charset="-127"/>
-                          <a:ea typeface="나눔스퀘어OTF Bold" pitchFamily="34" charset="-127"/>
-                        </a:rPr>
-                        <a:t>– 1P</a:t>
-                      </a:r>
-                      <a:r>
-                        <a:rPr lang="ko-KR" altLang="en-US" sz="1400" b="0" dirty="0" smtClean="0">
-                          <a:solidFill>
-                            <a:schemeClr val="tx1">
-                              <a:lumMod val="75000"/>
-                              <a:lumOff val="25000"/>
-                            </a:schemeClr>
-                          </a:solidFill>
-                          <a:latin typeface="나눔스퀘어OTF Bold" pitchFamily="34" charset="-127"/>
-                          <a:ea typeface="나눔스퀘어OTF Bold" pitchFamily="34" charset="-127"/>
-                        </a:rPr>
-                        <a:t>의 스테이지만 구현되어</a:t>
-                      </a:r>
-                      <a:endParaRPr lang="en-US" altLang="ko-KR" sz="1400" b="0" dirty="0" smtClean="0">
-                        <a:solidFill>
-                          <a:schemeClr val="tx1">
-                            <a:lumMod val="75000"/>
-                            <a:lumOff val="25000"/>
-                          </a:schemeClr>
-                        </a:solidFill>
-                        <a:latin typeface="나눔스퀘어OTF Bold" pitchFamily="34" charset="-127"/>
-                        <a:ea typeface="나눔스퀘어OTF Bold" pitchFamily="34" charset="-127"/>
-                      </a:endParaRPr>
-                    </a:p>
-                    <a:p>
-                      <a:pPr algn="l" latinLnBrk="1"/>
-                      <a:r>
-                        <a:rPr lang="en-US" altLang="ko-KR" sz="1400" b="0" dirty="0" smtClean="0">
-                          <a:solidFill>
-                            <a:schemeClr val="tx1">
-                              <a:lumMod val="75000"/>
-                              <a:lumOff val="25000"/>
-                            </a:schemeClr>
-                          </a:solidFill>
-                          <a:latin typeface="나눔스퀘어OTF Bold" pitchFamily="34" charset="-127"/>
-                          <a:ea typeface="나눔스퀘어OTF Bold" pitchFamily="34" charset="-127"/>
-                        </a:rPr>
-                        <a:t>                                  </a:t>
-                      </a:r>
-                      <a:r>
-                        <a:rPr lang="ko-KR" altLang="en-US" sz="1400" b="0" dirty="0" smtClean="0">
-                          <a:solidFill>
-                            <a:schemeClr val="tx1">
-                              <a:lumMod val="75000"/>
-                              <a:lumOff val="25000"/>
-                            </a:schemeClr>
-                          </a:solidFill>
-                          <a:latin typeface="나눔스퀘어OTF Bold" pitchFamily="34" charset="-127"/>
-                          <a:ea typeface="나눔스퀘어OTF Bold" pitchFamily="34" charset="-127"/>
-                        </a:rPr>
-                        <a:t>있는 상태로</a:t>
-                      </a:r>
-                      <a:r>
-                        <a:rPr lang="en-US" altLang="ko-KR" sz="1400" b="0" dirty="0" smtClean="0">
-                          <a:solidFill>
-                            <a:schemeClr val="tx1">
-                              <a:lumMod val="75000"/>
-                              <a:lumOff val="25000"/>
-                            </a:schemeClr>
-                          </a:solidFill>
-                          <a:latin typeface="나눔스퀘어OTF Bold" pitchFamily="34" charset="-127"/>
-                          <a:ea typeface="나눔스퀘어OTF Bold" pitchFamily="34" charset="-127"/>
-                        </a:rPr>
-                        <a:t>,</a:t>
-                      </a:r>
-                      <a:r>
-                        <a:rPr lang="en-US" altLang="ko-KR" sz="1400" b="0" baseline="0" dirty="0" smtClean="0">
-                          <a:solidFill>
-                            <a:schemeClr val="tx1">
-                              <a:lumMod val="75000"/>
-                              <a:lumOff val="25000"/>
-                            </a:schemeClr>
-                          </a:solidFill>
-                          <a:latin typeface="나눔스퀘어OTF Bold" pitchFamily="34" charset="-127"/>
-                          <a:ea typeface="나눔스퀘어OTF Bold" pitchFamily="34" charset="-127"/>
-                        </a:rPr>
-                        <a:t> </a:t>
-                      </a:r>
-                      <a:r>
-                        <a:rPr lang="ko-KR" altLang="en-US" sz="1400" b="0" baseline="0" dirty="0" smtClean="0">
-                          <a:solidFill>
-                            <a:schemeClr val="tx1">
-                              <a:lumMod val="75000"/>
-                              <a:lumOff val="25000"/>
-                            </a:schemeClr>
-                          </a:solidFill>
-                          <a:latin typeface="나눔스퀘어OTF Bold" pitchFamily="34" charset="-127"/>
-                          <a:ea typeface="나눔스퀘어OTF Bold" pitchFamily="34" charset="-127"/>
-                        </a:rPr>
-                        <a:t>추가 구현 예정</a:t>
-                      </a:r>
-                      <a:r>
-                        <a:rPr lang="en-US" altLang="ko-KR" sz="1400" b="0" baseline="0" dirty="0" smtClean="0">
-                          <a:solidFill>
-                            <a:schemeClr val="tx1">
-                              <a:lumMod val="75000"/>
-                              <a:lumOff val="25000"/>
-                            </a:schemeClr>
-                          </a:solidFill>
-                          <a:latin typeface="나눔스퀘어OTF Bold" pitchFamily="34" charset="-127"/>
-                          <a:ea typeface="나눔스퀘어OTF Bold" pitchFamily="34" charset="-127"/>
-                        </a:rPr>
-                        <a:t>.</a:t>
-                      </a:r>
-                      <a:endParaRPr lang="ko-KR" altLang="en-US" sz="1400" b="0" dirty="0">
-                        <a:solidFill>
-                          <a:schemeClr val="tx1">
-                            <a:lumMod val="75000"/>
-                            <a:lumOff val="25000"/>
-                          </a:schemeClr>
-                        </a:solidFill>
-                        <a:latin typeface="나눔스퀘어OTF Bold" pitchFamily="34" charset="-127"/>
-                        <a:ea typeface="나눔스퀘어OTF Bold" pitchFamily="34" charset="-127"/>
-                      </a:endParaRPr>
-                    </a:p>
-                  </a:txBody>
-                  <a:tcPr anchor="ctr">
-                    <a:lnL w="12700" cap="flat" cmpd="sng" algn="ctr">
-                      <a:solidFill>
-                        <a:srgbClr val="C4D4E2"/>
-                      </a:solidFill>
-                      <a:prstDash val="solid"/>
-                      <a:round/>
-                      <a:headEnd type="none" w="med" len="med"/>
-                      <a:tailEnd type="none" w="med" len="med"/>
-                    </a:lnL>
-                    <a:lnB w="12700" cap="flat" cmpd="sng" algn="ctr">
-                      <a:solidFill>
-                        <a:srgbClr val="C4D4E2"/>
-                      </a:solidFill>
-                      <a:prstDash val="solid"/>
-                      <a:round/>
-                      <a:headEnd type="none" w="med" len="med"/>
-                      <a:tailEnd type="none" w="med" len="med"/>
-                    </a:lnB>
-                    <a:solidFill>
-                      <a:schemeClr val="bg1"/>
-                    </a:solidFill>
-                  </a:tcPr>
-                </a:tc>
-                <a:extLst>
-                  <a:ext uri="{0D108BD9-81ED-4DB2-BD59-A6C34878D82A}">
-                    <a16:rowId xmlns:a16="http://schemas.microsoft.com/office/drawing/2014/main" val="3511550245"/>
-                  </a:ext>
-                </a:extLst>
-              </a:tr>
-              <a:tr h="3949407">
-                <a:tc>
-                  <a:txBody>
-                    <a:bodyPr/>
-                    <a:lstStyle/>
-                    <a:p>
-                      <a:pPr algn="ctr" latinLnBrk="1"/>
-                      <a:r>
-                        <a:rPr lang="en-US" altLang="ko-KR" sz="1600" b="1" dirty="0" smtClean="0">
-                          <a:solidFill>
-                            <a:schemeClr val="tx1">
-                              <a:lumMod val="75000"/>
-                              <a:lumOff val="25000"/>
-                            </a:schemeClr>
-                          </a:solidFill>
-                          <a:latin typeface="나눔스퀘어OTF ExtraBold" pitchFamily="34" charset="-127"/>
-                          <a:ea typeface="나눔스퀘어OTF ExtraBold" pitchFamily="34" charset="-127"/>
-                        </a:rPr>
-                        <a:t>2</a:t>
-                      </a:r>
-                      <a:r>
-                        <a:rPr lang="ko-KR" altLang="en-US" sz="1600" b="1" dirty="0" smtClean="0">
-                          <a:solidFill>
-                            <a:schemeClr val="tx1">
-                              <a:lumMod val="75000"/>
-                              <a:lumOff val="25000"/>
-                            </a:schemeClr>
-                          </a:solidFill>
-                          <a:latin typeface="나눔스퀘어OTF ExtraBold" pitchFamily="34" charset="-127"/>
-                          <a:ea typeface="나눔스퀘어OTF ExtraBold" pitchFamily="34" charset="-127"/>
-                        </a:rPr>
-                        <a:t>주차</a:t>
-                      </a:r>
-                      <a:endParaRPr lang="en-US" altLang="ko-KR" sz="1600" b="1" dirty="0">
-                        <a:solidFill>
-                          <a:schemeClr val="tx1">
-                            <a:lumMod val="75000"/>
-                            <a:lumOff val="25000"/>
-                          </a:schemeClr>
-                        </a:solidFill>
-                        <a:latin typeface="나눔스퀘어OTF ExtraBold" pitchFamily="34" charset="-127"/>
-                        <a:ea typeface="나눔스퀘어OTF ExtraBold" pitchFamily="34" charset="-127"/>
-                      </a:endParaRPr>
-                    </a:p>
-                    <a:p>
-                      <a:pPr algn="ctr" latinLnBrk="1"/>
-                      <a:r>
-                        <a:rPr lang="en-US" altLang="ko-KR" sz="1600" b="1" dirty="0" smtClean="0">
-                          <a:solidFill>
-                            <a:schemeClr val="tx1">
-                              <a:lumMod val="75000"/>
-                              <a:lumOff val="25000"/>
-                            </a:schemeClr>
-                          </a:solidFill>
-                          <a:latin typeface="나눔스퀘어OTF ExtraBold" pitchFamily="34" charset="-127"/>
-                          <a:ea typeface="나눔스퀘어OTF ExtraBold" pitchFamily="34" charset="-127"/>
-                        </a:rPr>
-                        <a:t>3</a:t>
-                      </a:r>
-                      <a:r>
-                        <a:rPr lang="ko-KR" altLang="en-US" sz="1600" b="1" dirty="0" smtClean="0">
-                          <a:solidFill>
-                            <a:schemeClr val="tx1">
-                              <a:lumMod val="75000"/>
-                              <a:lumOff val="25000"/>
-                            </a:schemeClr>
-                          </a:solidFill>
-                          <a:latin typeface="나눔스퀘어OTF ExtraBold" pitchFamily="34" charset="-127"/>
-                          <a:ea typeface="나눔스퀘어OTF ExtraBold" pitchFamily="34" charset="-127"/>
-                        </a:rPr>
-                        <a:t>주차</a:t>
-                      </a:r>
-                      <a:endParaRPr lang="en-US" altLang="ko-KR" sz="1600" b="1" dirty="0">
-                        <a:solidFill>
-                          <a:schemeClr val="tx1">
-                            <a:lumMod val="75000"/>
-                            <a:lumOff val="25000"/>
-                          </a:schemeClr>
-                        </a:solidFill>
-                        <a:latin typeface="나눔스퀘어OTF ExtraBold" pitchFamily="34" charset="-127"/>
-                        <a:ea typeface="나눔스퀘어OTF ExtraBold" pitchFamily="34" charset="-127"/>
-                      </a:endParaRPr>
-                    </a:p>
-                    <a:p>
-                      <a:pPr algn="ctr" latinLnBrk="1"/>
-                      <a:r>
-                        <a:rPr lang="en-US" altLang="ko-KR" sz="1600" b="1" dirty="0" smtClean="0">
-                          <a:solidFill>
-                            <a:schemeClr val="tx1">
-                              <a:lumMod val="75000"/>
-                              <a:lumOff val="25000"/>
-                            </a:schemeClr>
-                          </a:solidFill>
-                          <a:latin typeface="나눔스퀘어OTF ExtraBold" pitchFamily="34" charset="-127"/>
-                          <a:ea typeface="나눔스퀘어OTF ExtraBold" pitchFamily="34" charset="-127"/>
-                        </a:rPr>
-                        <a:t>4</a:t>
-                      </a:r>
-                      <a:r>
-                        <a:rPr lang="ko-KR" altLang="en-US" sz="1600" b="1" dirty="0" smtClean="0">
-                          <a:solidFill>
-                            <a:schemeClr val="tx1">
-                              <a:lumMod val="75000"/>
-                              <a:lumOff val="25000"/>
-                            </a:schemeClr>
-                          </a:solidFill>
-                          <a:latin typeface="나눔스퀘어OTF ExtraBold" pitchFamily="34" charset="-127"/>
-                          <a:ea typeface="나눔스퀘어OTF ExtraBold" pitchFamily="34" charset="-127"/>
-                        </a:rPr>
-                        <a:t>주차</a:t>
-                      </a:r>
-                      <a:endParaRPr lang="en-US" altLang="ko-KR" sz="1600" b="1" dirty="0">
-                        <a:solidFill>
-                          <a:schemeClr val="tx1">
-                            <a:lumMod val="75000"/>
-                            <a:lumOff val="25000"/>
-                          </a:schemeClr>
-                        </a:solidFill>
-                        <a:latin typeface="나눔스퀘어OTF ExtraBold" pitchFamily="34" charset="-127"/>
-                        <a:ea typeface="나눔스퀘어OTF ExtraBold" pitchFamily="34" charset="-127"/>
-                      </a:endParaRPr>
-                    </a:p>
-                  </a:txBody>
-                  <a:tcPr anchor="ctr">
-                    <a:lnR w="12700" cap="flat" cmpd="sng" algn="ctr">
-                      <a:solidFill>
-                        <a:srgbClr val="C4D4E2"/>
-                      </a:solidFill>
-                      <a:prstDash val="solid"/>
-                      <a:round/>
-                      <a:headEnd type="none" w="med" len="med"/>
-                      <a:tailEnd type="none" w="med" len="med"/>
-                    </a:lnR>
-                    <a:lnT w="12700" cap="flat" cmpd="sng" algn="ctr">
-                      <a:solidFill>
-                        <a:srgbClr val="C4D4E2"/>
-                      </a:solidFill>
-                      <a:prstDash val="solid"/>
-                      <a:round/>
-                      <a:headEnd type="none" w="med" len="med"/>
-                      <a:tailEnd type="none" w="med" len="med"/>
-                    </a:lnT>
-                    <a:lnB w="12700" cap="flat" cmpd="sng" algn="ctr">
-                      <a:solidFill>
-                        <a:srgbClr val="C4D4E2"/>
-                      </a:solidFill>
-                      <a:prstDash val="solid"/>
-                      <a:round/>
-                      <a:headEnd type="none" w="med" len="med"/>
-                      <a:tailEnd type="none" w="med" len="med"/>
-                    </a:lnB>
-                    <a:solidFill>
-                      <a:schemeClr val="bg1">
-                        <a:lumMod val="85000"/>
-                      </a:schemeClr>
-                    </a:solidFill>
-                  </a:tcPr>
-                </a:tc>
-                <a:tc>
-                  <a:txBody>
-                    <a:bodyPr/>
-                    <a:lstStyle/>
-                    <a:p>
-                      <a:pPr marL="342900" indent="-342900" algn="l" latinLnBrk="1">
-                        <a:lnSpc>
-                          <a:spcPts val="2200"/>
-                        </a:lnSpc>
-                        <a:buAutoNum type="arabicPeriod"/>
-                      </a:pPr>
-                      <a:r>
-                        <a:rPr lang="ko-KR" altLang="en-US" sz="1400" b="0" dirty="0" smtClean="0">
-                          <a:solidFill>
-                            <a:schemeClr val="tx1">
-                              <a:lumMod val="75000"/>
-                              <a:lumOff val="25000"/>
-                            </a:schemeClr>
-                          </a:solidFill>
-                          <a:latin typeface="나눔스퀘어OTF Bold" pitchFamily="34" charset="-127"/>
-                          <a:ea typeface="나눔스퀘어OTF Bold" pitchFamily="34" charset="-127"/>
-                        </a:rPr>
-                        <a:t>키보드 버튼에 따라 이동 </a:t>
-                      </a:r>
-                      <a:r>
-                        <a:rPr lang="ko-KR" altLang="en-US" sz="1400" b="1" dirty="0" smtClean="0">
-                          <a:solidFill>
-                            <a:srgbClr val="FF0000"/>
-                          </a:solidFill>
-                          <a:latin typeface="나눔스퀘어OTF Bold" pitchFamily="34" charset="-127"/>
-                          <a:ea typeface="나눔스퀘어OTF Bold" pitchFamily="34" charset="-127"/>
-                        </a:rPr>
-                        <a:t>및 블록과 스테이지의 충돌 구현</a:t>
-                      </a:r>
-                      <a:r>
-                        <a:rPr lang="en-US" altLang="ko-KR" sz="1400" b="0" dirty="0" smtClean="0">
-                          <a:solidFill>
-                            <a:schemeClr val="tx1">
-                              <a:lumMod val="75000"/>
-                              <a:lumOff val="25000"/>
-                            </a:schemeClr>
-                          </a:solidFill>
-                          <a:latin typeface="나눔스퀘어OTF Bold" pitchFamily="34" charset="-127"/>
-                          <a:ea typeface="나눔스퀘어OTF Bold" pitchFamily="34" charset="-127"/>
-                        </a:rPr>
-                        <a:t>: </a:t>
-                      </a:r>
-                      <a:r>
-                        <a:rPr lang="en-US" altLang="ko-KR" sz="1400" b="1" dirty="0" smtClean="0">
-                          <a:solidFill>
-                            <a:schemeClr val="tx1">
-                              <a:lumMod val="75000"/>
-                              <a:lumOff val="25000"/>
-                            </a:schemeClr>
-                          </a:solidFill>
-                          <a:latin typeface="나눔스퀘어OTF Bold" pitchFamily="34" charset="-127"/>
-                          <a:ea typeface="나눔스퀘어OTF Bold" pitchFamily="34" charset="-127"/>
-                        </a:rPr>
-                        <a:t>(100%) </a:t>
-                      </a:r>
-                      <a:r>
-                        <a:rPr lang="en-US" altLang="ko-KR" sz="1400" b="1" dirty="0" smtClean="0">
-                          <a:solidFill>
-                            <a:srgbClr val="FF0000"/>
-                          </a:solidFill>
-                          <a:latin typeface="나눔스퀘어OTF Bold" pitchFamily="34" charset="-127"/>
-                          <a:ea typeface="나눔스퀘어OTF Bold" pitchFamily="34" charset="-127"/>
-                        </a:rPr>
-                        <a:t>–</a:t>
-                      </a:r>
-                      <a:r>
-                        <a:rPr lang="en-US" altLang="ko-KR" sz="1400" b="1" baseline="0" dirty="0" smtClean="0">
-                          <a:solidFill>
-                            <a:srgbClr val="FF0000"/>
-                          </a:solidFill>
-                          <a:latin typeface="나눔스퀘어OTF Bold" pitchFamily="34" charset="-127"/>
-                          <a:ea typeface="나눔스퀘어OTF Bold" pitchFamily="34" charset="-127"/>
-                        </a:rPr>
-                        <a:t> </a:t>
-                      </a:r>
-                    </a:p>
-                    <a:p>
-                      <a:pPr marL="0" indent="0" algn="l" latinLnBrk="1">
-                        <a:lnSpc>
-                          <a:spcPts val="2200"/>
-                        </a:lnSpc>
-                        <a:buNone/>
-                      </a:pPr>
-                      <a:r>
-                        <a:rPr lang="ko-KR" altLang="en-US" sz="1400" b="1" baseline="0" dirty="0" smtClean="0">
-                          <a:solidFill>
-                            <a:srgbClr val="FF0000"/>
-                          </a:solidFill>
-                          <a:latin typeface="나눔스퀘어OTF Bold" pitchFamily="34" charset="-127"/>
-                          <a:ea typeface="나눔스퀘어OTF Bold" pitchFamily="34" charset="-127"/>
-                        </a:rPr>
-                        <a:t>블록이 플레이어의 스테이지 안에 멈추게 하기 위해 우선적으로 블록과 스테이지의 충돌 구현</a:t>
-                      </a:r>
-                      <a:endParaRPr lang="en-US" altLang="ko-KR" sz="1400" b="0" dirty="0" smtClean="0">
-                        <a:solidFill>
-                          <a:schemeClr val="tx1">
-                            <a:lumMod val="75000"/>
-                            <a:lumOff val="25000"/>
-                          </a:schemeClr>
-                        </a:solidFill>
-                        <a:latin typeface="나눔스퀘어OTF Bold" pitchFamily="34" charset="-127"/>
-                        <a:ea typeface="나눔스퀘어OTF Bold" pitchFamily="34" charset="-127"/>
-                      </a:endParaRPr>
-                    </a:p>
-                    <a:p>
-                      <a:pPr marL="0" indent="0" algn="l" latinLnBrk="1">
-                        <a:lnSpc>
-                          <a:spcPts val="2200"/>
-                        </a:lnSpc>
-                        <a:buNone/>
-                      </a:pPr>
-                      <a:r>
-                        <a:rPr lang="en-US" altLang="ko-KR" sz="1400" b="1" dirty="0" smtClean="0">
-                          <a:solidFill>
-                            <a:srgbClr val="FF0000"/>
-                          </a:solidFill>
-                          <a:latin typeface="나눔스퀘어OTF Bold" pitchFamily="34" charset="-127"/>
-                          <a:ea typeface="나눔스퀘어OTF Bold" pitchFamily="34" charset="-127"/>
-                        </a:rPr>
-                        <a:t>2.</a:t>
-                      </a:r>
-                      <a:r>
-                        <a:rPr lang="en-US" altLang="ko-KR" sz="1400" b="1" baseline="0" dirty="0" smtClean="0">
-                          <a:solidFill>
-                            <a:srgbClr val="FF0000"/>
-                          </a:solidFill>
-                          <a:latin typeface="나눔스퀘어OTF Bold" pitchFamily="34" charset="-127"/>
-                          <a:ea typeface="나눔스퀘어OTF Bold" pitchFamily="34" charset="-127"/>
-                        </a:rPr>
-                        <a:t> </a:t>
-                      </a:r>
-                      <a:r>
-                        <a:rPr lang="ko-KR" altLang="en-US" sz="1400" b="1" dirty="0" smtClean="0">
-                          <a:solidFill>
-                            <a:srgbClr val="FF0000"/>
-                          </a:solidFill>
-                          <a:latin typeface="나눔스퀘어OTF Bold" pitchFamily="34" charset="-127"/>
-                          <a:ea typeface="나눔스퀘어OTF Bold" pitchFamily="34" charset="-127"/>
-                        </a:rPr>
-                        <a:t>키보드 버튼에 따라 회전</a:t>
-                      </a:r>
-                      <a:r>
-                        <a:rPr lang="en-US" altLang="ko-KR" sz="1400" b="1" baseline="0" dirty="0" smtClean="0">
-                          <a:solidFill>
-                            <a:srgbClr val="FF0000"/>
-                          </a:solidFill>
-                          <a:latin typeface="나눔스퀘어OTF Bold" pitchFamily="34" charset="-127"/>
-                          <a:ea typeface="나눔스퀘어OTF Bold" pitchFamily="34" charset="-127"/>
-                        </a:rPr>
-                        <a:t> </a:t>
-                      </a:r>
-                      <a:r>
-                        <a:rPr lang="en-US" altLang="ko-KR" sz="1400" b="1" dirty="0" smtClean="0">
-                          <a:solidFill>
-                            <a:srgbClr val="FF0000"/>
-                          </a:solidFill>
-                          <a:latin typeface="나눔스퀘어OTF Bold" pitchFamily="34" charset="-127"/>
-                          <a:ea typeface="나눔스퀘어OTF Bold" pitchFamily="34" charset="-127"/>
-                        </a:rPr>
-                        <a:t>- </a:t>
-                      </a:r>
-                      <a:r>
-                        <a:rPr lang="ko-KR" altLang="en-US" sz="1400" b="1" dirty="0" smtClean="0">
-                          <a:solidFill>
-                            <a:srgbClr val="FF0000"/>
-                          </a:solidFill>
-                          <a:latin typeface="나눔스퀘어OTF Bold" pitchFamily="34" charset="-127"/>
-                          <a:ea typeface="나눔스퀘어OTF Bold" pitchFamily="34" charset="-127"/>
-                        </a:rPr>
-                        <a:t>기존의 인터페이스와 충돌 구현을 좀더 다듬기 </a:t>
-                      </a:r>
-                      <a:endParaRPr lang="en-US" altLang="ko-KR" sz="1400" b="1" dirty="0" smtClean="0">
-                        <a:solidFill>
-                          <a:srgbClr val="FF0000"/>
-                        </a:solidFill>
-                        <a:latin typeface="나눔스퀘어OTF Bold" pitchFamily="34" charset="-127"/>
-                        <a:ea typeface="나눔스퀘어OTF Bold" pitchFamily="34" charset="-127"/>
-                      </a:endParaRPr>
-                    </a:p>
-                    <a:p>
-                      <a:pPr marL="0" indent="0" algn="l" latinLnBrk="1">
-                        <a:lnSpc>
-                          <a:spcPts val="2200"/>
-                        </a:lnSpc>
-                        <a:buNone/>
-                      </a:pPr>
-                      <a:r>
-                        <a:rPr lang="ko-KR" altLang="en-US" sz="1400" b="1" dirty="0" smtClean="0">
-                          <a:solidFill>
-                            <a:srgbClr val="FF0000"/>
-                          </a:solidFill>
-                          <a:latin typeface="나눔스퀘어OTF Bold" pitchFamily="34" charset="-127"/>
-                          <a:ea typeface="나눔스퀘어OTF Bold" pitchFamily="34" charset="-127"/>
-                        </a:rPr>
-                        <a:t>                                               위해 차후 구현 예정</a:t>
-                      </a:r>
-                      <a:endParaRPr lang="en-US" altLang="ko-KR" sz="1400" b="1" dirty="0" smtClean="0">
-                        <a:solidFill>
-                          <a:srgbClr val="FF0000"/>
-                        </a:solidFill>
-                        <a:latin typeface="나눔스퀘어OTF Bold" pitchFamily="34" charset="-127"/>
-                        <a:ea typeface="나눔스퀘어OTF Bold" pitchFamily="34" charset="-127"/>
-                      </a:endParaRPr>
-                    </a:p>
-                    <a:p>
-                      <a:pPr marL="0" indent="0" algn="l" latinLnBrk="1">
-                        <a:lnSpc>
-                          <a:spcPts val="2200"/>
-                        </a:lnSpc>
-                        <a:buNone/>
-                      </a:pPr>
-                      <a:r>
-                        <a:rPr lang="en-US" altLang="ko-KR" sz="1400" b="0" dirty="0" smtClean="0">
-                          <a:solidFill>
-                            <a:schemeClr val="tx1">
-                              <a:lumMod val="75000"/>
-                              <a:lumOff val="25000"/>
-                            </a:schemeClr>
-                          </a:solidFill>
-                          <a:latin typeface="나눔스퀘어OTF Bold" pitchFamily="34" charset="-127"/>
-                          <a:ea typeface="나눔스퀘어OTF Bold" pitchFamily="34" charset="-127"/>
-                        </a:rPr>
-                        <a:t>3. 6</a:t>
-                      </a:r>
-                      <a:r>
-                        <a:rPr lang="ko-KR" altLang="en-US" sz="1400" b="0" dirty="0" smtClean="0">
-                          <a:solidFill>
-                            <a:schemeClr val="tx1">
-                              <a:lumMod val="75000"/>
-                              <a:lumOff val="25000"/>
-                            </a:schemeClr>
-                          </a:solidFill>
-                          <a:latin typeface="나눔스퀘어OTF Bold" pitchFamily="34" charset="-127"/>
-                          <a:ea typeface="나눔스퀘어OTF Bold" pitchFamily="34" charset="-127"/>
-                        </a:rPr>
-                        <a:t>가지 색으로 구성된 블록 구현</a:t>
-                      </a:r>
-                      <a:r>
-                        <a:rPr lang="en-US" altLang="ko-KR" sz="1400" b="0" dirty="0" smtClean="0">
-                          <a:solidFill>
-                            <a:schemeClr val="tx1">
-                              <a:lumMod val="75000"/>
-                              <a:lumOff val="25000"/>
-                            </a:schemeClr>
-                          </a:solidFill>
-                          <a:latin typeface="나눔스퀘어OTF Bold" pitchFamily="34" charset="-127"/>
-                          <a:ea typeface="나눔스퀘어OTF Bold" pitchFamily="34" charset="-127"/>
-                        </a:rPr>
-                        <a:t>:</a:t>
-                      </a:r>
-                      <a:r>
-                        <a:rPr lang="en-US" altLang="ko-KR" sz="1400" b="0" baseline="0" dirty="0" smtClean="0">
-                          <a:solidFill>
-                            <a:schemeClr val="tx1">
-                              <a:lumMod val="75000"/>
-                              <a:lumOff val="25000"/>
-                            </a:schemeClr>
-                          </a:solidFill>
-                          <a:latin typeface="나눔스퀘어OTF Bold" pitchFamily="34" charset="-127"/>
-                          <a:ea typeface="나눔스퀘어OTF Bold" pitchFamily="34" charset="-127"/>
-                        </a:rPr>
-                        <a:t> </a:t>
-                      </a:r>
-                      <a:r>
-                        <a:rPr lang="en-US" altLang="ko-KR" sz="1400" b="1" baseline="0" dirty="0" smtClean="0">
-                          <a:solidFill>
-                            <a:schemeClr val="tx1">
-                              <a:lumMod val="75000"/>
-                              <a:lumOff val="25000"/>
-                            </a:schemeClr>
-                          </a:solidFill>
-                          <a:latin typeface="나눔스퀘어OTF Bold" pitchFamily="34" charset="-127"/>
-                          <a:ea typeface="나눔스퀘어OTF Bold" pitchFamily="34" charset="-127"/>
-                        </a:rPr>
-                        <a:t>(85%) </a:t>
-                      </a:r>
-                      <a:r>
-                        <a:rPr lang="en-US" altLang="ko-KR" sz="1400" b="0" baseline="0" dirty="0" smtClean="0">
-                          <a:solidFill>
-                            <a:schemeClr val="tx1">
-                              <a:lumMod val="75000"/>
-                              <a:lumOff val="25000"/>
-                            </a:schemeClr>
-                          </a:solidFill>
-                          <a:latin typeface="나눔스퀘어OTF Bold" pitchFamily="34" charset="-127"/>
-                          <a:ea typeface="나눔스퀘어OTF Bold" pitchFamily="34" charset="-127"/>
-                        </a:rPr>
-                        <a:t>– </a:t>
-                      </a:r>
-                      <a:r>
-                        <a:rPr lang="ko-KR" altLang="en-US" sz="1400" b="0" baseline="0" dirty="0" smtClean="0">
-                          <a:solidFill>
-                            <a:schemeClr val="tx1">
-                              <a:lumMod val="75000"/>
-                              <a:lumOff val="25000"/>
-                            </a:schemeClr>
-                          </a:solidFill>
-                          <a:latin typeface="나눔스퀘어OTF Bold" pitchFamily="34" charset="-127"/>
-                          <a:ea typeface="나눔스퀘어OTF Bold" pitchFamily="34" charset="-127"/>
-                        </a:rPr>
-                        <a:t>방해 블록을 제외한 블록 </a:t>
-                      </a:r>
-                      <a:r>
-                        <a:rPr lang="en-US" altLang="ko-KR" sz="1400" b="0" baseline="0" dirty="0" smtClean="0">
-                          <a:solidFill>
-                            <a:schemeClr val="tx1">
-                              <a:lumMod val="75000"/>
-                              <a:lumOff val="25000"/>
-                            </a:schemeClr>
-                          </a:solidFill>
-                          <a:latin typeface="나눔스퀘어OTF Bold" pitchFamily="34" charset="-127"/>
-                          <a:ea typeface="나눔스퀘어OTF Bold" pitchFamily="34" charset="-127"/>
-                        </a:rPr>
-                        <a:t>5</a:t>
-                      </a:r>
-                      <a:r>
-                        <a:rPr lang="ko-KR" altLang="en-US" sz="1400" b="0" baseline="0" dirty="0" smtClean="0">
-                          <a:solidFill>
-                            <a:schemeClr val="tx1">
-                              <a:lumMod val="75000"/>
-                              <a:lumOff val="25000"/>
-                            </a:schemeClr>
-                          </a:solidFill>
-                          <a:latin typeface="나눔스퀘어OTF Bold" pitchFamily="34" charset="-127"/>
-                          <a:ea typeface="나눔스퀘어OTF Bold" pitchFamily="34" charset="-127"/>
-                        </a:rPr>
-                        <a:t>가지를 통해 </a:t>
-                      </a:r>
-                      <a:endParaRPr lang="en-US" altLang="ko-KR" sz="1400" b="0" baseline="0" dirty="0" smtClean="0">
-                        <a:solidFill>
-                          <a:schemeClr val="tx1">
-                            <a:lumMod val="75000"/>
-                            <a:lumOff val="25000"/>
-                          </a:schemeClr>
-                        </a:solidFill>
-                        <a:latin typeface="나눔스퀘어OTF Bold" pitchFamily="34" charset="-127"/>
-                        <a:ea typeface="나눔스퀘어OTF Bold" pitchFamily="34" charset="-127"/>
-                      </a:endParaRPr>
-                    </a:p>
-                    <a:p>
-                      <a:pPr marL="0" indent="0" algn="l" latinLnBrk="1">
-                        <a:lnSpc>
-                          <a:spcPts val="2200"/>
-                        </a:lnSpc>
-                        <a:buNone/>
-                      </a:pPr>
-                      <a:r>
-                        <a:rPr lang="en-US" altLang="ko-KR" sz="1400" b="0" baseline="0" dirty="0" smtClean="0">
-                          <a:solidFill>
-                            <a:schemeClr val="tx1">
-                              <a:lumMod val="75000"/>
-                              <a:lumOff val="25000"/>
-                            </a:schemeClr>
-                          </a:solidFill>
-                          <a:latin typeface="나눔스퀘어OTF Bold" pitchFamily="34" charset="-127"/>
-                          <a:ea typeface="나눔스퀘어OTF Bold" pitchFamily="34" charset="-127"/>
-                        </a:rPr>
-                        <a:t>                                                          </a:t>
-                      </a:r>
-                      <a:r>
-                        <a:rPr lang="ko-KR" altLang="en-US" sz="1400" b="0" baseline="0" dirty="0" smtClean="0">
-                          <a:solidFill>
-                            <a:schemeClr val="tx1">
-                              <a:lumMod val="75000"/>
-                              <a:lumOff val="25000"/>
-                            </a:schemeClr>
-                          </a:solidFill>
-                          <a:latin typeface="나눔스퀘어OTF Bold" pitchFamily="34" charset="-127"/>
-                          <a:ea typeface="나눔스퀘어OTF Bold" pitchFamily="34" charset="-127"/>
-                        </a:rPr>
-                        <a:t>블록 구현 완료</a:t>
-                      </a:r>
-                      <a:r>
-                        <a:rPr lang="en-US" altLang="ko-KR" sz="1400" b="0" baseline="0" dirty="0" smtClean="0">
-                          <a:solidFill>
-                            <a:schemeClr val="tx1">
-                              <a:lumMod val="75000"/>
-                              <a:lumOff val="25000"/>
-                            </a:schemeClr>
-                          </a:solidFill>
-                          <a:latin typeface="나눔스퀘어OTF Bold" pitchFamily="34" charset="-127"/>
-                          <a:ea typeface="나눔스퀘어OTF Bold" pitchFamily="34" charset="-127"/>
-                        </a:rPr>
-                        <a:t>.</a:t>
-                      </a:r>
-                      <a:endParaRPr lang="en-US" altLang="ko-KR" sz="1400" b="0" dirty="0" smtClean="0">
-                        <a:solidFill>
-                          <a:schemeClr val="tx1">
-                            <a:lumMod val="75000"/>
-                            <a:lumOff val="25000"/>
-                          </a:schemeClr>
-                        </a:solidFill>
-                        <a:latin typeface="나눔스퀘어OTF Bold" pitchFamily="34" charset="-127"/>
-                        <a:ea typeface="나눔스퀘어OTF Bold" pitchFamily="34" charset="-127"/>
-                      </a:endParaRPr>
-                    </a:p>
-                    <a:p>
-                      <a:pPr marL="0" indent="0" algn="l" latinLnBrk="1">
-                        <a:lnSpc>
-                          <a:spcPts val="2200"/>
-                        </a:lnSpc>
-                        <a:buNone/>
-                      </a:pPr>
-                      <a:r>
-                        <a:rPr lang="en-US" altLang="ko-KR" sz="1400" b="1" dirty="0" smtClean="0">
-                          <a:solidFill>
-                            <a:srgbClr val="FF0000"/>
-                          </a:solidFill>
-                          <a:latin typeface="나눔스퀘어OTF Bold" pitchFamily="34" charset="-127"/>
-                          <a:ea typeface="나눔스퀘어OTF Bold" pitchFamily="34" charset="-127"/>
-                        </a:rPr>
-                        <a:t>4. </a:t>
-                      </a:r>
-                      <a:r>
-                        <a:rPr lang="ko-KR" altLang="en-US" sz="1400" b="1" dirty="0" smtClean="0">
-                          <a:solidFill>
-                            <a:srgbClr val="FF0000"/>
-                          </a:solidFill>
-                          <a:latin typeface="나눔스퀘어OTF Bold" pitchFamily="34" charset="-127"/>
-                          <a:ea typeface="나눔스퀘어OTF Bold" pitchFamily="34" charset="-127"/>
-                        </a:rPr>
-                        <a:t>블록 </a:t>
-                      </a:r>
-                      <a:r>
-                        <a:rPr lang="ko-KR" altLang="en-US" sz="1400" b="1" dirty="0" err="1" smtClean="0">
-                          <a:solidFill>
-                            <a:srgbClr val="FF0000"/>
-                          </a:solidFill>
-                          <a:latin typeface="나눔스퀘어OTF Bold" pitchFamily="34" charset="-127"/>
-                          <a:ea typeface="나눔스퀘어OTF Bold" pitchFamily="34" charset="-127"/>
-                        </a:rPr>
-                        <a:t>파괴기능</a:t>
-                      </a:r>
-                      <a:r>
-                        <a:rPr lang="ko-KR" altLang="en-US" sz="1400" b="1" dirty="0" smtClean="0">
-                          <a:solidFill>
-                            <a:srgbClr val="FF0000"/>
-                          </a:solidFill>
-                          <a:latin typeface="나눔스퀘어OTF Bold" pitchFamily="34" charset="-127"/>
-                          <a:ea typeface="나눔스퀘어OTF Bold" pitchFamily="34" charset="-127"/>
-                        </a:rPr>
-                        <a:t> 구현 </a:t>
-                      </a:r>
-                      <a:r>
-                        <a:rPr lang="en-US" altLang="ko-KR" sz="1400" b="1" dirty="0" smtClean="0">
-                          <a:solidFill>
-                            <a:srgbClr val="FF0000"/>
-                          </a:solidFill>
-                          <a:latin typeface="나눔스퀘어OTF Bold" pitchFamily="34" charset="-127"/>
-                          <a:ea typeface="나눔스퀘어OTF Bold" pitchFamily="34" charset="-127"/>
-                        </a:rPr>
-                        <a:t>–</a:t>
-                      </a:r>
-                      <a:r>
-                        <a:rPr lang="en-US" altLang="ko-KR" sz="1400" b="1" baseline="0" dirty="0" smtClean="0">
-                          <a:solidFill>
-                            <a:srgbClr val="FF0000"/>
-                          </a:solidFill>
-                          <a:latin typeface="나눔스퀘어OTF Bold" pitchFamily="34" charset="-127"/>
-                          <a:ea typeface="나눔스퀘어OTF Bold" pitchFamily="34" charset="-127"/>
-                        </a:rPr>
-                        <a:t> 2</a:t>
-                      </a:r>
-                      <a:r>
-                        <a:rPr lang="ko-KR" altLang="en-US" sz="1400" b="1" baseline="0" dirty="0" smtClean="0">
-                          <a:solidFill>
-                            <a:srgbClr val="FF0000"/>
-                          </a:solidFill>
-                          <a:latin typeface="나눔스퀘어OTF Bold" pitchFamily="34" charset="-127"/>
-                          <a:ea typeface="나눔스퀘어OTF Bold" pitchFamily="34" charset="-127"/>
-                        </a:rPr>
-                        <a:t>번의 블록 회전 미 구현으로 인해 차후 구현 예정</a:t>
-                      </a:r>
-                      <a:endParaRPr lang="en-US" altLang="ko-KR" sz="1400" b="1" dirty="0" smtClean="0">
-                        <a:solidFill>
-                          <a:srgbClr val="FF0000"/>
-                        </a:solidFill>
-                        <a:latin typeface="나눔스퀘어OTF Bold" pitchFamily="34" charset="-127"/>
-                        <a:ea typeface="나눔스퀘어OTF Bold" pitchFamily="34" charset="-127"/>
-                      </a:endParaRPr>
-                    </a:p>
-                    <a:p>
-                      <a:pPr marL="0" indent="0" algn="l" latinLnBrk="1">
-                        <a:lnSpc>
-                          <a:spcPts val="2200"/>
-                        </a:lnSpc>
-                        <a:buNone/>
-                      </a:pPr>
-                      <a:r>
-                        <a:rPr lang="en-US" altLang="ko-KR" sz="1400" b="0" dirty="0" smtClean="0">
-                          <a:solidFill>
-                            <a:schemeClr val="tx1">
-                              <a:lumMod val="75000"/>
-                              <a:lumOff val="25000"/>
-                            </a:schemeClr>
-                          </a:solidFill>
-                          <a:latin typeface="나눔스퀘어OTF Bold" pitchFamily="34" charset="-127"/>
-                          <a:ea typeface="나눔스퀘어OTF Bold" pitchFamily="34" charset="-127"/>
-                        </a:rPr>
-                        <a:t>5. </a:t>
-                      </a:r>
-                      <a:r>
-                        <a:rPr lang="ko-KR" altLang="en-US" sz="1400" b="0" dirty="0" smtClean="0">
-                          <a:solidFill>
-                            <a:schemeClr val="tx1">
-                              <a:lumMod val="75000"/>
-                              <a:lumOff val="25000"/>
-                            </a:schemeClr>
-                          </a:solidFill>
-                          <a:latin typeface="나눔스퀘어OTF Bold" pitchFamily="34" charset="-127"/>
-                          <a:ea typeface="나눔스퀘어OTF Bold" pitchFamily="34" charset="-127"/>
-                        </a:rPr>
-                        <a:t>블록 낙하</a:t>
-                      </a:r>
-                      <a:r>
-                        <a:rPr lang="ko-KR" altLang="en-US" sz="1400" b="0" baseline="0" dirty="0" smtClean="0">
-                          <a:solidFill>
-                            <a:schemeClr val="tx1">
-                              <a:lumMod val="75000"/>
-                              <a:lumOff val="25000"/>
-                            </a:schemeClr>
-                          </a:solidFill>
-                          <a:latin typeface="나눔스퀘어OTF Bold" pitchFamily="34" charset="-127"/>
-                          <a:ea typeface="나눔스퀘어OTF Bold" pitchFamily="34" charset="-127"/>
-                        </a:rPr>
-                        <a:t> 구현</a:t>
-                      </a:r>
-                      <a:r>
-                        <a:rPr lang="en-US" altLang="ko-KR" sz="1400" b="0" baseline="0" dirty="0" smtClean="0">
-                          <a:solidFill>
-                            <a:schemeClr val="tx1">
-                              <a:lumMod val="75000"/>
-                              <a:lumOff val="25000"/>
-                            </a:schemeClr>
-                          </a:solidFill>
-                          <a:latin typeface="나눔스퀘어OTF Bold" pitchFamily="34" charset="-127"/>
-                          <a:ea typeface="나눔스퀘어OTF Bold" pitchFamily="34" charset="-127"/>
-                        </a:rPr>
-                        <a:t>: </a:t>
-                      </a:r>
-                      <a:r>
-                        <a:rPr lang="en-US" altLang="ko-KR" sz="1400" b="1" baseline="0" dirty="0" smtClean="0">
-                          <a:solidFill>
-                            <a:schemeClr val="tx1">
-                              <a:lumMod val="75000"/>
-                              <a:lumOff val="25000"/>
-                            </a:schemeClr>
-                          </a:solidFill>
-                          <a:latin typeface="나눔스퀘어OTF Bold" pitchFamily="34" charset="-127"/>
-                          <a:ea typeface="나눔스퀘어OTF Bold" pitchFamily="34" charset="-127"/>
-                        </a:rPr>
-                        <a:t>(100%)</a:t>
-                      </a:r>
-                      <a:endParaRPr lang="en-US" altLang="ko-KR" sz="1400" b="0" dirty="0" smtClean="0">
-                        <a:solidFill>
-                          <a:schemeClr val="tx1">
-                            <a:lumMod val="75000"/>
-                            <a:lumOff val="25000"/>
-                          </a:schemeClr>
-                        </a:solidFill>
-                        <a:latin typeface="나눔스퀘어OTF Bold" pitchFamily="34" charset="-127"/>
-                        <a:ea typeface="나눔스퀘어OTF Bold" pitchFamily="34" charset="-127"/>
-                      </a:endParaRPr>
-                    </a:p>
-                    <a:p>
-                      <a:pPr marL="0" indent="0" algn="l" latinLnBrk="1">
-                        <a:lnSpc>
-                          <a:spcPts val="2200"/>
-                        </a:lnSpc>
-                        <a:buNone/>
-                      </a:pPr>
-                      <a:r>
-                        <a:rPr lang="en-US" altLang="ko-KR" sz="1400" b="1" dirty="0" smtClean="0">
-                          <a:solidFill>
-                            <a:srgbClr val="FF0000"/>
-                          </a:solidFill>
-                          <a:latin typeface="나눔스퀘어OTF Bold" pitchFamily="34" charset="-127"/>
-                          <a:ea typeface="나눔스퀘어OTF Bold" pitchFamily="34" charset="-127"/>
-                        </a:rPr>
-                        <a:t>6. </a:t>
-                      </a:r>
-                      <a:r>
-                        <a:rPr lang="ko-KR" altLang="en-US" sz="1400" b="1" dirty="0" smtClean="0">
-                          <a:solidFill>
-                            <a:srgbClr val="FF0000"/>
-                          </a:solidFill>
-                          <a:latin typeface="나눔스퀘어OTF Bold" pitchFamily="34" charset="-127"/>
-                          <a:ea typeface="나눔스퀘어OTF Bold" pitchFamily="34" charset="-127"/>
-                        </a:rPr>
-                        <a:t>블록 연쇄 작용을 통한 콤보 시스템 구현</a:t>
-                      </a:r>
-                      <a:r>
-                        <a:rPr lang="en-US" altLang="ko-KR" sz="1400" b="1" dirty="0" smtClean="0">
-                          <a:solidFill>
-                            <a:srgbClr val="FF0000"/>
-                          </a:solidFill>
-                          <a:latin typeface="나눔스퀘어OTF Bold" pitchFamily="34" charset="-127"/>
-                          <a:ea typeface="나눔스퀘어OTF Bold" pitchFamily="34" charset="-127"/>
-                        </a:rPr>
-                        <a:t>:</a:t>
-                      </a:r>
-                      <a:r>
-                        <a:rPr lang="en-US" altLang="ko-KR" sz="1400" b="1" baseline="0" dirty="0" smtClean="0">
-                          <a:solidFill>
-                            <a:srgbClr val="FF0000"/>
-                          </a:solidFill>
-                          <a:latin typeface="나눔스퀘어OTF Bold" pitchFamily="34" charset="-127"/>
-                          <a:ea typeface="나눔스퀘어OTF Bold" pitchFamily="34" charset="-127"/>
-                        </a:rPr>
-                        <a:t> (0%) – </a:t>
-                      </a:r>
-                      <a:r>
-                        <a:rPr lang="ko-KR" altLang="en-US" sz="1400" b="1" baseline="0" dirty="0" smtClean="0">
-                          <a:solidFill>
-                            <a:srgbClr val="FF0000"/>
-                          </a:solidFill>
-                          <a:latin typeface="나눔스퀘어OTF Bold" pitchFamily="34" charset="-127"/>
-                          <a:ea typeface="나눔스퀘어OTF Bold" pitchFamily="34" charset="-127"/>
-                        </a:rPr>
-                        <a:t>블록의 객체 생성을 통한 </a:t>
-                      </a:r>
-                      <a:endParaRPr lang="en-US" altLang="ko-KR" sz="1400" b="1" baseline="0" dirty="0" smtClean="0">
-                        <a:solidFill>
-                          <a:srgbClr val="FF0000"/>
-                        </a:solidFill>
-                        <a:latin typeface="나눔스퀘어OTF Bold" pitchFamily="34" charset="-127"/>
-                        <a:ea typeface="나눔스퀘어OTF Bold" pitchFamily="34" charset="-127"/>
-                      </a:endParaRPr>
-                    </a:p>
-                    <a:p>
-                      <a:pPr marL="0" indent="0" algn="l" latinLnBrk="1">
-                        <a:lnSpc>
-                          <a:spcPts val="2200"/>
-                        </a:lnSpc>
-                        <a:buNone/>
-                      </a:pPr>
-                      <a:r>
-                        <a:rPr lang="en-US" altLang="ko-KR" sz="1400" b="1" baseline="0" dirty="0" smtClean="0">
-                          <a:solidFill>
-                            <a:srgbClr val="FF0000"/>
-                          </a:solidFill>
-                          <a:latin typeface="나눔스퀘어OTF Bold" pitchFamily="34" charset="-127"/>
-                          <a:ea typeface="나눔스퀘어OTF Bold" pitchFamily="34" charset="-127"/>
-                        </a:rPr>
-                        <a:t>                                          </a:t>
-                      </a:r>
-                      <a:r>
-                        <a:rPr lang="ko-KR" altLang="en-US" sz="1400" b="1" baseline="0" dirty="0" err="1" smtClean="0">
-                          <a:solidFill>
-                            <a:srgbClr val="FF0000"/>
-                          </a:solidFill>
-                          <a:latin typeface="나눔스퀘어OTF Bold" pitchFamily="34" charset="-127"/>
-                          <a:ea typeface="나눔스퀘어OTF Bold" pitchFamily="34" charset="-127"/>
-                        </a:rPr>
-                        <a:t>블록끼리의</a:t>
-                      </a:r>
-                      <a:r>
-                        <a:rPr lang="ko-KR" altLang="en-US" sz="1400" b="1" baseline="0" dirty="0" smtClean="0">
-                          <a:solidFill>
-                            <a:srgbClr val="FF0000"/>
-                          </a:solidFill>
-                          <a:latin typeface="나눔스퀘어OTF Bold" pitchFamily="34" charset="-127"/>
-                          <a:ea typeface="나눔스퀘어OTF Bold" pitchFamily="34" charset="-127"/>
-                        </a:rPr>
-                        <a:t> 충돌을 구현한 후</a:t>
-                      </a:r>
-                      <a:r>
-                        <a:rPr lang="en-US" altLang="ko-KR" sz="1400" b="1" baseline="0" dirty="0" smtClean="0">
-                          <a:solidFill>
-                            <a:srgbClr val="FF0000"/>
-                          </a:solidFill>
-                          <a:latin typeface="나눔스퀘어OTF Bold" pitchFamily="34" charset="-127"/>
-                          <a:ea typeface="나눔스퀘어OTF Bold" pitchFamily="34" charset="-127"/>
-                        </a:rPr>
-                        <a:t>,</a:t>
-                      </a:r>
-                      <a:r>
-                        <a:rPr lang="ko-KR" altLang="en-US" sz="1400" b="1" baseline="0" dirty="0" smtClean="0">
-                          <a:solidFill>
-                            <a:srgbClr val="FF0000"/>
-                          </a:solidFill>
-                          <a:latin typeface="나눔스퀘어OTF Bold" pitchFamily="34" charset="-127"/>
-                          <a:ea typeface="나눔스퀘어OTF Bold" pitchFamily="34" charset="-127"/>
-                        </a:rPr>
-                        <a:t> 구현할 예정</a:t>
-                      </a:r>
-                      <a:endParaRPr lang="en-US" altLang="ko-KR" sz="1400" b="1" dirty="0" smtClean="0">
-                        <a:solidFill>
-                          <a:srgbClr val="FF0000"/>
-                        </a:solidFill>
-                        <a:latin typeface="나눔스퀘어OTF Bold" pitchFamily="34" charset="-127"/>
-                        <a:ea typeface="나눔스퀘어OTF Bold" pitchFamily="34" charset="-127"/>
-                      </a:endParaRPr>
-                    </a:p>
-                    <a:p>
-                      <a:pPr marL="0" indent="0" algn="l" latinLnBrk="1">
-                        <a:lnSpc>
-                          <a:spcPts val="2200"/>
-                        </a:lnSpc>
-                        <a:buNone/>
-                      </a:pPr>
-                      <a:r>
-                        <a:rPr lang="en-US" altLang="ko-KR" sz="1400" b="1" dirty="0" smtClean="0">
-                          <a:solidFill>
-                            <a:srgbClr val="FF0000"/>
-                          </a:solidFill>
-                          <a:latin typeface="나눔스퀘어OTF Bold" pitchFamily="34" charset="-127"/>
-                          <a:ea typeface="나눔스퀘어OTF Bold" pitchFamily="34" charset="-127"/>
-                        </a:rPr>
-                        <a:t>7. </a:t>
-                      </a:r>
-                      <a:r>
-                        <a:rPr lang="ko-KR" altLang="en-US" sz="1400" b="1" dirty="0" smtClean="0">
-                          <a:solidFill>
-                            <a:srgbClr val="FF0000"/>
-                          </a:solidFill>
-                          <a:latin typeface="나눔스퀘어OTF Bold" pitchFamily="34" charset="-127"/>
-                          <a:ea typeface="나눔스퀘어OTF Bold" pitchFamily="34" charset="-127"/>
-                        </a:rPr>
-                        <a:t>콤보 시스템을 바탕으로 방해 블록 구현</a:t>
-                      </a:r>
-                      <a:r>
-                        <a:rPr lang="en-US" altLang="ko-KR" sz="1400" b="1" dirty="0" smtClean="0">
-                          <a:solidFill>
-                            <a:srgbClr val="FF0000"/>
-                          </a:solidFill>
-                          <a:latin typeface="나눔스퀘어OTF Bold" pitchFamily="34" charset="-127"/>
-                          <a:ea typeface="나눔스퀘어OTF Bold" pitchFamily="34" charset="-127"/>
-                        </a:rPr>
-                        <a:t>-</a:t>
-                      </a:r>
-                      <a:r>
-                        <a:rPr lang="en-US" altLang="ko-KR" sz="1400" b="1" baseline="0" dirty="0" smtClean="0">
-                          <a:solidFill>
-                            <a:srgbClr val="FF0000"/>
-                          </a:solidFill>
-                          <a:latin typeface="나눔스퀘어OTF Bold" pitchFamily="34" charset="-127"/>
-                          <a:ea typeface="나눔스퀘어OTF Bold" pitchFamily="34" charset="-127"/>
-                        </a:rPr>
-                        <a:t> 6</a:t>
-                      </a:r>
-                      <a:r>
-                        <a:rPr lang="ko-KR" altLang="en-US" sz="1400" b="1" baseline="0" dirty="0" smtClean="0">
-                          <a:solidFill>
-                            <a:srgbClr val="FF0000"/>
-                          </a:solidFill>
-                          <a:latin typeface="나눔스퀘어OTF Bold" pitchFamily="34" charset="-127"/>
-                          <a:ea typeface="나눔스퀘어OTF Bold" pitchFamily="34" charset="-127"/>
-                        </a:rPr>
-                        <a:t>번의 콤보 시스템 미 구현으로 차후 </a:t>
-                      </a:r>
-                      <a:endParaRPr lang="en-US" altLang="ko-KR" sz="1400" b="1" baseline="0" dirty="0" smtClean="0">
-                        <a:solidFill>
-                          <a:srgbClr val="FF0000"/>
-                        </a:solidFill>
-                        <a:latin typeface="나눔스퀘어OTF Bold" pitchFamily="34" charset="-127"/>
-                        <a:ea typeface="나눔스퀘어OTF Bold" pitchFamily="34" charset="-127"/>
-                      </a:endParaRPr>
-                    </a:p>
-                    <a:p>
-                      <a:pPr marL="0" indent="0" algn="l" latinLnBrk="1">
-                        <a:lnSpc>
-                          <a:spcPts val="2200"/>
-                        </a:lnSpc>
-                        <a:buNone/>
-                      </a:pPr>
-                      <a:r>
-                        <a:rPr lang="en-US" altLang="ko-KR" sz="1400" b="1" baseline="0" dirty="0" smtClean="0">
-                          <a:solidFill>
-                            <a:srgbClr val="FF0000"/>
-                          </a:solidFill>
-                          <a:latin typeface="나눔스퀘어OTF Bold" pitchFamily="34" charset="-127"/>
-                          <a:ea typeface="나눔스퀘어OTF Bold" pitchFamily="34" charset="-127"/>
-                        </a:rPr>
-                        <a:t>                                                    </a:t>
-                      </a:r>
-                      <a:r>
-                        <a:rPr lang="ko-KR" altLang="en-US" sz="1400" b="1" baseline="0" dirty="0" smtClean="0">
-                          <a:solidFill>
-                            <a:srgbClr val="FF0000"/>
-                          </a:solidFill>
-                          <a:latin typeface="나눔스퀘어OTF Bold" pitchFamily="34" charset="-127"/>
-                          <a:ea typeface="나눔스퀘어OTF Bold" pitchFamily="34" charset="-127"/>
-                        </a:rPr>
-                        <a:t>구현 예정</a:t>
-                      </a:r>
-                      <a:endParaRPr lang="en-US" altLang="ko-KR" sz="1400" b="1" dirty="0" smtClean="0">
-                        <a:solidFill>
-                          <a:srgbClr val="FF0000"/>
-                        </a:solidFill>
-                        <a:latin typeface="나눔스퀘어OTF Bold" pitchFamily="34" charset="-127"/>
-                        <a:ea typeface="나눔스퀘어OTF Bold" pitchFamily="34" charset="-127"/>
-                      </a:endParaRPr>
-                    </a:p>
-                    <a:p>
-                      <a:pPr marL="0" indent="0" algn="l" latinLnBrk="1">
-                        <a:lnSpc>
-                          <a:spcPts val="2200"/>
-                        </a:lnSpc>
-                        <a:buNone/>
-                      </a:pPr>
-                      <a:r>
-                        <a:rPr lang="en-US" altLang="ko-KR" sz="1400" b="1" dirty="0" smtClean="0">
-                          <a:solidFill>
-                            <a:srgbClr val="FF0000"/>
-                          </a:solidFill>
-                          <a:latin typeface="나눔스퀘어OTF Bold" pitchFamily="34" charset="-127"/>
-                          <a:ea typeface="나눔스퀘어OTF Bold" pitchFamily="34" charset="-127"/>
-                        </a:rPr>
-                        <a:t>8.</a:t>
-                      </a:r>
-                      <a:r>
-                        <a:rPr lang="en-US" altLang="ko-KR" sz="1400" b="1" baseline="0" dirty="0" smtClean="0">
-                          <a:solidFill>
-                            <a:srgbClr val="FF0000"/>
-                          </a:solidFill>
-                          <a:latin typeface="나눔스퀘어OTF Bold" pitchFamily="34" charset="-127"/>
-                          <a:ea typeface="나눔스퀘어OTF Bold" pitchFamily="34" charset="-127"/>
-                        </a:rPr>
-                        <a:t> </a:t>
-                      </a:r>
-                      <a:r>
-                        <a:rPr lang="en-US" altLang="ko-KR" sz="1400" b="1" dirty="0" smtClean="0">
-                          <a:solidFill>
-                            <a:srgbClr val="FF0000"/>
-                          </a:solidFill>
-                          <a:latin typeface="나눔스퀘어OTF Bold" pitchFamily="34" charset="-127"/>
-                          <a:ea typeface="나눔스퀘어OTF Bold" pitchFamily="34" charset="-127"/>
-                        </a:rPr>
-                        <a:t>2</a:t>
-                      </a:r>
-                      <a:r>
-                        <a:rPr lang="ko-KR" altLang="en-US" sz="1400" b="1" dirty="0" smtClean="0">
-                          <a:solidFill>
-                            <a:srgbClr val="FF0000"/>
-                          </a:solidFill>
-                          <a:latin typeface="나눔스퀘어OTF Bold" pitchFamily="34" charset="-127"/>
-                          <a:ea typeface="나눔스퀘어OTF Bold" pitchFamily="34" charset="-127"/>
-                        </a:rPr>
-                        <a:t>번째 플레이어 추가 </a:t>
-                      </a:r>
-                      <a:r>
-                        <a:rPr lang="en-US" altLang="ko-KR" sz="1400" b="1" dirty="0" smtClean="0">
-                          <a:solidFill>
-                            <a:srgbClr val="FF0000"/>
-                          </a:solidFill>
-                          <a:latin typeface="나눔스퀘어OTF Bold" pitchFamily="34" charset="-127"/>
-                          <a:ea typeface="나눔스퀘어OTF Bold" pitchFamily="34" charset="-127"/>
-                        </a:rPr>
-                        <a:t>– </a:t>
-                      </a:r>
-                      <a:r>
-                        <a:rPr lang="ko-KR" altLang="en-US" sz="1400" b="1" dirty="0" smtClean="0">
-                          <a:solidFill>
-                            <a:srgbClr val="FF0000"/>
-                          </a:solidFill>
-                          <a:latin typeface="나눔스퀘어OTF Bold" pitchFamily="34" charset="-127"/>
-                          <a:ea typeface="나눔스퀘어OTF Bold" pitchFamily="34" charset="-127"/>
-                        </a:rPr>
-                        <a:t>기본적인 시스템을 구현하기위해 차후 구현 예정</a:t>
-                      </a:r>
-                      <a:endParaRPr lang="en-US" altLang="ko-KR" sz="1400" b="1" dirty="0" smtClean="0">
-                        <a:solidFill>
-                          <a:srgbClr val="FF0000"/>
-                        </a:solidFill>
-                        <a:latin typeface="나눔스퀘어OTF Bold" pitchFamily="34" charset="-127"/>
-                        <a:ea typeface="나눔스퀘어OTF Bold" pitchFamily="34" charset="-127"/>
-                      </a:endParaRPr>
-                    </a:p>
-                  </a:txBody>
-                  <a:tcPr anchor="ctr">
-                    <a:lnL w="12700" cap="flat" cmpd="sng" algn="ctr">
-                      <a:solidFill>
-                        <a:srgbClr val="C4D4E2"/>
-                      </a:solidFill>
-                      <a:prstDash val="solid"/>
-                      <a:round/>
-                      <a:headEnd type="none" w="med" len="med"/>
-                      <a:tailEnd type="none" w="med" len="med"/>
-                    </a:lnL>
-                    <a:lnT w="12700" cap="flat" cmpd="sng" algn="ctr">
-                      <a:solidFill>
-                        <a:srgbClr val="C4D4E2"/>
-                      </a:solidFill>
-                      <a:prstDash val="solid"/>
-                      <a:round/>
-                      <a:headEnd type="none" w="med" len="med"/>
-                      <a:tailEnd type="none" w="med" len="med"/>
-                    </a:lnT>
-                    <a:lnB w="12700" cap="flat" cmpd="sng" algn="ctr">
-                      <a:solidFill>
-                        <a:srgbClr val="C4D4E2"/>
-                      </a:solidFill>
-                      <a:prstDash val="solid"/>
-                      <a:round/>
-                      <a:headEnd type="none" w="med" len="med"/>
-                      <a:tailEnd type="none" w="med" len="med"/>
-                    </a:lnB>
-                  </a:tcPr>
-                </a:tc>
-                <a:extLst>
-                  <a:ext uri="{0D108BD9-81ED-4DB2-BD59-A6C34878D82A}">
-                    <a16:rowId xmlns:a16="http://schemas.microsoft.com/office/drawing/2014/main" val="1205824453"/>
-                  </a:ext>
-                </a:extLst>
-              </a:tr>
-            </a:tbl>
-          </a:graphicData>
-        </a:graphic>
-      </p:graphicFrame>
-    </p:spTree>
-    <p:extLst>
-      <p:ext uri="{BB962C8B-B14F-4D97-AF65-F5344CB8AC3E}">
-        <p14:creationId xmlns:p14="http://schemas.microsoft.com/office/powerpoint/2010/main" val="2872412707"/>
-      </p:ext>
-    </p:extLst>
-  </p:cSld>
-  <p:clrMapOvr>
-    <a:masterClrMapping/>
-  </p:clrMapOvr>
-  <p:timing>
-    <p:tnLst>
-      <p:par>
-        <p:cTn id="1" dur="indefinite" restart="never" nodeType="tmRoot"/>
-      </p:par>
-    </p:tnLst>
-  </p:timing>
-</p:sld>
-</file>
-
-<file path=ppt/slides/slide5.xml><?xml version="1.0" encoding="utf-8"?>
-<p:sld xmlns:a="http://schemas.openxmlformats.org/drawingml/2006/main" xmlns:r="http://schemas.openxmlformats.org/officeDocument/2006/relationships" xmlns:p="http://schemas.openxmlformats.org/presentationml/2006/main">
-  <p:cSld>
-    <p:spTree>
-      <p:nvGrpSpPr>
-        <p:cNvPr id="1" name=""/>
-        <p:cNvGrpSpPr/>
-        <p:nvPr/>
-      </p:nvGrpSpPr>
-      <p:grpSpPr>
-        <a:xfrm>
-          <a:off x="0" y="0"/>
-          <a:ext cx="0" cy="0"/>
-          <a:chOff x="0" y="0"/>
-          <a:chExt cx="0" cy="0"/>
-        </a:xfrm>
-      </p:grpSpPr>
-      <p:graphicFrame>
-        <p:nvGraphicFramePr>
-          <p:cNvPr id="2" name="표 1"/>
-          <p:cNvGraphicFramePr>
-            <a:graphicFrameLocks noGrp="1"/>
-          </p:cNvGraphicFramePr>
-          <p:nvPr>
-            <p:extLst>
-              <p:ext uri="{D42A27DB-BD31-4B8C-83A1-F6EECF244321}">
-                <p14:modId xmlns:p14="http://schemas.microsoft.com/office/powerpoint/2010/main" val="1403587241"/>
-              </p:ext>
-            </p:extLst>
-          </p:nvPr>
-        </p:nvGraphicFramePr>
-        <p:xfrm>
-          <a:off x="611560" y="1600200"/>
-          <a:ext cx="7951500" cy="4637112"/>
-        </p:xfrm>
-        <a:graphic>
-          <a:graphicData uri="http://schemas.openxmlformats.org/drawingml/2006/table">
-            <a:tbl>
-              <a:tblPr firstRow="1" bandRow="1">
-                <a:tableStyleId>{2D5ABB26-0587-4C30-8999-92F81FD0307C}</a:tableStyleId>
-              </a:tblPr>
-              <a:tblGrid>
-                <a:gridCol w="1110740">
-                  <a:extLst>
-                    <a:ext uri="{9D8B030D-6E8A-4147-A177-3AD203B41FA5}">
-                      <a16:colId xmlns:a16="http://schemas.microsoft.com/office/drawing/2014/main" val="1347044700"/>
-                    </a:ext>
-                  </a:extLst>
-                </a:gridCol>
-                <a:gridCol w="1722002">
-                  <a:extLst>
-                    <a:ext uri="{9D8B030D-6E8A-4147-A177-3AD203B41FA5}">
-                      <a16:colId xmlns:a16="http://schemas.microsoft.com/office/drawing/2014/main" val="1173877828"/>
-                    </a:ext>
-                  </a:extLst>
-                </a:gridCol>
-                <a:gridCol w="5118758">
-                  <a:extLst>
-                    <a:ext uri="{9D8B030D-6E8A-4147-A177-3AD203B41FA5}">
-                      <a16:colId xmlns:a16="http://schemas.microsoft.com/office/drawing/2014/main" val="3593023449"/>
-                    </a:ext>
-                  </a:extLst>
-                </a:gridCol>
-              </a:tblGrid>
-              <a:tr h="941260">
-                <a:tc>
-                  <a:txBody>
-                    <a:bodyPr/>
-                    <a:lstStyle/>
-                    <a:p>
-                      <a:pPr algn="ctr" latinLnBrk="1"/>
-                      <a:r>
-                        <a:rPr lang="en-US" altLang="ko-KR" sz="1600" b="1" dirty="0" smtClean="0">
-                          <a:solidFill>
-                            <a:schemeClr val="tx1">
-                              <a:lumMod val="75000"/>
-                              <a:lumOff val="25000"/>
-                            </a:schemeClr>
-                          </a:solidFill>
-                          <a:latin typeface="나눔스퀘어OTF ExtraBold" pitchFamily="34" charset="-127"/>
-                          <a:ea typeface="나눔스퀘어OTF ExtraBold" pitchFamily="34" charset="-127"/>
-                        </a:rPr>
-                        <a:t>5</a:t>
-                      </a:r>
-                      <a:r>
-                        <a:rPr lang="ko-KR" altLang="en-US" sz="1600" b="1" dirty="0" smtClean="0">
-                          <a:solidFill>
-                            <a:schemeClr val="tx1">
-                              <a:lumMod val="75000"/>
-                              <a:lumOff val="25000"/>
-                            </a:schemeClr>
-                          </a:solidFill>
-                          <a:latin typeface="나눔스퀘어OTF ExtraBold" pitchFamily="34" charset="-127"/>
-                          <a:ea typeface="나눔스퀘어OTF ExtraBold" pitchFamily="34" charset="-127"/>
-                        </a:rPr>
-                        <a:t>주차</a:t>
-                      </a:r>
-                      <a:endParaRPr lang="ko-KR" altLang="en-US" sz="1600" b="1" dirty="0">
-                        <a:solidFill>
-                          <a:schemeClr val="tx1">
-                            <a:lumMod val="75000"/>
-                            <a:lumOff val="25000"/>
-                          </a:schemeClr>
-                        </a:solidFill>
-                        <a:latin typeface="나눔스퀘어OTF ExtraBold" pitchFamily="34" charset="-127"/>
-                        <a:ea typeface="나눔스퀘어OTF ExtraBold" pitchFamily="34" charset="-127"/>
-                      </a:endParaRPr>
-                    </a:p>
-                    <a:p>
-                      <a:pPr algn="ctr" latinLnBrk="1"/>
-                      <a:r>
-                        <a:rPr lang="en-US" altLang="ko-KR" sz="1600" b="1" dirty="0" smtClean="0">
-                          <a:solidFill>
-                            <a:schemeClr val="tx1">
-                              <a:lumMod val="75000"/>
-                              <a:lumOff val="25000"/>
-                            </a:schemeClr>
-                          </a:solidFill>
-                          <a:latin typeface="나눔스퀘어OTF ExtraBold" pitchFamily="34" charset="-127"/>
-                          <a:ea typeface="나눔스퀘어OTF ExtraBold" pitchFamily="34" charset="-127"/>
-                        </a:rPr>
-                        <a:t>6</a:t>
-                      </a:r>
-                      <a:r>
-                        <a:rPr lang="ko-KR" altLang="en-US" sz="1600" b="1" dirty="0" smtClean="0">
-                          <a:solidFill>
-                            <a:schemeClr val="tx1">
-                              <a:lumMod val="75000"/>
-                              <a:lumOff val="25000"/>
-                            </a:schemeClr>
-                          </a:solidFill>
-                          <a:latin typeface="나눔스퀘어OTF ExtraBold" pitchFamily="34" charset="-127"/>
-                          <a:ea typeface="나눔스퀘어OTF ExtraBold" pitchFamily="34" charset="-127"/>
-                        </a:rPr>
-                        <a:t>주차</a:t>
-                      </a:r>
-                      <a:endParaRPr lang="ko-KR" altLang="en-US" sz="1600" b="1" dirty="0">
-                        <a:solidFill>
-                          <a:schemeClr val="tx1">
-                            <a:lumMod val="75000"/>
-                            <a:lumOff val="25000"/>
-                          </a:schemeClr>
-                        </a:solidFill>
-                        <a:latin typeface="나눔스퀘어OTF ExtraBold" pitchFamily="34" charset="-127"/>
-                        <a:ea typeface="나눔스퀘어OTF ExtraBold" pitchFamily="34" charset="-127"/>
-                      </a:endParaRPr>
-                    </a:p>
-                  </a:txBody>
-                  <a:tcPr anchor="ctr">
-                    <a:lnR w="12700" cap="flat" cmpd="sng" algn="ctr">
-                      <a:solidFill>
-                        <a:srgbClr val="C4D4E2"/>
-                      </a:solidFill>
-                      <a:prstDash val="solid"/>
-                      <a:round/>
-                      <a:headEnd type="none" w="med" len="med"/>
-                      <a:tailEnd type="none" w="med" len="med"/>
-                    </a:lnR>
-                    <a:lnT w="12700" cap="flat" cmpd="sng" algn="ctr">
-                      <a:solidFill>
-                        <a:srgbClr val="C4D4E2"/>
-                      </a:solidFill>
-                      <a:prstDash val="solid"/>
-                      <a:round/>
-                      <a:headEnd type="none" w="med" len="med"/>
-                      <a:tailEnd type="none" w="med" len="med"/>
-                    </a:lnT>
-                    <a:lnB w="12700" cap="flat" cmpd="sng" algn="ctr">
-                      <a:solidFill>
-                        <a:srgbClr val="C4D4E2"/>
-                      </a:solidFill>
-                      <a:prstDash val="solid"/>
-                      <a:round/>
-                      <a:headEnd type="none" w="med" len="med"/>
-                      <a:tailEnd type="none" w="med" len="med"/>
-                    </a:lnB>
-                    <a:solidFill>
-                      <a:schemeClr val="bg1">
-                        <a:lumMod val="85000"/>
-                      </a:schemeClr>
-                    </a:solidFill>
-                  </a:tcPr>
-                </a:tc>
-                <a:tc gridSpan="2">
-                  <a:txBody>
-                    <a:bodyPr/>
-                    <a:lstStyle/>
-                    <a:p>
-                      <a:pPr algn="l" latinLnBrk="1"/>
-                      <a:r>
-                        <a:rPr lang="en-US" altLang="ko-KR" sz="1400" b="0" dirty="0" smtClean="0">
-                          <a:solidFill>
-                            <a:schemeClr val="tx1">
-                              <a:lumMod val="75000"/>
-                              <a:lumOff val="25000"/>
-                            </a:schemeClr>
-                          </a:solidFill>
-                          <a:latin typeface="나눔스퀘어OTF Bold" pitchFamily="34" charset="-127"/>
-                          <a:ea typeface="나눔스퀘어OTF Bold" pitchFamily="34" charset="-127"/>
-                        </a:rPr>
-                        <a:t>1. </a:t>
-                      </a:r>
-                      <a:r>
-                        <a:rPr lang="ko-KR" altLang="en-US" sz="1400" b="0" dirty="0" smtClean="0">
-                          <a:solidFill>
-                            <a:schemeClr val="tx1">
-                              <a:lumMod val="75000"/>
-                              <a:lumOff val="25000"/>
-                            </a:schemeClr>
-                          </a:solidFill>
-                          <a:latin typeface="나눔스퀘어OTF Bold" pitchFamily="34" charset="-127"/>
-                          <a:ea typeface="나눔스퀘어OTF Bold" pitchFamily="34" charset="-127"/>
-                        </a:rPr>
-                        <a:t>메뉴 생성</a:t>
-                      </a:r>
-                      <a:r>
-                        <a:rPr lang="en-US" altLang="ko-KR" sz="1400" b="0" dirty="0" smtClean="0">
-                          <a:solidFill>
-                            <a:schemeClr val="tx1">
-                              <a:lumMod val="75000"/>
-                              <a:lumOff val="25000"/>
-                            </a:schemeClr>
-                          </a:solidFill>
-                          <a:latin typeface="나눔스퀘어OTF Bold" pitchFamily="34" charset="-127"/>
-                          <a:ea typeface="나눔스퀘어OTF Bold" pitchFamily="34" charset="-127"/>
-                        </a:rPr>
-                        <a:t>:</a:t>
-                      </a:r>
-                      <a:r>
-                        <a:rPr lang="en-US" altLang="ko-KR" sz="1400" b="0" baseline="0" dirty="0" smtClean="0">
-                          <a:solidFill>
-                            <a:schemeClr val="tx1">
-                              <a:lumMod val="75000"/>
-                              <a:lumOff val="25000"/>
-                            </a:schemeClr>
-                          </a:solidFill>
-                          <a:latin typeface="나눔스퀘어OTF Bold" pitchFamily="34" charset="-127"/>
-                          <a:ea typeface="나눔스퀘어OTF Bold" pitchFamily="34" charset="-127"/>
-                        </a:rPr>
-                        <a:t> (20%) – </a:t>
-                      </a:r>
-                      <a:r>
-                        <a:rPr lang="ko-KR" altLang="en-US" sz="1400" b="0" baseline="0" dirty="0" smtClean="0">
-                          <a:solidFill>
-                            <a:schemeClr val="tx1">
-                              <a:lumMod val="75000"/>
-                              <a:lumOff val="25000"/>
-                            </a:schemeClr>
-                          </a:solidFill>
-                          <a:latin typeface="나눔스퀘어OTF Bold" pitchFamily="34" charset="-127"/>
-                          <a:ea typeface="나눔스퀘어OTF Bold" pitchFamily="34" charset="-127"/>
-                        </a:rPr>
-                        <a:t>현재 타이틀 화면과 메뉴 구현중</a:t>
-                      </a:r>
-                      <a:r>
-                        <a:rPr lang="en-US" altLang="ko-KR" sz="1400" b="0" baseline="0" dirty="0" smtClean="0">
-                          <a:solidFill>
-                            <a:schemeClr val="tx1">
-                              <a:lumMod val="75000"/>
-                              <a:lumOff val="25000"/>
-                            </a:schemeClr>
-                          </a:solidFill>
-                          <a:latin typeface="나눔스퀘어OTF Bold" pitchFamily="34" charset="-127"/>
-                          <a:ea typeface="나눔스퀘어OTF Bold" pitchFamily="34" charset="-127"/>
-                        </a:rPr>
-                        <a:t>.</a:t>
-                      </a:r>
-                      <a:endParaRPr lang="en-US" altLang="ko-KR" sz="1400" b="0" dirty="0" smtClean="0">
-                        <a:solidFill>
-                          <a:schemeClr val="tx1">
-                            <a:lumMod val="75000"/>
-                            <a:lumOff val="25000"/>
-                          </a:schemeClr>
-                        </a:solidFill>
-                        <a:latin typeface="나눔스퀘어OTF Bold" pitchFamily="34" charset="-127"/>
-                        <a:ea typeface="나눔스퀘어OTF Bold" pitchFamily="34" charset="-127"/>
-                      </a:endParaRPr>
-                    </a:p>
-                    <a:p>
-                      <a:pPr marL="0" marR="0" indent="0" algn="l" defTabSz="914400" rtl="0" eaLnBrk="1" fontAlgn="auto" latinLnBrk="1" hangingPunct="1">
-                        <a:lnSpc>
-                          <a:spcPts val="2200"/>
-                        </a:lnSpc>
-                        <a:spcBef>
-                          <a:spcPts val="0"/>
-                        </a:spcBef>
-                        <a:spcAft>
-                          <a:spcPts val="0"/>
-                        </a:spcAft>
-                        <a:buClrTx/>
-                        <a:buSzTx/>
-                        <a:buFontTx/>
-                        <a:buNone/>
-                        <a:tabLst/>
-                        <a:defRPr/>
-                      </a:pPr>
-                      <a:r>
-                        <a:rPr lang="en-US" altLang="ko-KR" sz="1400" b="0" dirty="0" smtClean="0">
-                          <a:solidFill>
-                            <a:schemeClr val="tx1">
-                              <a:lumMod val="75000"/>
-                              <a:lumOff val="25000"/>
-                            </a:schemeClr>
-                          </a:solidFill>
-                          <a:latin typeface="나눔스퀘어OTF Bold" pitchFamily="34" charset="-127"/>
-                          <a:ea typeface="나눔스퀘어OTF Bold" pitchFamily="34" charset="-127"/>
-                        </a:rPr>
-                        <a:t>2. </a:t>
-                      </a:r>
-                      <a:r>
-                        <a:rPr lang="ko-KR" altLang="en-US" sz="1400" b="0" dirty="0" err="1" smtClean="0">
-                          <a:solidFill>
-                            <a:schemeClr val="tx1">
-                              <a:lumMod val="75000"/>
-                              <a:lumOff val="25000"/>
-                            </a:schemeClr>
-                          </a:solidFill>
-                          <a:latin typeface="나눔스퀘어OTF Bold" pitchFamily="34" charset="-127"/>
-                          <a:ea typeface="나눔스퀘어OTF Bold" pitchFamily="34" charset="-127"/>
-                        </a:rPr>
-                        <a:t>블록끼리</a:t>
-                      </a:r>
-                      <a:r>
-                        <a:rPr lang="ko-KR" altLang="en-US" sz="1400" b="0" dirty="0" smtClean="0">
-                          <a:solidFill>
-                            <a:schemeClr val="tx1">
-                              <a:lumMod val="75000"/>
-                              <a:lumOff val="25000"/>
-                            </a:schemeClr>
-                          </a:solidFill>
-                          <a:latin typeface="나눔스퀘어OTF Bold" pitchFamily="34" charset="-127"/>
-                          <a:ea typeface="나눔스퀘어OTF Bold" pitchFamily="34" charset="-127"/>
-                        </a:rPr>
-                        <a:t> 붙을 경우에 따른</a:t>
-                      </a:r>
-                      <a:r>
-                        <a:rPr lang="ko-KR" altLang="en-US" sz="1400" b="0" baseline="0" dirty="0" smtClean="0">
-                          <a:solidFill>
-                            <a:schemeClr val="tx1">
-                              <a:lumMod val="75000"/>
-                              <a:lumOff val="25000"/>
-                            </a:schemeClr>
-                          </a:solidFill>
-                          <a:latin typeface="나눔스퀘어OTF Bold" pitchFamily="34" charset="-127"/>
-                          <a:ea typeface="나눔스퀘어OTF Bold" pitchFamily="34" charset="-127"/>
-                        </a:rPr>
-                        <a:t> 애니메이션 지정</a:t>
-                      </a:r>
-                      <a:endParaRPr lang="en-US" altLang="ko-KR" sz="1400" b="0" dirty="0" smtClean="0">
-                        <a:solidFill>
-                          <a:schemeClr val="tx1">
-                            <a:lumMod val="75000"/>
-                            <a:lumOff val="25000"/>
-                          </a:schemeClr>
-                        </a:solidFill>
-                        <a:latin typeface="나눔스퀘어OTF Bold" pitchFamily="34" charset="-127"/>
-                        <a:ea typeface="나눔스퀘어OTF Bold" pitchFamily="34" charset="-127"/>
-                      </a:endParaRPr>
-                    </a:p>
-                  </a:txBody>
-                  <a:tcPr anchor="ctr">
-                    <a:lnL w="12700" cap="flat" cmpd="sng" algn="ctr">
-                      <a:solidFill>
-                        <a:srgbClr val="C4D4E2"/>
-                      </a:solidFill>
-                      <a:prstDash val="solid"/>
-                      <a:round/>
-                      <a:headEnd type="none" w="med" len="med"/>
-                      <a:tailEnd type="none" w="med" len="med"/>
-                    </a:lnL>
-                    <a:lnT w="12700" cap="flat" cmpd="sng" algn="ctr">
-                      <a:solidFill>
-                        <a:srgbClr val="C4D4E2"/>
-                      </a:solidFill>
-                      <a:prstDash val="solid"/>
-                      <a:round/>
-                      <a:headEnd type="none" w="med" len="med"/>
-                      <a:tailEnd type="none" w="med" len="med"/>
-                    </a:lnT>
-                    <a:lnB w="12700" cap="flat" cmpd="sng" algn="ctr">
-                      <a:solidFill>
-                        <a:srgbClr val="C4D4E2"/>
-                      </a:solidFill>
-                      <a:prstDash val="solid"/>
-                      <a:round/>
-                      <a:headEnd type="none" w="med" len="med"/>
-                      <a:tailEnd type="none" w="med" len="med"/>
-                    </a:lnB>
-                  </a:tcPr>
-                </a:tc>
-                <a:tc hMerge="1">
-                  <a:txBody>
-                    <a:bodyPr/>
-                    <a:lstStyle/>
-                    <a:p>
-                      <a:pPr marL="342900" marR="0" indent="-342900" algn="l" defTabSz="914400" rtl="0" eaLnBrk="1" fontAlgn="auto" latinLnBrk="1" hangingPunct="1">
-                        <a:lnSpc>
-                          <a:spcPts val="2200"/>
-                        </a:lnSpc>
-                        <a:spcBef>
-                          <a:spcPts val="0"/>
-                        </a:spcBef>
-                        <a:spcAft>
-                          <a:spcPts val="0"/>
-                        </a:spcAft>
-                        <a:buClrTx/>
-                        <a:buSzTx/>
-                        <a:buFontTx/>
-                        <a:buAutoNum type="arabicPeriod"/>
-                        <a:tabLst/>
-                        <a:defRPr/>
-                      </a:pPr>
-                      <a:endParaRPr lang="en-US" altLang="ko-KR" sz="1400" b="0" dirty="0" smtClean="0">
-                        <a:solidFill>
-                          <a:schemeClr val="tx1">
-                            <a:lumMod val="75000"/>
-                            <a:lumOff val="25000"/>
-                          </a:schemeClr>
-                        </a:solidFill>
-                        <a:latin typeface="나눔스퀘어OTF Bold" pitchFamily="34" charset="-127"/>
-                        <a:ea typeface="나눔스퀘어OTF Bold" pitchFamily="34" charset="-127"/>
-                      </a:endParaRPr>
-                    </a:p>
-                  </a:txBody>
-                  <a:tcPr anchor="ctr">
-                    <a:lnL w="12700" cap="flat" cmpd="sng" algn="ctr">
-                      <a:solidFill>
-                        <a:srgbClr val="C4D4E2"/>
-                      </a:solidFill>
-                      <a:prstDash val="solid"/>
-                      <a:round/>
-                      <a:headEnd type="none" w="med" len="med"/>
-                      <a:tailEnd type="none" w="med" len="med"/>
-                    </a:lnL>
-                    <a:lnT w="12700" cap="flat" cmpd="sng" algn="ctr">
-                      <a:solidFill>
-                        <a:srgbClr val="C4D4E2"/>
-                      </a:solidFill>
-                      <a:prstDash val="solid"/>
-                      <a:round/>
-                      <a:headEnd type="none" w="med" len="med"/>
-                      <a:tailEnd type="none" w="med" len="med"/>
-                    </a:lnT>
-                    <a:lnB w="12700" cap="flat" cmpd="sng" algn="ctr">
-                      <a:solidFill>
-                        <a:srgbClr val="C4D4E2"/>
-                      </a:solidFill>
-                      <a:prstDash val="solid"/>
-                      <a:round/>
-                      <a:headEnd type="none" w="med" len="med"/>
-                      <a:tailEnd type="none" w="med" len="med"/>
-                    </a:lnB>
-                  </a:tcPr>
-                </a:tc>
-                <a:extLst>
-                  <a:ext uri="{0D108BD9-81ED-4DB2-BD59-A6C34878D82A}">
-                    <a16:rowId xmlns:a16="http://schemas.microsoft.com/office/drawing/2014/main" val="3486611002"/>
-                  </a:ext>
-                </a:extLst>
-              </a:tr>
-              <a:tr h="1704526">
-                <a:tc>
-                  <a:txBody>
-                    <a:bodyPr/>
-                    <a:lstStyle/>
-                    <a:p>
-                      <a:pPr algn="ctr" latinLnBrk="1"/>
-                      <a:r>
-                        <a:rPr lang="en-US" altLang="ko-KR" sz="1600" b="1" dirty="0" smtClean="0">
-                          <a:solidFill>
-                            <a:schemeClr val="tx1">
-                              <a:lumMod val="75000"/>
-                              <a:lumOff val="25000"/>
-                            </a:schemeClr>
-                          </a:solidFill>
-                          <a:latin typeface="나눔스퀘어OTF ExtraBold" pitchFamily="34" charset="-127"/>
-                          <a:ea typeface="나눔스퀘어OTF ExtraBold" pitchFamily="34" charset="-127"/>
-                        </a:rPr>
-                        <a:t>7</a:t>
-                      </a:r>
-                      <a:r>
-                        <a:rPr lang="ko-KR" altLang="en-US" sz="1600" b="1" dirty="0" smtClean="0">
-                          <a:solidFill>
-                            <a:schemeClr val="tx1">
-                              <a:lumMod val="75000"/>
-                              <a:lumOff val="25000"/>
-                            </a:schemeClr>
-                          </a:solidFill>
-                          <a:latin typeface="나눔스퀘어OTF ExtraBold" pitchFamily="34" charset="-127"/>
-                          <a:ea typeface="나눔스퀘어OTF ExtraBold" pitchFamily="34" charset="-127"/>
-                        </a:rPr>
-                        <a:t>주차</a:t>
-                      </a:r>
-                      <a:endParaRPr lang="ko-KR" altLang="en-US" sz="1600" b="1" dirty="0">
-                        <a:solidFill>
-                          <a:schemeClr val="tx1">
-                            <a:lumMod val="75000"/>
-                            <a:lumOff val="25000"/>
-                          </a:schemeClr>
-                        </a:solidFill>
-                        <a:latin typeface="나눔스퀘어OTF ExtraBold" pitchFamily="34" charset="-127"/>
-                        <a:ea typeface="나눔스퀘어OTF ExtraBold" pitchFamily="34" charset="-127"/>
-                      </a:endParaRPr>
-                    </a:p>
-                    <a:p>
-                      <a:pPr algn="ctr" latinLnBrk="1"/>
-                      <a:r>
-                        <a:rPr lang="en-US" altLang="ko-KR" sz="1600" b="1" dirty="0" smtClean="0">
-                          <a:solidFill>
-                            <a:schemeClr val="tx1">
-                              <a:lumMod val="75000"/>
-                              <a:lumOff val="25000"/>
-                            </a:schemeClr>
-                          </a:solidFill>
-                          <a:latin typeface="나눔스퀘어OTF ExtraBold" pitchFamily="34" charset="-127"/>
-                          <a:ea typeface="나눔스퀘어OTF ExtraBold" pitchFamily="34" charset="-127"/>
-                        </a:rPr>
-                        <a:t>8</a:t>
-                      </a:r>
-                      <a:r>
-                        <a:rPr lang="ko-KR" altLang="en-US" sz="1600" b="1" dirty="0" smtClean="0">
-                          <a:solidFill>
-                            <a:schemeClr val="tx1">
-                              <a:lumMod val="75000"/>
-                              <a:lumOff val="25000"/>
-                            </a:schemeClr>
-                          </a:solidFill>
-                          <a:latin typeface="나눔스퀘어OTF ExtraBold" pitchFamily="34" charset="-127"/>
-                          <a:ea typeface="나눔스퀘어OTF ExtraBold" pitchFamily="34" charset="-127"/>
-                        </a:rPr>
-                        <a:t>주차</a:t>
-                      </a:r>
-                      <a:endParaRPr lang="en-US" altLang="ko-KR" sz="1600" b="1" dirty="0" smtClean="0">
-                        <a:solidFill>
-                          <a:schemeClr val="tx1">
-                            <a:lumMod val="75000"/>
-                            <a:lumOff val="25000"/>
-                          </a:schemeClr>
-                        </a:solidFill>
-                        <a:latin typeface="나눔스퀘어OTF ExtraBold" pitchFamily="34" charset="-127"/>
-                        <a:ea typeface="나눔스퀘어OTF ExtraBold" pitchFamily="34" charset="-127"/>
-                      </a:endParaRPr>
-                    </a:p>
-                    <a:p>
-                      <a:pPr algn="ctr" latinLnBrk="1"/>
-                      <a:r>
-                        <a:rPr lang="en-US" altLang="ko-KR" sz="1600" b="1" dirty="0" smtClean="0">
-                          <a:solidFill>
-                            <a:schemeClr val="tx1">
-                              <a:lumMod val="75000"/>
-                              <a:lumOff val="25000"/>
-                            </a:schemeClr>
-                          </a:solidFill>
-                          <a:latin typeface="나눔스퀘어OTF ExtraBold" pitchFamily="34" charset="-127"/>
-                          <a:ea typeface="나눔스퀘어OTF ExtraBold" pitchFamily="34" charset="-127"/>
-                        </a:rPr>
-                        <a:t>9</a:t>
-                      </a:r>
-                      <a:r>
-                        <a:rPr lang="ko-KR" altLang="en-US" sz="1600" b="1" dirty="0" smtClean="0">
-                          <a:solidFill>
-                            <a:schemeClr val="tx1">
-                              <a:lumMod val="75000"/>
-                              <a:lumOff val="25000"/>
-                            </a:schemeClr>
-                          </a:solidFill>
-                          <a:latin typeface="나눔스퀘어OTF ExtraBold" pitchFamily="34" charset="-127"/>
-                          <a:ea typeface="나눔스퀘어OTF ExtraBold" pitchFamily="34" charset="-127"/>
-                        </a:rPr>
-                        <a:t>주차</a:t>
-                      </a:r>
-                      <a:endParaRPr lang="ko-KR" altLang="en-US" sz="1600" b="1" dirty="0">
-                        <a:solidFill>
-                          <a:schemeClr val="tx1">
-                            <a:lumMod val="75000"/>
-                            <a:lumOff val="25000"/>
-                          </a:schemeClr>
-                        </a:solidFill>
-                        <a:latin typeface="나눔스퀘어OTF ExtraBold" pitchFamily="34" charset="-127"/>
-                        <a:ea typeface="나눔스퀘어OTF ExtraBold" pitchFamily="34" charset="-127"/>
-                      </a:endParaRPr>
-                    </a:p>
-                  </a:txBody>
-                  <a:tcPr anchor="ctr">
-                    <a:lnR w="12700" cap="flat" cmpd="sng" algn="ctr">
-                      <a:solidFill>
-                        <a:srgbClr val="C4D4E2"/>
-                      </a:solidFill>
-                      <a:prstDash val="solid"/>
-                      <a:round/>
-                      <a:headEnd type="none" w="med" len="med"/>
-                      <a:tailEnd type="none" w="med" len="med"/>
-                    </a:lnR>
-                    <a:lnT w="12700" cap="flat" cmpd="sng" algn="ctr">
-                      <a:solidFill>
-                        <a:srgbClr val="C4D4E2"/>
-                      </a:solidFill>
-                      <a:prstDash val="solid"/>
-                      <a:round/>
-                      <a:headEnd type="none" w="med" len="med"/>
-                      <a:tailEnd type="none" w="med" len="med"/>
-                    </a:lnT>
-                    <a:lnB w="12700" cap="flat" cmpd="sng" algn="ctr">
-                      <a:solidFill>
-                        <a:srgbClr val="C4D4E2"/>
-                      </a:solidFill>
-                      <a:prstDash val="solid"/>
-                      <a:round/>
-                      <a:headEnd type="none" w="med" len="med"/>
-                      <a:tailEnd type="none" w="med" len="med"/>
-                    </a:lnB>
-                    <a:solidFill>
-                      <a:schemeClr val="bg1">
-                        <a:lumMod val="85000"/>
-                      </a:schemeClr>
-                    </a:solidFill>
-                  </a:tcPr>
-                </a:tc>
-                <a:tc>
-                  <a:txBody>
-                    <a:bodyPr/>
-                    <a:lstStyle/>
-                    <a:p>
-                      <a:pPr algn="ctr" latinLnBrk="1"/>
-                      <a:r>
-                        <a:rPr lang="ko-KR" altLang="en-US" sz="1400" b="0" baseline="0" dirty="0" smtClean="0">
-                          <a:solidFill>
-                            <a:schemeClr val="tx1">
-                              <a:lumMod val="75000"/>
-                              <a:lumOff val="25000"/>
-                            </a:schemeClr>
-                          </a:solidFill>
-                          <a:latin typeface="나눔스퀘어OTF Bold" pitchFamily="34" charset="-127"/>
-                          <a:ea typeface="나눔스퀘어OTF Bold" pitchFamily="34" charset="-127"/>
-                        </a:rPr>
-                        <a:t>애니메이션</a:t>
-                      </a:r>
-                      <a:endParaRPr lang="en-US" altLang="ko-KR" sz="1400" b="0" baseline="0" dirty="0" smtClean="0">
-                        <a:solidFill>
-                          <a:schemeClr val="tx1">
-                            <a:lumMod val="75000"/>
-                            <a:lumOff val="25000"/>
-                          </a:schemeClr>
-                        </a:solidFill>
-                        <a:latin typeface="나눔스퀘어OTF Bold" pitchFamily="34" charset="-127"/>
-                        <a:ea typeface="나눔스퀘어OTF Bold" pitchFamily="34" charset="-127"/>
-                      </a:endParaRPr>
-                    </a:p>
-                    <a:p>
-                      <a:pPr algn="ctr" latinLnBrk="1"/>
-                      <a:r>
-                        <a:rPr lang="ko-KR" altLang="en-US" sz="1400" b="0" baseline="0" dirty="0" smtClean="0">
-                          <a:solidFill>
-                            <a:schemeClr val="tx1">
-                              <a:lumMod val="75000"/>
-                              <a:lumOff val="25000"/>
-                            </a:schemeClr>
-                          </a:solidFill>
-                          <a:latin typeface="나눔스퀘어OTF Bold" pitchFamily="34" charset="-127"/>
-                          <a:ea typeface="나눔스퀘어OTF Bold" pitchFamily="34" charset="-127"/>
-                        </a:rPr>
-                        <a:t>사운드</a:t>
-                      </a:r>
-                      <a:endParaRPr lang="en-US" altLang="ko-KR" sz="1400" b="0" baseline="0" dirty="0" smtClean="0">
-                        <a:solidFill>
-                          <a:schemeClr val="tx1">
-                            <a:lumMod val="75000"/>
-                            <a:lumOff val="25000"/>
-                          </a:schemeClr>
-                        </a:solidFill>
-                        <a:latin typeface="나눔스퀘어OTF Bold" pitchFamily="34" charset="-127"/>
-                        <a:ea typeface="나눔스퀘어OTF Bold" pitchFamily="34" charset="-127"/>
-                      </a:endParaRPr>
-                    </a:p>
-                    <a:p>
-                      <a:pPr algn="ctr" latinLnBrk="1"/>
-                      <a:r>
-                        <a:rPr lang="en-US" altLang="ko-KR" sz="1400" b="1" baseline="0" dirty="0" smtClean="0">
-                          <a:solidFill>
-                            <a:srgbClr val="FF0000"/>
-                          </a:solidFill>
-                          <a:latin typeface="나눔스퀘어OTF Bold" pitchFamily="34" charset="-127"/>
-                          <a:ea typeface="나눔스퀘어OTF Bold" pitchFamily="34" charset="-127"/>
-                        </a:rPr>
-                        <a:t>2</a:t>
-                      </a:r>
-                      <a:r>
-                        <a:rPr lang="ko-KR" altLang="en-US" sz="1400" b="1" baseline="0" dirty="0" smtClean="0">
-                          <a:solidFill>
-                            <a:srgbClr val="FF0000"/>
-                          </a:solidFill>
-                          <a:latin typeface="나눔스퀘어OTF Bold" pitchFamily="34" charset="-127"/>
-                          <a:ea typeface="나눔스퀘어OTF Bold" pitchFamily="34" charset="-127"/>
-                        </a:rPr>
-                        <a:t>번째 플레이어</a:t>
-                      </a:r>
-                      <a:endParaRPr lang="en-US" altLang="ko-KR" sz="1400" b="1" baseline="0" dirty="0" smtClean="0">
-                        <a:solidFill>
-                          <a:srgbClr val="FF0000"/>
-                        </a:solidFill>
-                        <a:latin typeface="나눔스퀘어OTF Bold" pitchFamily="34" charset="-127"/>
-                        <a:ea typeface="나눔스퀘어OTF Bold" pitchFamily="34" charset="-127"/>
-                      </a:endParaRPr>
-                    </a:p>
-                    <a:p>
-                      <a:pPr algn="ctr" latinLnBrk="1"/>
-                      <a:r>
-                        <a:rPr lang="ko-KR" altLang="en-US" sz="1400" b="1" baseline="0" dirty="0" smtClean="0">
-                          <a:solidFill>
-                            <a:srgbClr val="FF0000"/>
-                          </a:solidFill>
-                          <a:latin typeface="나눔스퀘어OTF Bold" pitchFamily="34" charset="-127"/>
-                          <a:ea typeface="나눔스퀘어OTF Bold" pitchFamily="34" charset="-127"/>
-                        </a:rPr>
-                        <a:t>구현</a:t>
-                      </a:r>
-                      <a:endParaRPr lang="en-US" altLang="ko-KR" sz="1400" b="1" baseline="0" dirty="0" smtClean="0">
-                        <a:solidFill>
-                          <a:srgbClr val="FF0000"/>
-                        </a:solidFill>
-                        <a:latin typeface="나눔스퀘어OTF Bold" pitchFamily="34" charset="-127"/>
-                        <a:ea typeface="나눔스퀘어OTF Bold" pitchFamily="34" charset="-127"/>
-                      </a:endParaRPr>
-                    </a:p>
-                    <a:p>
-                      <a:pPr algn="ctr" latinLnBrk="1"/>
-                      <a:r>
-                        <a:rPr lang="ko-KR" altLang="en-US" sz="1400" b="1" baseline="0" dirty="0" smtClean="0">
-                          <a:solidFill>
-                            <a:srgbClr val="FF0000"/>
-                          </a:solidFill>
-                          <a:latin typeface="나눔스퀘어OTF Bold" pitchFamily="34" charset="-127"/>
-                          <a:ea typeface="나눔스퀘어OTF Bold" pitchFamily="34" charset="-127"/>
-                        </a:rPr>
-                        <a:t>및 보완</a:t>
-                      </a:r>
-                      <a:endParaRPr lang="en-US" altLang="ko-KR" sz="1400" b="1" baseline="0" dirty="0" smtClean="0">
-                        <a:solidFill>
-                          <a:srgbClr val="FF0000"/>
                         </a:solidFill>
                         <a:latin typeface="나눔스퀘어OTF Bold" pitchFamily="34" charset="-127"/>
                         <a:ea typeface="나눔스퀘어OTF Bold" pitchFamily="34" charset="-127"/>
@@ -8993,162 +6283,9 @@
                     <a:bodyPr/>
                     <a:lstStyle/>
                     <a:p>
-                      <a:pPr marL="342900" marR="0" indent="-342900" algn="l" defTabSz="914400" rtl="0" eaLnBrk="1" fontAlgn="auto" latinLnBrk="1" hangingPunct="1">
+                      <a:pPr marL="0" marR="0" indent="0" algn="ctr" defTabSz="914400" rtl="0" eaLnBrk="1" fontAlgn="auto" latinLnBrk="1" hangingPunct="1">
                         <a:lnSpc>
-                          <a:spcPts val="2200"/>
-                        </a:lnSpc>
-                        <a:spcBef>
-                          <a:spcPts val="0"/>
-                        </a:spcBef>
-                        <a:spcAft>
-                          <a:spcPts val="0"/>
-                        </a:spcAft>
-                        <a:buClrTx/>
-                        <a:buSzTx/>
-                        <a:buFontTx/>
-                        <a:buAutoNum type="arabicPeriod"/>
-                        <a:tabLst/>
-                        <a:defRPr/>
-                      </a:pPr>
-                      <a:r>
-                        <a:rPr lang="ko-KR" altLang="en-US" sz="1400" b="0" dirty="0" smtClean="0">
-                          <a:solidFill>
-                            <a:schemeClr val="tx1">
-                              <a:lumMod val="75000"/>
-                              <a:lumOff val="25000"/>
-                            </a:schemeClr>
-                          </a:solidFill>
-                          <a:latin typeface="나눔스퀘어OTF Bold" pitchFamily="34" charset="-127"/>
-                          <a:ea typeface="나눔스퀘어OTF Bold" pitchFamily="34" charset="-127"/>
-                        </a:rPr>
-                        <a:t>블록이  파괴될</a:t>
-                      </a:r>
-                      <a:r>
-                        <a:rPr lang="ko-KR" altLang="en-US" sz="1400" b="0" baseline="0" dirty="0" smtClean="0">
-                          <a:solidFill>
-                            <a:schemeClr val="tx1">
-                              <a:lumMod val="75000"/>
-                              <a:lumOff val="25000"/>
-                            </a:schemeClr>
-                          </a:solidFill>
-                          <a:latin typeface="나눔스퀘어OTF Bold" pitchFamily="34" charset="-127"/>
-                          <a:ea typeface="나눔스퀘어OTF Bold" pitchFamily="34" charset="-127"/>
-                        </a:rPr>
-                        <a:t> 때와 서로 접촉할 때의 애니메이션구현</a:t>
-                      </a:r>
-                      <a:endParaRPr lang="en-US" altLang="ko-KR" sz="1400" b="0" baseline="0" dirty="0" smtClean="0">
-                        <a:solidFill>
-                          <a:schemeClr val="tx1">
-                            <a:lumMod val="75000"/>
-                            <a:lumOff val="25000"/>
-                          </a:schemeClr>
-                        </a:solidFill>
-                        <a:latin typeface="나눔스퀘어OTF Bold" pitchFamily="34" charset="-127"/>
-                        <a:ea typeface="나눔스퀘어OTF Bold" pitchFamily="34" charset="-127"/>
-                      </a:endParaRPr>
-                    </a:p>
-                    <a:p>
-                      <a:pPr marL="342900" marR="0" indent="-342900" algn="l" defTabSz="914400" rtl="0" eaLnBrk="1" fontAlgn="auto" latinLnBrk="1" hangingPunct="1">
-                        <a:lnSpc>
-                          <a:spcPts val="2200"/>
-                        </a:lnSpc>
-                        <a:spcBef>
-                          <a:spcPts val="0"/>
-                        </a:spcBef>
-                        <a:spcAft>
-                          <a:spcPts val="0"/>
-                        </a:spcAft>
-                        <a:buClrTx/>
-                        <a:buSzTx/>
-                        <a:buFontTx/>
-                        <a:buAutoNum type="arabicPeriod"/>
-                        <a:tabLst/>
-                        <a:defRPr/>
-                      </a:pPr>
-                      <a:r>
-                        <a:rPr lang="ko-KR" altLang="en-US" sz="1400" b="0" dirty="0" smtClean="0">
-                          <a:solidFill>
-                            <a:schemeClr val="tx1">
-                              <a:lumMod val="75000"/>
-                              <a:lumOff val="25000"/>
-                            </a:schemeClr>
-                          </a:solidFill>
-                          <a:latin typeface="나눔스퀘어OTF Bold" pitchFamily="34" charset="-127"/>
-                          <a:ea typeface="나눔스퀘어OTF Bold" pitchFamily="34" charset="-127"/>
-                        </a:rPr>
-                        <a:t>패배할 때나 블록이 파괴될 때의 사운드 삽입</a:t>
-                      </a:r>
-                      <a:endParaRPr lang="en-US" altLang="ko-KR" sz="1400" b="0" dirty="0" smtClean="0">
-                        <a:solidFill>
-                          <a:schemeClr val="tx1">
-                            <a:lumMod val="75000"/>
-                            <a:lumOff val="25000"/>
-                          </a:schemeClr>
-                        </a:solidFill>
-                        <a:latin typeface="나눔스퀘어OTF Bold" pitchFamily="34" charset="-127"/>
-                        <a:ea typeface="나눔스퀘어OTF Bold" pitchFamily="34" charset="-127"/>
-                      </a:endParaRPr>
-                    </a:p>
-                    <a:p>
-                      <a:pPr marL="342900" marR="0" indent="-342900" algn="l" defTabSz="914400" rtl="0" eaLnBrk="1" fontAlgn="auto" latinLnBrk="1" hangingPunct="1">
-                        <a:lnSpc>
-                          <a:spcPts val="2200"/>
-                        </a:lnSpc>
-                        <a:spcBef>
-                          <a:spcPts val="0"/>
-                        </a:spcBef>
-                        <a:spcAft>
-                          <a:spcPts val="0"/>
-                        </a:spcAft>
-                        <a:buClrTx/>
-                        <a:buSzTx/>
-                        <a:buFontTx/>
-                        <a:buAutoNum type="arabicPeriod"/>
-                        <a:tabLst/>
-                        <a:defRPr/>
-                      </a:pPr>
-                      <a:r>
-                        <a:rPr lang="ko-KR" altLang="en-US" sz="1400" b="1" dirty="0" smtClean="0">
-                          <a:solidFill>
-                            <a:srgbClr val="FF0000"/>
-                          </a:solidFill>
-                          <a:latin typeface="나눔스퀘어OTF Bold" pitchFamily="34" charset="-127"/>
-                          <a:ea typeface="나눔스퀘어OTF Bold" pitchFamily="34" charset="-127"/>
-                        </a:rPr>
-                        <a:t>앞서 구현하지 못했던 </a:t>
-                      </a:r>
-                      <a:r>
-                        <a:rPr lang="en-US" altLang="ko-KR" sz="1400" b="1" dirty="0" smtClean="0">
-                          <a:solidFill>
-                            <a:srgbClr val="FF0000"/>
-                          </a:solidFill>
-                          <a:latin typeface="나눔스퀘어OTF Bold" pitchFamily="34" charset="-127"/>
-                          <a:ea typeface="나눔스퀘어OTF Bold" pitchFamily="34" charset="-127"/>
-                        </a:rPr>
-                        <a:t>2</a:t>
-                      </a:r>
-                      <a:r>
-                        <a:rPr lang="ko-KR" altLang="en-US" sz="1400" b="1" dirty="0" smtClean="0">
-                          <a:solidFill>
-                            <a:srgbClr val="FF0000"/>
-                          </a:solidFill>
-                          <a:latin typeface="나눔스퀘어OTF Bold" pitchFamily="34" charset="-127"/>
-                          <a:ea typeface="나눔스퀘어OTF Bold" pitchFamily="34" charset="-127"/>
-                        </a:rPr>
-                        <a:t>번째 플레이어와 블록의 회전 및</a:t>
-                      </a:r>
-                      <a:endParaRPr lang="en-US" altLang="ko-KR" sz="1400" b="1" dirty="0" smtClean="0">
-                        <a:solidFill>
-                          <a:srgbClr val="FF0000"/>
-                        </a:solidFill>
-                        <a:latin typeface="나눔스퀘어OTF Bold" pitchFamily="34" charset="-127"/>
-                        <a:ea typeface="나눔스퀘어OTF Bold" pitchFamily="34" charset="-127"/>
-                      </a:endParaRPr>
-                    </a:p>
-                    <a:p>
-                      <a:pPr marL="0" marR="0" indent="0" algn="l" defTabSz="914400" rtl="0" eaLnBrk="1" fontAlgn="auto" latinLnBrk="1" hangingPunct="1">
-                        <a:lnSpc>
-                          <a:spcPts val="2200"/>
+                          <a:spcPct val="100000"/>
                         </a:lnSpc>
                         <a:spcBef>
                           <a:spcPts val="0"/>
@@ -9164,149 +6301,7 @@
                         <a:defRPr/>
                       </a:pPr>
                       <a:r>
-                        <a:rPr lang="en-US" altLang="ko-KR" sz="1400" b="1" dirty="0" smtClean="0">
-                          <a:solidFill>
-                            <a:srgbClr val="FF0000"/>
-                          </a:solidFill>
-                          <a:latin typeface="나눔스퀘어OTF Bold" pitchFamily="34" charset="-127"/>
-                          <a:ea typeface="나눔스퀘어OTF Bold" pitchFamily="34" charset="-127"/>
-                        </a:rPr>
-                        <a:t>    </a:t>
-                      </a:r>
-                      <a:r>
-                        <a:rPr lang="ko-KR" altLang="en-US" sz="1400" b="1" dirty="0" smtClean="0">
-                          <a:solidFill>
-                            <a:srgbClr val="FF0000"/>
-                          </a:solidFill>
-                          <a:latin typeface="나눔스퀘어OTF Bold" pitchFamily="34" charset="-127"/>
-                          <a:ea typeface="나눔스퀘어OTF Bold" pitchFamily="34" charset="-127"/>
-                        </a:rPr>
-                        <a:t> 콤보시스템의 구현을 통한 방해 시스템 구현</a:t>
-                      </a:r>
-                      <a:endParaRPr lang="en-US" altLang="ko-KR" sz="1400" b="1" dirty="0" smtClean="0">
-                        <a:solidFill>
-                          <a:srgbClr val="FF0000"/>
-                        </a:solidFill>
-                        <a:latin typeface="나눔스퀘어OTF Bold" pitchFamily="34" charset="-127"/>
-                        <a:ea typeface="나눔스퀘어OTF Bold" pitchFamily="34" charset="-127"/>
-                      </a:endParaRPr>
-                    </a:p>
-                  </a:txBody>
-                  <a:tcPr anchor="ctr">
-                    <a:lnL w="12700" cap="flat" cmpd="sng" algn="ctr">
-                      <a:solidFill>
-                        <a:srgbClr val="C4D4E2"/>
-                      </a:solidFill>
-                      <a:prstDash val="solid"/>
-                      <a:round/>
-                      <a:headEnd type="none" w="med" len="med"/>
-                      <a:tailEnd type="none" w="med" len="med"/>
-                    </a:lnL>
-                    <a:lnT w="12700" cap="flat" cmpd="sng" algn="ctr">
-                      <a:solidFill>
-                        <a:srgbClr val="C4D4E2"/>
-                      </a:solidFill>
-                      <a:prstDash val="solid"/>
-                      <a:round/>
-                      <a:headEnd type="none" w="med" len="med"/>
-                      <a:tailEnd type="none" w="med" len="med"/>
-                    </a:lnT>
-                    <a:lnB w="12700" cap="flat" cmpd="sng" algn="ctr">
-                      <a:solidFill>
-                        <a:srgbClr val="C4D4E2"/>
-                      </a:solidFill>
-                      <a:prstDash val="solid"/>
-                      <a:round/>
-                      <a:headEnd type="none" w="med" len="med"/>
-                      <a:tailEnd type="none" w="med" len="med"/>
-                    </a:lnB>
-                  </a:tcPr>
-                </a:tc>
-                <a:extLst>
-                  <a:ext uri="{0D108BD9-81ED-4DB2-BD59-A6C34878D82A}">
-                    <a16:rowId xmlns:a16="http://schemas.microsoft.com/office/drawing/2014/main" val="1834480381"/>
-                  </a:ext>
-                </a:extLst>
-              </a:tr>
-              <a:tr h="1991326">
-                <a:tc>
-                  <a:txBody>
-                    <a:bodyPr/>
-                    <a:lstStyle/>
-                    <a:p>
-                      <a:pPr algn="ctr" latinLnBrk="1"/>
-                      <a:r>
-                        <a:rPr lang="en-US" altLang="ko-KR" sz="1600" b="1" dirty="0" smtClean="0">
-                          <a:solidFill>
-                            <a:schemeClr val="tx1">
-                              <a:lumMod val="75000"/>
-                              <a:lumOff val="25000"/>
-                            </a:schemeClr>
-                          </a:solidFill>
-                          <a:latin typeface="나눔스퀘어OTF ExtraBold" pitchFamily="34" charset="-127"/>
-                          <a:ea typeface="나눔스퀘어OTF ExtraBold" pitchFamily="34" charset="-127"/>
-                        </a:rPr>
-                        <a:t>10</a:t>
-                      </a:r>
-                      <a:r>
-                        <a:rPr lang="ko-KR" altLang="en-US" sz="1600" b="1" dirty="0" smtClean="0">
-                          <a:solidFill>
-                            <a:schemeClr val="tx1">
-                              <a:lumMod val="75000"/>
-                              <a:lumOff val="25000"/>
-                            </a:schemeClr>
-                          </a:solidFill>
-                          <a:latin typeface="나눔스퀘어OTF ExtraBold" pitchFamily="34" charset="-127"/>
-                          <a:ea typeface="나눔스퀘어OTF ExtraBold" pitchFamily="34" charset="-127"/>
-                        </a:rPr>
-                        <a:t>주차</a:t>
-                      </a:r>
-                      <a:endParaRPr lang="ko-KR" altLang="en-US" sz="1600" b="1" dirty="0">
-                        <a:solidFill>
-                          <a:schemeClr val="tx1">
-                            <a:lumMod val="75000"/>
-                            <a:lumOff val="25000"/>
-                          </a:schemeClr>
-                        </a:solidFill>
-                        <a:latin typeface="나눔스퀘어OTF ExtraBold" pitchFamily="34" charset="-127"/>
-                        <a:ea typeface="나눔스퀘어OTF ExtraBold" pitchFamily="34" charset="-127"/>
-                      </a:endParaRPr>
-                    </a:p>
-                  </a:txBody>
-                  <a:tcPr anchor="ctr">
-                    <a:lnR w="12700" cap="flat" cmpd="sng" algn="ctr">
-                      <a:solidFill>
-                        <a:srgbClr val="C4D4E2"/>
-                      </a:solidFill>
-                      <a:prstDash val="solid"/>
-                      <a:round/>
-                      <a:headEnd type="none" w="med" len="med"/>
-                      <a:tailEnd type="none" w="med" len="med"/>
-                    </a:lnR>
-                    <a:lnT w="12700" cap="flat" cmpd="sng" algn="ctr">
-                      <a:solidFill>
-                        <a:srgbClr val="C4D4E2"/>
-                      </a:solidFill>
-                      <a:prstDash val="solid"/>
-                      <a:round/>
-                      <a:headEnd type="none" w="med" len="med"/>
-                      <a:tailEnd type="none" w="med" len="med"/>
-                    </a:lnT>
-                    <a:solidFill>
-                      <a:schemeClr val="bg1">
-                        <a:lumMod val="85000"/>
-                      </a:schemeClr>
-                    </a:solidFill>
-                  </a:tcPr>
-                </a:tc>
-                <a:tc>
-                  <a:txBody>
-                    <a:bodyPr/>
-                    <a:lstStyle/>
-                    <a:p>
-                      <a:pPr algn="ctr" latinLnBrk="1"/>
-                      <a:r>
-                        <a:rPr lang="ko-KR" altLang="en-US" sz="1400" b="0" baseline="0" dirty="0" smtClean="0">
+                        <a:rPr lang="ko-KR" altLang="en-US" sz="1400" dirty="0" smtClean="0">
                           <a:solidFill>
                             <a:schemeClr val="tx1">
                               <a:lumMod val="75000"/>
@@ -9316,9 +6311,9 @@
                           <a:latin typeface="나눔스퀘어OTF Bold" pitchFamily="34" charset="-127"/>
                           <a:ea typeface="나눔스퀘어OTF Bold" pitchFamily="34" charset="-127"/>
                         </a:rPr>
-                        <a:t>스테이지</a:t>
-                      </a:r>
-                      <a:endParaRPr lang="en-US" altLang="ko-KR" sz="1400" b="0" baseline="0" dirty="0" smtClean="0">
+                        <a:t>타이틀과 메인 </a:t>
+                      </a:r>
+                      <a:endParaRPr lang="en-US" altLang="ko-KR" sz="1400" dirty="0" smtClean="0">
                         <a:solidFill>
                           <a:schemeClr val="tx1">
                             <a:lumMod val="75000"/>
@@ -9330,9 +6325,25 @@
                       </a:endParaRPr>
                     </a:p>
                     <a:p>
-                      <a:pPr algn="ctr" latinLnBrk="1"/>
-                      <a:r>
-                        <a:rPr lang="ko-KR" altLang="en-US" sz="1400" b="0" baseline="0" dirty="0" smtClean="0">
+                      <a:pPr marL="0" marR="0" indent="0" algn="ctr" defTabSz="914400" rtl="0" eaLnBrk="1" fontAlgn="auto" latinLnBrk="1" hangingPunct="1">
+                        <a:lnSpc>
+                          <a:spcPct val="100000"/>
+                        </a:lnSpc>
+                        <a:spcBef>
+                          <a:spcPts val="0"/>
+                        </a:spcBef>
+                        <a:spcAft>
+                          <a:spcPts val="0"/>
+                        </a:spcAft>
+                        <a:buClrTx/>
+                        <a:buSzTx/>
+                        <a:buFontTx/>
+                        <a:buNone/>
+                        <a:tabLst/>
+                        <a:defRPr/>
+                      </a:pPr>
+                      <a:r>
+                        <a:rPr lang="ko-KR" altLang="en-US" sz="1400" dirty="0" smtClean="0">
                           <a:solidFill>
                             <a:schemeClr val="tx1">
                               <a:lumMod val="75000"/>
@@ -9342,9 +6353,9 @@
                           <a:latin typeface="나눔스퀘어OTF Bold" pitchFamily="34" charset="-127"/>
                           <a:ea typeface="나눔스퀘어OTF Bold" pitchFamily="34" charset="-127"/>
                         </a:rPr>
-                        <a:t>최종발표 준비</a:t>
-                      </a:r>
-                      <a:endParaRPr lang="en-US" altLang="ko-KR" sz="1400" b="0" baseline="0" dirty="0" smtClean="0">
+                        <a:t>배경음악 삽입</a:t>
+                      </a:r>
+                      <a:endParaRPr lang="ko-KR" altLang="en-US" sz="1400" dirty="0" smtClean="0">
                         <a:solidFill>
                           <a:schemeClr val="tx1">
                             <a:lumMod val="75000"/>
@@ -9384,6 +6395,15 @@
                       <a:headEnd type="none" w="med" len="med"/>
                       <a:tailEnd type="none" w="med" len="med"/>
                     </a:lnT>
+                    <a:lnB w="12700" cap="flat" cmpd="sng" algn="ctr">
+                      <a:solidFill>
+                        <a:srgbClr val="C4D4E2"/>
+                      </a:solidFill>
+                      <a:prstDash val="solid"/>
+                      <a:round/>
+                      <a:headEnd type="none" w="med" len="med"/>
+                      <a:tailEnd type="none" w="med" len="med"/>
+                    </a:lnB>
                   </a:tcPr>
                 </a:tc>
                 <a:tc>
@@ -9391,9 +6411,9 @@
                     <a:bodyPr/>
                     <a:lstStyle/>
                     <a:p>
-                      <a:pPr marL="342900" marR="0" indent="-342900" algn="l" defTabSz="914400" rtl="0" eaLnBrk="1" fontAlgn="auto" latinLnBrk="1" hangingPunct="1">
+                      <a:pPr marL="0" marR="0" indent="0" algn="ctr" defTabSz="914400" rtl="0" eaLnBrk="1" fontAlgn="auto" latinLnBrk="1" hangingPunct="1">
                         <a:lnSpc>
-                          <a:spcPts val="2200"/>
+                          <a:spcPct val="100000"/>
                         </a:lnSpc>
                         <a:spcBef>
                           <a:spcPts val="0"/>
@@ -9404,12 +6424,12 @@
                         <a:buClrTx/>
                         <a:buSzTx/>
                         <a:buFontTx/>
-                        <a:buAutoNum type="arabicPeriod"/>
+                        <a:buNone/>
                         <a:tabLst/>
                         <a:defRPr/>
                       </a:pPr>
                       <a:r>
-                        <a:rPr lang="ko-KR" altLang="en-US" sz="1400" b="0" dirty="0" smtClean="0">
+                        <a:rPr lang="en-US" altLang="ko-KR" sz="1400" dirty="0" smtClean="0">
                           <a:solidFill>
                             <a:schemeClr val="tx1">
                               <a:lumMod val="75000"/>
@@ -9419,51 +6439,9 @@
                           <a:latin typeface="나눔스퀘어OTF Bold" pitchFamily="34" charset="-127"/>
                           <a:ea typeface="나눔스퀘어OTF Bold" pitchFamily="34" charset="-127"/>
                         </a:rPr>
-                        <a:t>추가적인 스테이지 구현</a:t>
-                      </a:r>
-                      <a:endParaRPr lang="en-US" altLang="ko-KR" sz="1400" b="0" dirty="0" smtClean="0">
-                        <a:solidFill>
-                          <a:schemeClr val="tx1">
-                            <a:lumMod val="75000"/>
-                            <a:lumOff val="25000"/>
-                          </a:schemeClr>
-                        </a:solidFill>
-                        <a:latin typeface="나눔스퀘어OTF Bold" pitchFamily="34" charset="-127"/>
-                        <a:ea typeface="나눔스퀘어OTF Bold" pitchFamily="34" charset="-127"/>
-                      </a:endParaRPr>
-                    </a:p>
-                    <a:p>
-                      <a:pPr marL="342900" marR="0" indent="-342900" algn="l" defTabSz="914400" rtl="0" eaLnBrk="1" fontAlgn="auto" latinLnBrk="1" hangingPunct="1">
-                        <a:lnSpc>
-                          <a:spcPts val="2200"/>
-                        </a:lnSpc>
-                        <a:spcBef>
-                          <a:spcPts val="0"/>
-                        </a:spcBef>
-                        <a:spcAft>
-                          <a:spcPts val="0"/>
-                        </a:spcAft>
-                        <a:buClrTx/>
-                        <a:buSzTx/>
-                        <a:buFontTx/>
-                        <a:buAutoNum type="arabicPeriod"/>
-                        <a:tabLst/>
-                        <a:defRPr/>
-                      </a:pPr>
-                      <a:r>
-                        <a:rPr lang="ko-KR" altLang="en-US" sz="1400" b="0" dirty="0" smtClean="0">
-                          <a:solidFill>
-                            <a:schemeClr val="tx1">
-                              <a:lumMod val="75000"/>
-                              <a:lumOff val="25000"/>
-                            </a:schemeClr>
-                          </a:solidFill>
-                          <a:latin typeface="나눔스퀘어OTF Bold" pitchFamily="34" charset="-127"/>
-                          <a:ea typeface="나눔스퀘어OTF Bold" pitchFamily="34" charset="-127"/>
-                        </a:rPr>
-                        <a:t>최종 발표 준비</a:t>
-                      </a:r>
-                      <a:endParaRPr lang="en-US" altLang="ko-KR" sz="1400" b="0" dirty="0" smtClean="0">
+                        <a:t>40%</a:t>
+                      </a:r>
+                      <a:endParaRPr lang="ko-KR" altLang="en-US" sz="1400" dirty="0" smtClean="0">
                         <a:solidFill>
                           <a:schemeClr val="tx1">
                             <a:lumMod val="75000"/>
@@ -9494,11 +6472,20 @@
                       <a:headEnd type="none" w="med" len="med"/>
                       <a:tailEnd type="none" w="med" len="med"/>
                     </a:lnT>
+                    <a:lnB w="12700" cap="flat" cmpd="sng" algn="ctr">
+                      <a:solidFill>
+                        <a:srgbClr val="C4D4E2"/>
+                      </a:solidFill>
+                      <a:prstDash val="solid"/>
+                      <a:round/>
+                      <a:headEnd type="none" w="med" len="med"/>
+                      <a:tailEnd type="none" w="med" len="med"/>
+                    </a:lnB>
                   </a:tcPr>
                 </a:tc>
                 <a:extLst>
                   <a:ext uri="{0D108BD9-81ED-4DB2-BD59-A6C34878D82A}">
-                    <a16:rowId xmlns:a16="http://schemas.microsoft.com/office/drawing/2014/main" val="1877284406"/>
+                    <a16:rowId xmlns:a16="http://schemas.microsoft.com/office/drawing/2014/main" xmlns="" val="678621988"/>
                   </a:ext>
                 </a:extLst>
               </a:tr>
@@ -9506,58 +6493,10 @@
           </a:graphicData>
         </a:graphic>
       </p:graphicFrame>
-      <p:sp>
-        <p:nvSpPr>
-          <p:cNvPr id="4" name="TextBox 3"/>
-          <p:cNvSpPr txBox="1"/>
-          <p:nvPr/>
-        </p:nvSpPr>
-        <p:spPr>
-          <a:xfrm>
-            <a:off x="1214414" y="692696"/>
-            <a:ext cx="1394934" cy="461665"/>
-          </a:xfrm>
-          <a:prstGeom prst="rect">
-            <a:avLst/>
-          </a:prstGeom>
-          <a:noFill/>
-        </p:spPr>
-        <p:txBody>
-          <a:bodyPr wrap="none" rtlCol="0">
-            <a:spAutoFit/>
-          </a:bodyPr>
-          <a:lstStyle/>
-          <a:p>
-            <a:r>
-              <a:rPr lang="ko-KR" altLang="en-US" sz="2400" b="1" spc="-150" dirty="0" smtClean="0">
-                <a:solidFill>
-                  <a:schemeClr val="tx1">
-                    <a:lumMod val="75000"/>
-                    <a:lumOff val="25000"/>
-                  </a:schemeClr>
-                </a:solidFill>
-                <a:latin typeface="나눔스퀘어OTF ExtraBold" pitchFamily="34" charset="-127"/>
-                <a:ea typeface="나눔스퀘어OTF ExtraBold" pitchFamily="34" charset="-127"/>
-              </a:rPr>
-              <a:t>개발 현황</a:t>
-            </a:r>
-            <a:endParaRPr lang="ko-KR" altLang="en-US" sz="2400" b="1" spc="-150" dirty="0">
-              <a:solidFill>
-                <a:schemeClr val="tx1">
-                  <a:lumMod val="75000"/>
-                  <a:lumOff val="25000"/>
-                </a:schemeClr>
-              </a:solidFill>
-              <a:latin typeface="나눔스퀘어OTF ExtraBold" pitchFamily="34" charset="-127"/>
-              <a:ea typeface="나눔스퀘어OTF ExtraBold" pitchFamily="34" charset="-127"/>
-            </a:endParaRPr>
-          </a:p>
-        </p:txBody>
-      </p:sp>
     </p:spTree>
     <p:extLst>
       <p:ext uri="{BB962C8B-B14F-4D97-AF65-F5344CB8AC3E}">
-        <p14:creationId xmlns:p14="http://schemas.microsoft.com/office/powerpoint/2010/main" val="108178881"/>
+        <p14:creationId xmlns:p14="http://schemas.microsoft.com/office/powerpoint/2010/main" xmlns="" val="2872412707"/>
       </p:ext>
     </p:extLst>
   </p:cSld>
@@ -9574,7 +6513,7 @@
 </p:sld>
 </file>
 
-<file path=ppt/slides/slide6.xml><?xml version="1.0" encoding="utf-8"?>
+<file path=ppt/slides/slide3.xml><?xml version="1.0" encoding="utf-8"?>
 <p:sld xmlns:a="http://schemas.openxmlformats.org/drawingml/2006/main" xmlns:r="http://schemas.openxmlformats.org/officeDocument/2006/relationships" xmlns:p="http://schemas.openxmlformats.org/presentationml/2006/main">
   <p:cSld>
     <p:spTree>
@@ -9614,8 +6553,12 @@
           <a:lstStyle/>
           <a:p>
             <a:r>
+              <a:rPr lang="en-US" altLang="ko-KR" dirty="0" err="1" smtClean="0"/>
+              <a:t>GitHub</a:t>
+            </a:r>
+            <a:r>
               <a:rPr lang="en-US" altLang="ko-KR" dirty="0" smtClean="0"/>
-              <a:t>GitHub </a:t>
+              <a:t> </a:t>
             </a:r>
             <a:r>
               <a:rPr lang="ko-KR" altLang="en-US" dirty="0" smtClean="0"/>
@@ -9625,72 +6568,393 @@
           </a:p>
         </p:txBody>
       </p:sp>
+      <p:graphicFrame>
+        <p:nvGraphicFramePr>
+          <p:cNvPr id="5" name="표 4"/>
+          <p:cNvGraphicFramePr>
+            <a:graphicFrameLocks noGrp="1"/>
+          </p:cNvGraphicFramePr>
+          <p:nvPr/>
+        </p:nvGraphicFramePr>
+        <p:xfrm>
+          <a:off x="2571736" y="2786058"/>
+          <a:ext cx="4143404" cy="3708400"/>
+        </p:xfrm>
+        <a:graphic>
+          <a:graphicData uri="http://schemas.openxmlformats.org/drawingml/2006/table">
+            <a:tbl>
+              <a:tblPr firstRow="1" bandRow="1">
+                <a:tableStyleId>{5C22544A-7EE6-4342-B048-85BDC9FD1C3A}</a:tableStyleId>
+              </a:tblPr>
+              <a:tblGrid>
+                <a:gridCol w="2071702"/>
+                <a:gridCol w="2071702"/>
+              </a:tblGrid>
+              <a:tr h="370840">
+                <a:tc>
+                  <a:txBody>
+                    <a:bodyPr/>
+                    <a:lstStyle/>
+                    <a:p>
+                      <a:pPr algn="ctr" latinLnBrk="1"/>
+                      <a:r>
+                        <a:rPr lang="ko-KR" altLang="en-US" dirty="0" smtClean="0"/>
+                        <a:t>주</a:t>
+                      </a:r>
+                      <a:endParaRPr lang="ko-KR" altLang="en-US" dirty="0"/>
+                    </a:p>
+                  </a:txBody>
+                  <a:tcPr/>
+                </a:tc>
+                <a:tc>
+                  <a:txBody>
+                    <a:bodyPr/>
+                    <a:lstStyle/>
+                    <a:p>
+                      <a:pPr algn="ctr" latinLnBrk="1"/>
+                      <a:r>
+                        <a:rPr lang="ko-KR" altLang="en-US" dirty="0" err="1" smtClean="0"/>
+                        <a:t>커밋</a:t>
+                      </a:r>
+                      <a:r>
+                        <a:rPr lang="ko-KR" altLang="en-US" dirty="0" smtClean="0"/>
+                        <a:t> 횟수</a:t>
+                      </a:r>
+                      <a:endParaRPr lang="ko-KR" altLang="en-US" dirty="0"/>
+                    </a:p>
+                  </a:txBody>
+                  <a:tcPr/>
+                </a:tc>
+              </a:tr>
+              <a:tr h="370840">
+                <a:tc>
+                  <a:txBody>
+                    <a:bodyPr/>
+                    <a:lstStyle/>
+                    <a:p>
+                      <a:pPr algn="ctr" latinLnBrk="1"/>
+                      <a:r>
+                        <a:rPr lang="en-US" altLang="ko-KR" dirty="0" smtClean="0"/>
+                        <a:t>1</a:t>
+                      </a:r>
+                      <a:endParaRPr lang="ko-KR" altLang="en-US" dirty="0"/>
+                    </a:p>
+                  </a:txBody>
+                  <a:tcPr/>
+                </a:tc>
+                <a:tc>
+                  <a:txBody>
+                    <a:bodyPr/>
+                    <a:lstStyle/>
+                    <a:p>
+                      <a:pPr algn="ctr" latinLnBrk="1"/>
+                      <a:r>
+                        <a:rPr lang="en-US" altLang="ko-KR" dirty="0" smtClean="0"/>
+                        <a:t>1</a:t>
+                      </a:r>
+                      <a:endParaRPr lang="ko-KR" altLang="en-US" dirty="0"/>
+                    </a:p>
+                  </a:txBody>
+                  <a:tcPr/>
+                </a:tc>
+              </a:tr>
+              <a:tr h="370840">
+                <a:tc>
+                  <a:txBody>
+                    <a:bodyPr/>
+                    <a:lstStyle/>
+                    <a:p>
+                      <a:pPr algn="ctr" latinLnBrk="1"/>
+                      <a:r>
+                        <a:rPr lang="en-US" altLang="ko-KR" dirty="0" smtClean="0"/>
+                        <a:t>2</a:t>
+                      </a:r>
+                      <a:endParaRPr lang="ko-KR" altLang="en-US" dirty="0"/>
+                    </a:p>
+                  </a:txBody>
+                  <a:tcPr/>
+                </a:tc>
+                <a:tc>
+                  <a:txBody>
+                    <a:bodyPr/>
+                    <a:lstStyle/>
+                    <a:p>
+                      <a:pPr algn="ctr" latinLnBrk="1"/>
+                      <a:r>
+                        <a:rPr lang="en-US" altLang="ko-KR" dirty="0" smtClean="0"/>
+                        <a:t>0</a:t>
+                      </a:r>
+                      <a:endParaRPr lang="ko-KR" altLang="en-US" dirty="0"/>
+                    </a:p>
+                  </a:txBody>
+                  <a:tcPr/>
+                </a:tc>
+              </a:tr>
+              <a:tr h="370840">
+                <a:tc>
+                  <a:txBody>
+                    <a:bodyPr/>
+                    <a:lstStyle/>
+                    <a:p>
+                      <a:pPr algn="ctr" latinLnBrk="1"/>
+                      <a:r>
+                        <a:rPr lang="en-US" altLang="ko-KR" dirty="0" smtClean="0"/>
+                        <a:t>3</a:t>
+                      </a:r>
+                      <a:endParaRPr lang="ko-KR" altLang="en-US" dirty="0"/>
+                    </a:p>
+                  </a:txBody>
+                  <a:tcPr/>
+                </a:tc>
+                <a:tc>
+                  <a:txBody>
+                    <a:bodyPr/>
+                    <a:lstStyle/>
+                    <a:p>
+                      <a:pPr algn="ctr" latinLnBrk="1"/>
+                      <a:r>
+                        <a:rPr lang="en-US" altLang="ko-KR" dirty="0" smtClean="0"/>
+                        <a:t>0</a:t>
+                      </a:r>
+                      <a:endParaRPr lang="ko-KR" altLang="en-US" dirty="0"/>
+                    </a:p>
+                  </a:txBody>
+                  <a:tcPr/>
+                </a:tc>
+              </a:tr>
+              <a:tr h="370840">
+                <a:tc>
+                  <a:txBody>
+                    <a:bodyPr/>
+                    <a:lstStyle/>
+                    <a:p>
+                      <a:pPr algn="ctr" latinLnBrk="1"/>
+                      <a:r>
+                        <a:rPr lang="en-US" altLang="ko-KR" dirty="0" smtClean="0"/>
+                        <a:t>4</a:t>
+                      </a:r>
+                      <a:endParaRPr lang="ko-KR" altLang="en-US" dirty="0"/>
+                    </a:p>
+                  </a:txBody>
+                  <a:tcPr/>
+                </a:tc>
+                <a:tc>
+                  <a:txBody>
+                    <a:bodyPr/>
+                    <a:lstStyle/>
+                    <a:p>
+                      <a:pPr algn="ctr" latinLnBrk="1"/>
+                      <a:r>
+                        <a:rPr lang="en-US" altLang="ko-KR" dirty="0" smtClean="0"/>
+                        <a:t>1</a:t>
+                      </a:r>
+                      <a:endParaRPr lang="ko-KR" altLang="en-US" dirty="0"/>
+                    </a:p>
+                  </a:txBody>
+                  <a:tcPr/>
+                </a:tc>
+              </a:tr>
+              <a:tr h="370840">
+                <a:tc>
+                  <a:txBody>
+                    <a:bodyPr/>
+                    <a:lstStyle/>
+                    <a:p>
+                      <a:pPr algn="ctr" latinLnBrk="1"/>
+                      <a:r>
+                        <a:rPr lang="en-US" altLang="ko-KR" dirty="0" smtClean="0"/>
+                        <a:t>5</a:t>
+                      </a:r>
+                      <a:endParaRPr lang="ko-KR" altLang="en-US" dirty="0"/>
+                    </a:p>
+                  </a:txBody>
+                  <a:tcPr/>
+                </a:tc>
+                <a:tc>
+                  <a:txBody>
+                    <a:bodyPr/>
+                    <a:lstStyle/>
+                    <a:p>
+                      <a:pPr algn="ctr" latinLnBrk="1"/>
+                      <a:r>
+                        <a:rPr lang="en-US" altLang="ko-KR" dirty="0" smtClean="0"/>
+                        <a:t>9</a:t>
+                      </a:r>
+                      <a:endParaRPr lang="ko-KR" altLang="en-US" dirty="0"/>
+                    </a:p>
+                  </a:txBody>
+                  <a:tcPr/>
+                </a:tc>
+              </a:tr>
+              <a:tr h="370840">
+                <a:tc>
+                  <a:txBody>
+                    <a:bodyPr/>
+                    <a:lstStyle/>
+                    <a:p>
+                      <a:pPr algn="ctr" latinLnBrk="1"/>
+                      <a:r>
+                        <a:rPr lang="en-US" altLang="ko-KR" dirty="0" smtClean="0"/>
+                        <a:t>6</a:t>
+                      </a:r>
+                      <a:endParaRPr lang="ko-KR" altLang="en-US" dirty="0"/>
+                    </a:p>
+                  </a:txBody>
+                  <a:tcPr/>
+                </a:tc>
+                <a:tc>
+                  <a:txBody>
+                    <a:bodyPr/>
+                    <a:lstStyle/>
+                    <a:p>
+                      <a:pPr algn="ctr" latinLnBrk="1"/>
+                      <a:r>
+                        <a:rPr lang="en-US" altLang="ko-KR" dirty="0" smtClean="0"/>
+                        <a:t>1</a:t>
+                      </a:r>
+                      <a:endParaRPr lang="ko-KR" altLang="en-US" dirty="0"/>
+                    </a:p>
+                  </a:txBody>
+                  <a:tcPr/>
+                </a:tc>
+              </a:tr>
+              <a:tr h="370840">
+                <a:tc>
+                  <a:txBody>
+                    <a:bodyPr/>
+                    <a:lstStyle/>
+                    <a:p>
+                      <a:pPr algn="ctr" latinLnBrk="1"/>
+                      <a:r>
+                        <a:rPr lang="en-US" altLang="ko-KR" dirty="0" smtClean="0"/>
+                        <a:t>7</a:t>
+                      </a:r>
+                      <a:endParaRPr lang="ko-KR" altLang="en-US" dirty="0"/>
+                    </a:p>
+                  </a:txBody>
+                  <a:tcPr/>
+                </a:tc>
+                <a:tc>
+                  <a:txBody>
+                    <a:bodyPr/>
+                    <a:lstStyle/>
+                    <a:p>
+                      <a:pPr algn="ctr" latinLnBrk="1"/>
+                      <a:r>
+                        <a:rPr lang="en-US" altLang="ko-KR" dirty="0" smtClean="0"/>
+                        <a:t>3</a:t>
+                      </a:r>
+                      <a:endParaRPr lang="ko-KR" altLang="en-US" dirty="0"/>
+                    </a:p>
+                  </a:txBody>
+                  <a:tcPr/>
+                </a:tc>
+              </a:tr>
+              <a:tr h="370840">
+                <a:tc>
+                  <a:txBody>
+                    <a:bodyPr/>
+                    <a:lstStyle/>
+                    <a:p>
+                      <a:pPr algn="ctr" latinLnBrk="1"/>
+                      <a:r>
+                        <a:rPr lang="en-US" altLang="ko-KR" dirty="0" smtClean="0"/>
+                        <a:t>8</a:t>
+                      </a:r>
+                      <a:endParaRPr lang="ko-KR" altLang="en-US" dirty="0"/>
+                    </a:p>
+                  </a:txBody>
+                  <a:tcPr/>
+                </a:tc>
+                <a:tc>
+                  <a:txBody>
+                    <a:bodyPr/>
+                    <a:lstStyle/>
+                    <a:p>
+                      <a:pPr algn="ctr" latinLnBrk="1"/>
+                      <a:r>
+                        <a:rPr lang="en-US" altLang="ko-KR" dirty="0" smtClean="0"/>
+                        <a:t>6</a:t>
+                      </a:r>
+                      <a:endParaRPr lang="ko-KR" altLang="en-US" dirty="0"/>
+                    </a:p>
+                  </a:txBody>
+                  <a:tcPr/>
+                </a:tc>
+              </a:tr>
+              <a:tr h="370840">
+                <a:tc>
+                  <a:txBody>
+                    <a:bodyPr/>
+                    <a:lstStyle/>
+                    <a:p>
+                      <a:pPr algn="ctr" latinLnBrk="1"/>
+                      <a:r>
+                        <a:rPr lang="en-US" altLang="ko-KR" dirty="0" smtClean="0"/>
+                        <a:t>9</a:t>
+                      </a:r>
+                      <a:endParaRPr lang="ko-KR" altLang="en-US" dirty="0"/>
+                    </a:p>
+                  </a:txBody>
+                  <a:tcPr/>
+                </a:tc>
+                <a:tc>
+                  <a:txBody>
+                    <a:bodyPr/>
+                    <a:lstStyle/>
+                    <a:p>
+                      <a:pPr algn="ctr" latinLnBrk="1"/>
+                      <a:r>
+                        <a:rPr lang="en-US" altLang="ko-KR" dirty="0" smtClean="0"/>
+                        <a:t>3</a:t>
+                      </a:r>
+                      <a:endParaRPr lang="ko-KR" altLang="en-US" dirty="0"/>
+                    </a:p>
+                  </a:txBody>
+                  <a:tcPr/>
+                </a:tc>
+              </a:tr>
+            </a:tbl>
+          </a:graphicData>
+        </a:graphic>
+      </p:graphicFrame>
       <p:pic>
         <p:nvPicPr>
-          <p:cNvPr id="3" name="그림 2"/>
+          <p:cNvPr id="1026" name="Picture 2"/>
           <p:cNvPicPr>
-            <a:picLocks noChangeAspect="1"/>
+            <a:picLocks noChangeAspect="1" noChangeArrowheads="1"/>
           </p:cNvPicPr>
           <p:nvPr/>
         </p:nvPicPr>
         <p:blipFill>
-          <a:blip r:embed="rId2">
-            <a:extLst>
-              <a:ext uri="{28A0092B-C50C-407E-A947-70E740481C1C}">
-                <a14:useLocalDpi xmlns:a14="http://schemas.microsoft.com/office/drawing/2010/main" val="0"/>
-              </a:ext>
-            </a:extLst>
-          </a:blip>
+          <a:blip r:embed="rId2"/>
+          <a:srcRect/>
           <a:stretch>
             <a:fillRect/>
           </a:stretch>
         </p:blipFill>
-        <p:spPr>
+        <p:spPr bwMode="auto">
           <a:xfrm>
-            <a:off x="1171315" y="2276662"/>
-            <a:ext cx="5848958" cy="4020098"/>
-          </a:xfrm>
-          <a:prstGeom prst="rect">
-            <a:avLst/>
-          </a:prstGeom>
-        </p:spPr>
-      </p:pic>
-      <p:sp>
-        <p:nvSpPr>
-          <p:cNvPr id="4" name="TextBox 3"/>
-          <p:cNvSpPr txBox="1"/>
-          <p:nvPr/>
-        </p:nvSpPr>
-        <p:spPr>
-          <a:xfrm>
-            <a:off x="1403649" y="1484784"/>
-            <a:ext cx="6696744" cy="646331"/>
+            <a:off x="1195388" y="1571612"/>
+            <a:ext cx="6753225" cy="1190625"/>
           </a:xfrm>
           <a:prstGeom prst="rect">
             <a:avLst/>
           </a:prstGeom>
           <a:noFill/>
+          <a:ln w="9525">
+            <a:noFill/>
+            <a:miter lim="800000"/>
+            <a:headEnd/>
+            <a:tailEnd/>
+          </a:ln>
+          <a:effectLst/>
         </p:spPr>
-        <p:txBody>
-          <a:bodyPr wrap="square" rtlCol="0">
-            <a:spAutoFit/>
-          </a:bodyPr>
-          <a:lstStyle/>
-          <a:p>
-            <a:r>
-              <a:rPr lang="en-US" altLang="ko-KR" dirty="0">
-                <a:hlinkClick r:id="rId3"/>
-              </a:rPr>
-              <a:t>https://github.com/opopop12/2018180041_2DGP_HaeGeun_Jo/graphs/commit-activity</a:t>
-            </a:r>
-            <a:endParaRPr lang="ko-KR" altLang="en-US" dirty="0"/>
-          </a:p>
-        </p:txBody>
-      </p:sp>
+      </p:pic>
     </p:spTree>
     <p:extLst>
       <p:ext uri="{BB962C8B-B14F-4D97-AF65-F5344CB8AC3E}">
-        <p14:creationId xmlns:p14="http://schemas.microsoft.com/office/powerpoint/2010/main" val="2847995377"/>
+        <p14:creationId xmlns:p14="http://schemas.microsoft.com/office/powerpoint/2010/main" xmlns="" val="2847995377"/>
       </p:ext>
     </p:extLst>
   </p:cSld>
